--- a/spring12/slidesS12/book-stacking.pptx
+++ b/spring12/slidesS12/book-stacking.pptx
@@ -4956,74 +4956,6 @@
           </a:p>
         </p:txBody>
       </p:sp>
-      <p:sp>
-        <p:nvSpPr>
-          <p:cNvPr id="21" name="Date Placeholder 5"/>
-          <p:cNvSpPr txBox="1">
-            <a:spLocks/>
-          </p:cNvSpPr>
-          <p:nvPr/>
-        </p:nvSpPr>
-        <p:spPr>
-          <a:xfrm>
-            <a:off x="2971800" y="6553200"/>
-            <a:ext cx="3200400" cy="304800"/>
-          </a:xfrm>
-          <a:prstGeom prst="rect">
-            <a:avLst/>
-          </a:prstGeom>
-        </p:spPr>
-        <p:txBody>
-          <a:bodyPr/>
-          <a:lstStyle/>
-          <a:p>
-            <a:pPr marL="0" marR="0" lvl="0" indent="0" algn="l" defTabSz="914400" rtl="0" eaLnBrk="1" fontAlgn="base" latinLnBrk="0" hangingPunct="1">
-              <a:lnSpc>
-                <a:spcPct val="100000"/>
-              </a:lnSpc>
-              <a:spcBef>
-                <a:spcPct val="0"/>
-              </a:spcBef>
-              <a:spcAft>
-                <a:spcPct val="0"/>
-              </a:spcAft>
-              <a:buClrTx/>
-              <a:buSzTx/>
-              <a:buFontTx/>
-              <a:buNone/>
-              <a:tabLst/>
-              <a:defRPr/>
-            </a:pPr>
-            <a:r>
-              <a:rPr kumimoji="0" lang="en-US" sz="1200" b="0" i="0" u="none" strike="noStrike" kern="1200" cap="none" spc="0" normalizeH="0" baseline="0" noProof="0" dirty="0" smtClean="0">
-                <a:ln>
-                  <a:noFill/>
-                </a:ln>
-                <a:solidFill>
-                  <a:schemeClr val="tx1"/>
-                </a:solidFill>
-                <a:effectLst/>
-                <a:uLnTx/>
-                <a:uFillTx/>
-                <a:latin typeface="Comic Sans MS" pitchFamily="66" charset="0"/>
-              </a:rPr>
-              <a:t>Albert R Meyer,             November 4, 2011</a:t>
-            </a:r>
-            <a:endParaRPr kumimoji="0" lang="en-US" sz="1200" b="0" i="0" u="none" strike="noStrike" kern="1200" cap="none" spc="0" normalizeH="0" baseline="0" noProof="0" dirty="0">
-              <a:ln>
-                <a:noFill/>
-              </a:ln>
-              <a:solidFill>
-                <a:schemeClr val="tx1"/>
-              </a:solidFill>
-              <a:effectLst/>
-              <a:uLnTx/>
-              <a:uFillTx/>
-              <a:latin typeface="Comic Sans MS" pitchFamily="66" charset="0"/>
-            </a:endParaRPr>
-          </a:p>
-        </p:txBody>
-      </p:sp>
       <p:pic>
         <p:nvPicPr>
           <p:cNvPr id="22" name="Picture 21" descr="license.img"/>
@@ -5056,13 +4988,13 @@
   <p:clrMapOvr>
     <a:masterClrMapping/>
   </p:clrMapOvr>
-  <mc:AlternateContent xmlns:mc="http://schemas.openxmlformats.org/markup-compatibility/2006">
-    <mc:Choice xmlns:p14="http://schemas.microsoft.com/office/powerpoint/2010/main" Requires="p14">
+  <mc:AlternateContent xmlns:mc="http://schemas.openxmlformats.org/markup-compatibility/2006" xmlns:p14="http://schemas.microsoft.com/office/powerpoint/2010/main">
+    <mc:Choice Requires="p14">
       <p:transition spd="med" p14:dur="700" advTm="24441">
         <p:fade/>
       </p:transition>
     </mc:Choice>
-    <mc:Fallback>
+    <mc:Fallback xmlns="">
       <p:transition xmlns:p14="http://schemas.microsoft.com/office/powerpoint/2010/main" spd="med" advTm="24441">
         <p:fade/>
       </p:transition>
@@ -6045,7 +5977,7 @@
           <a:graphicData uri="http://schemas.openxmlformats.org/presentationml/2006/ole">
             <mc:AlternateContent xmlns:mc="http://schemas.openxmlformats.org/markup-compatibility/2006">
               <mc:Choice xmlns:v="urn:schemas-microsoft-com:vml" Requires="v">
-                <p:oleObj spid="_x0000_s10329" name="Equation" r:id="rId5" imgW="914400" imgH="179640" progId="Equation.DSMT4">
+                <p:oleObj spid="_x0000_s10338" name="Equation" r:id="rId5" imgW="914400" imgH="179640" progId="Equation.DSMT4">
                   <p:embed/>
                 </p:oleObj>
               </mc:Choice>
@@ -6115,7 +6047,7 @@
           <a:graphicData uri="http://schemas.openxmlformats.org/presentationml/2006/ole">
             <mc:AlternateContent xmlns:mc="http://schemas.openxmlformats.org/markup-compatibility/2006">
               <mc:Choice xmlns:v="urn:schemas-microsoft-com:vml" Requires="v">
-                <p:oleObj spid="_x0000_s10330" name="Equation" r:id="rId7" imgW="215640" imgH="355320" progId="Equation.DSMT4">
+                <p:oleObj spid="_x0000_s10339" name="Equation" r:id="rId7" imgW="215640" imgH="355320" progId="Equation.DSMT4">
                   <p:embed/>
                 </p:oleObj>
               </mc:Choice>
@@ -6185,7 +6117,7 @@
           <a:graphicData uri="http://schemas.openxmlformats.org/presentationml/2006/ole">
             <mc:AlternateContent xmlns:mc="http://schemas.openxmlformats.org/markup-compatibility/2006">
               <mc:Choice xmlns:v="urn:schemas-microsoft-com:vml" Requires="v">
-                <p:oleObj spid="_x0000_s10331" name="Equation" r:id="rId9" imgW="215640" imgH="355320" progId="Equation.DSMT4">
+                <p:oleObj spid="_x0000_s10340" name="Equation" r:id="rId9" imgW="215640" imgH="355320" progId="Equation.DSMT4">
                   <p:embed/>
                 </p:oleObj>
               </mc:Choice>
@@ -6415,7 +6347,7 @@
           <a:graphicData uri="http://schemas.openxmlformats.org/presentationml/2006/ole">
             <mc:AlternateContent xmlns:mc="http://schemas.openxmlformats.org/markup-compatibility/2006">
               <mc:Choice xmlns:v="urn:schemas-microsoft-com:vml" Requires="v">
-                <p:oleObj spid="_x0000_s10332" name="Equation" r:id="rId11" imgW="139700" imgH="406400" progId="Equation.DSMT4">
+                <p:oleObj spid="_x0000_s10341" name="Equation" r:id="rId11" imgW="139700" imgH="406400" progId="Equation.DSMT4">
                   <p:embed/>
                 </p:oleObj>
               </mc:Choice>
@@ -6469,74 +6401,6 @@
           </a:graphicData>
         </a:graphic>
       </p:graphicFrame>
-      <p:sp>
-        <p:nvSpPr>
-          <p:cNvPr id="31" name="Date Placeholder 5"/>
-          <p:cNvSpPr txBox="1">
-            <a:spLocks/>
-          </p:cNvSpPr>
-          <p:nvPr/>
-        </p:nvSpPr>
-        <p:spPr>
-          <a:xfrm>
-            <a:off x="2971800" y="6553200"/>
-            <a:ext cx="3200400" cy="304800"/>
-          </a:xfrm>
-          <a:prstGeom prst="rect">
-            <a:avLst/>
-          </a:prstGeom>
-        </p:spPr>
-        <p:txBody>
-          <a:bodyPr/>
-          <a:lstStyle/>
-          <a:p>
-            <a:pPr marL="0" marR="0" lvl="0" indent="0" algn="l" defTabSz="914400" rtl="0" eaLnBrk="1" fontAlgn="base" latinLnBrk="0" hangingPunct="1">
-              <a:lnSpc>
-                <a:spcPct val="100000"/>
-              </a:lnSpc>
-              <a:spcBef>
-                <a:spcPct val="0"/>
-              </a:spcBef>
-              <a:spcAft>
-                <a:spcPct val="0"/>
-              </a:spcAft>
-              <a:buClrTx/>
-              <a:buSzTx/>
-              <a:buFontTx/>
-              <a:buNone/>
-              <a:tabLst/>
-              <a:defRPr/>
-            </a:pPr>
-            <a:r>
-              <a:rPr kumimoji="0" lang="en-US" sz="1200" b="0" i="0" u="none" strike="noStrike" kern="1200" cap="none" spc="0" normalizeH="0" baseline="0" noProof="0" dirty="0" smtClean="0">
-                <a:ln>
-                  <a:noFill/>
-                </a:ln>
-                <a:solidFill>
-                  <a:schemeClr val="tx1"/>
-                </a:solidFill>
-                <a:effectLst/>
-                <a:uLnTx/>
-                <a:uFillTx/>
-                <a:latin typeface="Comic Sans MS" pitchFamily="66" charset="0"/>
-              </a:rPr>
-              <a:t>Albert R Meyer,             November 4, 2011</a:t>
-            </a:r>
-            <a:endParaRPr kumimoji="0" lang="en-US" sz="1200" b="0" i="0" u="none" strike="noStrike" kern="1200" cap="none" spc="0" normalizeH="0" baseline="0" noProof="0" dirty="0">
-              <a:ln>
-                <a:noFill/>
-              </a:ln>
-              <a:solidFill>
-                <a:schemeClr val="tx1"/>
-              </a:solidFill>
-              <a:effectLst/>
-              <a:uLnTx/>
-              <a:uFillTx/>
-              <a:latin typeface="Comic Sans MS" pitchFamily="66" charset="0"/>
-            </a:endParaRPr>
-          </a:p>
-        </p:txBody>
-      </p:sp>
       <p:pic>
         <p:nvPicPr>
           <p:cNvPr id="32" name="Picture 31" descr="license.img"/>
@@ -7198,13 +7062,13 @@
   <p:clrMapOvr>
     <a:masterClrMapping/>
   </p:clrMapOvr>
-  <mc:AlternateContent xmlns:mc="http://schemas.openxmlformats.org/markup-compatibility/2006">
-    <mc:Choice xmlns:p14="http://schemas.microsoft.com/office/powerpoint/2010/main" Requires="p14">
+  <mc:AlternateContent xmlns:mc="http://schemas.openxmlformats.org/markup-compatibility/2006" xmlns:p14="http://schemas.microsoft.com/office/powerpoint/2010/main">
+    <mc:Choice Requires="p14">
       <p:transition spd="med" p14:dur="700" advTm="23769">
         <p:fade/>
       </p:transition>
     </mc:Choice>
-    <mc:Fallback>
+    <mc:Fallback xmlns="">
       <p:transition xmlns:p14="http://schemas.microsoft.com/office/powerpoint/2010/main" spd="med" advTm="23769">
         <p:fade/>
       </p:transition>
@@ -7322,7 +7186,7 @@
           <a:graphicData uri="http://schemas.openxmlformats.org/presentationml/2006/ole">
             <mc:AlternateContent xmlns:mc="http://schemas.openxmlformats.org/markup-compatibility/2006">
               <mc:Choice xmlns:v="urn:schemas-microsoft-com:vml" Requires="v">
-                <p:oleObj spid="_x0000_s12316" name="Equation" r:id="rId4" imgW="1917700" imgH="444500" progId="Equation.DSMT4">
+                <p:oleObj spid="_x0000_s12319" name="Equation" r:id="rId4" imgW="1917700" imgH="444500" progId="Equation.DSMT4">
                   <p:embed/>
                 </p:oleObj>
               </mc:Choice>
@@ -7362,13 +7226,13 @@
   <p:clrMapOvr>
     <a:masterClrMapping/>
   </p:clrMapOvr>
-  <mc:AlternateContent xmlns:mc="http://schemas.openxmlformats.org/markup-compatibility/2006">
-    <mc:Choice xmlns:p14="http://schemas.microsoft.com/office/powerpoint/2010/main" Requires="p14">
+  <mc:AlternateContent xmlns:mc="http://schemas.openxmlformats.org/markup-compatibility/2006" xmlns:p14="http://schemas.microsoft.com/office/powerpoint/2010/main">
+    <mc:Choice Requires="p14">
       <p:transition spd="med" p14:dur="700">
         <p:fade/>
       </p:transition>
     </mc:Choice>
-    <mc:Fallback>
+    <mc:Fallback xmlns="">
       <p:transition xmlns:p14="http://schemas.microsoft.com/office/powerpoint/2010/main" spd="med">
         <p:fade/>
       </p:transition>
@@ -8011,13 +7875,13 @@
   <p:clrMapOvr>
     <a:masterClrMapping/>
   </p:clrMapOvr>
-  <mc:AlternateContent xmlns:mc="http://schemas.openxmlformats.org/markup-compatibility/2006">
-    <mc:Choice xmlns:p14="http://schemas.microsoft.com/office/powerpoint/2010/main" Requires="p14">
+  <mc:AlternateContent xmlns:mc="http://schemas.openxmlformats.org/markup-compatibility/2006" xmlns:p14="http://schemas.microsoft.com/office/powerpoint/2010/main">
+    <mc:Choice Requires="p14">
       <p:transition spd="med" p14:dur="700" advTm="44212">
         <p:fade/>
       </p:transition>
     </mc:Choice>
-    <mc:Fallback>
+    <mc:Fallback xmlns="">
       <p:transition xmlns:p14="http://schemas.microsoft.com/office/powerpoint/2010/main" spd="med" advTm="44212">
         <p:fade/>
       </p:transition>
@@ -8066,7 +7930,7 @@
           <a:graphicData uri="http://schemas.openxmlformats.org/presentationml/2006/ole">
             <mc:AlternateContent xmlns:mc="http://schemas.openxmlformats.org/markup-compatibility/2006">
               <mc:Choice xmlns:v="urn:schemas-microsoft-com:vml" Requires="v">
-                <p:oleObj spid="_x0000_s1039" name="Equation" r:id="rId5" imgW="1219200" imgH="546100" progId="Equation.DSMT4">
+                <p:oleObj spid="_x0000_s1042" name="Equation" r:id="rId5" imgW="1219200" imgH="546100" progId="Equation.DSMT4">
                   <p:embed/>
                 </p:oleObj>
               </mc:Choice>
@@ -8788,13 +8652,13 @@
   <p:clrMapOvr>
     <a:masterClrMapping/>
   </p:clrMapOvr>
-  <mc:AlternateContent xmlns:mc="http://schemas.openxmlformats.org/markup-compatibility/2006">
-    <mc:Choice xmlns:p14="http://schemas.microsoft.com/office/powerpoint/2010/main" Requires="p14">
+  <mc:AlternateContent xmlns:mc="http://schemas.openxmlformats.org/markup-compatibility/2006" xmlns:p14="http://schemas.microsoft.com/office/powerpoint/2010/main">
+    <mc:Choice Requires="p14">
       <p:transition spd="med" p14:dur="700" advTm="52544">
         <p:fade/>
       </p:transition>
     </mc:Choice>
-    <mc:Fallback>
+    <mc:Fallback xmlns="">
       <p:transition xmlns:p14="http://schemas.microsoft.com/office/powerpoint/2010/main" spd="med" advTm="52544">
         <p:fade/>
       </p:transition>
@@ -9019,12 +8883,7 @@
             <p:ph type="title"/>
           </p:nvPr>
         </p:nvSpPr>
-        <p:spPr>
-          <a:xfrm>
-            <a:off x="685800" y="0"/>
-            <a:ext cx="7772400" cy="1143000"/>
-          </a:xfrm>
-        </p:spPr>
+        <p:spPr/>
         <p:txBody>
           <a:bodyPr/>
           <a:lstStyle/>
@@ -9820,7 +9679,7 @@
           <a:graphicData uri="http://schemas.openxmlformats.org/presentationml/2006/ole">
             <mc:AlternateContent xmlns:mc="http://schemas.openxmlformats.org/markup-compatibility/2006">
               <mc:Choice xmlns:v="urn:schemas-microsoft-com:vml" Requires="v">
-                <p:oleObj spid="_x0000_s13421" name="Equation" r:id="rId4" imgW="914400" imgH="179640" progId="Equation.DSMT4">
+                <p:oleObj spid="_x0000_s13432" name="Equation" r:id="rId4" imgW="914400" imgH="179640" progId="Equation.DSMT4">
                   <p:embed/>
                 </p:oleObj>
               </mc:Choice>
@@ -9890,7 +9749,7 @@
           <a:graphicData uri="http://schemas.openxmlformats.org/presentationml/2006/ole">
             <mc:AlternateContent xmlns:mc="http://schemas.openxmlformats.org/markup-compatibility/2006">
               <mc:Choice xmlns:v="urn:schemas-microsoft-com:vml" Requires="v">
-                <p:oleObj spid="_x0000_s13422" name="Equation" r:id="rId6" imgW="215640" imgH="355320" progId="Equation.DSMT4">
+                <p:oleObj spid="_x0000_s13433" name="Equation" r:id="rId6" imgW="215640" imgH="355320" progId="Equation.DSMT4">
                   <p:embed/>
                 </p:oleObj>
               </mc:Choice>
@@ -9960,7 +9819,7 @@
           <a:graphicData uri="http://schemas.openxmlformats.org/presentationml/2006/ole">
             <mc:AlternateContent xmlns:mc="http://schemas.openxmlformats.org/markup-compatibility/2006">
               <mc:Choice xmlns:v="urn:schemas-microsoft-com:vml" Requires="v">
-                <p:oleObj spid="_x0000_s13423" name="Equation" r:id="rId8" imgW="215640" imgH="355320" progId="Equation.DSMT4">
+                <p:oleObj spid="_x0000_s13434" name="Equation" r:id="rId8" imgW="215640" imgH="355320" progId="Equation.DSMT4">
                   <p:embed/>
                 </p:oleObj>
               </mc:Choice>
@@ -10190,7 +10049,7 @@
           <a:graphicData uri="http://schemas.openxmlformats.org/presentationml/2006/ole">
             <mc:AlternateContent xmlns:mc="http://schemas.openxmlformats.org/markup-compatibility/2006">
               <mc:Choice xmlns:v="urn:schemas-microsoft-com:vml" Requires="v">
-                <p:oleObj spid="_x0000_s13424" name="Equation" r:id="rId10" imgW="520560" imgH="419040" progId="Equation.DSMT4">
+                <p:oleObj spid="_x0000_s13435" name="Equation" r:id="rId10" imgW="520560" imgH="419040" progId="Equation.DSMT4">
                   <p:embed/>
                 </p:oleObj>
               </mc:Choice>
@@ -10260,7 +10119,7 @@
           <a:graphicData uri="http://schemas.openxmlformats.org/presentationml/2006/ole">
             <mc:AlternateContent xmlns:mc="http://schemas.openxmlformats.org/markup-compatibility/2006">
               <mc:Choice xmlns:v="urn:schemas-microsoft-com:vml" Requires="v">
-                <p:oleObj spid="_x0000_s13425" name="Equation" r:id="rId12" imgW="139700" imgH="406400" progId="Equation.DSMT4">
+                <p:oleObj spid="_x0000_s13436" name="Equation" r:id="rId12" imgW="139700" imgH="406400" progId="Equation.DSMT4">
                   <p:embed/>
                 </p:oleObj>
               </mc:Choice>
@@ -10314,74 +10173,6 @@
           </a:graphicData>
         </a:graphic>
       </p:graphicFrame>
-      <p:sp>
-        <p:nvSpPr>
-          <p:cNvPr id="31" name="Date Placeholder 5"/>
-          <p:cNvSpPr txBox="1">
-            <a:spLocks/>
-          </p:cNvSpPr>
-          <p:nvPr/>
-        </p:nvSpPr>
-        <p:spPr>
-          <a:xfrm>
-            <a:off x="2971800" y="6553200"/>
-            <a:ext cx="3200400" cy="304800"/>
-          </a:xfrm>
-          <a:prstGeom prst="rect">
-            <a:avLst/>
-          </a:prstGeom>
-        </p:spPr>
-        <p:txBody>
-          <a:bodyPr/>
-          <a:lstStyle/>
-          <a:p>
-            <a:pPr marL="0" marR="0" lvl="0" indent="0" algn="l" defTabSz="914400" rtl="0" eaLnBrk="1" fontAlgn="base" latinLnBrk="0" hangingPunct="1">
-              <a:lnSpc>
-                <a:spcPct val="100000"/>
-              </a:lnSpc>
-              <a:spcBef>
-                <a:spcPct val="0"/>
-              </a:spcBef>
-              <a:spcAft>
-                <a:spcPct val="0"/>
-              </a:spcAft>
-              <a:buClrTx/>
-              <a:buSzTx/>
-              <a:buFontTx/>
-              <a:buNone/>
-              <a:tabLst/>
-              <a:defRPr/>
-            </a:pPr>
-            <a:r>
-              <a:rPr kumimoji="0" lang="en-US" sz="1200" b="0" i="0" u="none" strike="noStrike" kern="1200" cap="none" spc="0" normalizeH="0" baseline="0" noProof="0" dirty="0" smtClean="0">
-                <a:ln>
-                  <a:noFill/>
-                </a:ln>
-                <a:solidFill>
-                  <a:schemeClr val="tx1"/>
-                </a:solidFill>
-                <a:effectLst/>
-                <a:uLnTx/>
-                <a:uFillTx/>
-                <a:latin typeface="Comic Sans MS" pitchFamily="66" charset="0"/>
-              </a:rPr>
-              <a:t>Albert R Meyer,             November 4, 2011</a:t>
-            </a:r>
-            <a:endParaRPr kumimoji="0" lang="en-US" sz="1200" b="0" i="0" u="none" strike="noStrike" kern="1200" cap="none" spc="0" normalizeH="0" baseline="0" noProof="0" dirty="0">
-              <a:ln>
-                <a:noFill/>
-              </a:ln>
-              <a:solidFill>
-                <a:schemeClr val="tx1"/>
-              </a:solidFill>
-              <a:effectLst/>
-              <a:uLnTx/>
-              <a:uFillTx/>
-              <a:latin typeface="Comic Sans MS" pitchFamily="66" charset="0"/>
-            </a:endParaRPr>
-          </a:p>
-        </p:txBody>
-      </p:sp>
       <p:pic>
         <p:nvPicPr>
           <p:cNvPr id="32" name="Picture 31" descr="license.img"/>
@@ -10639,7 +10430,7 @@
           <a:graphicData uri="http://schemas.openxmlformats.org/presentationml/2006/ole">
             <mc:AlternateContent xmlns:mc="http://schemas.openxmlformats.org/markup-compatibility/2006">
               <mc:Choice xmlns:v="urn:schemas-microsoft-com:vml" Requires="v">
-                <p:oleObj spid="_x0000_s14386" name="Equation" r:id="rId5" imgW="520560" imgH="419040" progId="Equation.DSMT4">
+                <p:oleObj spid="_x0000_s14391" name="Equation" r:id="rId5" imgW="520560" imgH="419040" progId="Equation.DSMT4">
                   <p:embed/>
                 </p:oleObj>
               </mc:Choice>
@@ -10791,7 +10582,7 @@
           <a:graphicData uri="http://schemas.openxmlformats.org/presentationml/2006/ole">
             <mc:AlternateContent xmlns:mc="http://schemas.openxmlformats.org/markup-compatibility/2006">
               <mc:Choice xmlns:v="urn:schemas-microsoft-com:vml" Requires="v">
-                <p:oleObj spid="_x0000_s14387" name="Equation" r:id="rId7" imgW="1295400" imgH="469900" progId="Equation.3">
+                <p:oleObj spid="_x0000_s14392" name="Equation" r:id="rId7" imgW="1295400" imgH="469900" progId="Equation.3">
                   <p:embed/>
                 </p:oleObj>
               </mc:Choice>
@@ -11194,7 +10985,7 @@
           <a:graphicData uri="http://schemas.openxmlformats.org/presentationml/2006/ole">
             <mc:AlternateContent xmlns:mc="http://schemas.openxmlformats.org/markup-compatibility/2006">
               <mc:Choice xmlns:v="urn:schemas-microsoft-com:vml" Requires="v">
-                <p:oleObj spid="_x0000_s15390" name="Equation" r:id="rId5" imgW="1422400" imgH="419100" progId="Equation.3">
+                <p:oleObj spid="_x0000_s15393" name="Equation" r:id="rId5" imgW="1422400" imgH="419100" progId="Equation.3">
                   <p:embed/>
                 </p:oleObj>
               </mc:Choice>
@@ -11274,7 +11065,7 @@
           <a:p>
             <a:pPr eaLnBrk="0" hangingPunct="0"/>
             <a:r>
-              <a:rPr lang="en-US" sz="6000">
+              <a:rPr lang="en-US" sz="6000" dirty="0">
                 <a:solidFill>
                   <a:srgbClr val="0000FF"/>
                 </a:solidFill>
@@ -11283,19 +11074,19 @@
               <a:t>n</a:t>
             </a:r>
             <a:r>
-              <a:rPr lang="en-US" sz="6000" baseline="30000">
+              <a:rPr lang="en-US" sz="6000" baseline="30000" dirty="0">
                 <a:latin typeface="Comic Sans MS" pitchFamily="66" charset="0"/>
               </a:rPr>
               <a:t>th</a:t>
             </a:r>
             <a:r>
-              <a:rPr lang="en-US" sz="6000">
+              <a:rPr lang="en-US" sz="6000" dirty="0">
                 <a:latin typeface="Comic Sans MS" pitchFamily="66" charset="0"/>
               </a:rPr>
               <a:t> </a:t>
             </a:r>
             <a:r>
-              <a:rPr lang="en-US" sz="6000">
+              <a:rPr lang="en-US" sz="6000" dirty="0">
                 <a:solidFill>
                   <a:srgbClr val="FF33CC"/>
                 </a:solidFill>
@@ -11307,13 +11098,13 @@
           <a:p>
             <a:pPr eaLnBrk="0" hangingPunct="0"/>
             <a:r>
-              <a:rPr lang="en-US" sz="6000">
+              <a:rPr lang="en-US" sz="6000" dirty="0">
                 <a:latin typeface="Comic Sans MS" pitchFamily="66" charset="0"/>
               </a:rPr>
               <a:t>        </a:t>
             </a:r>
             <a:r>
-              <a:rPr lang="en-US" sz="7200">
+              <a:rPr lang="en-US" sz="7200" dirty="0" err="1">
                 <a:solidFill>
                   <a:srgbClr val="0000FF"/>
                 </a:solidFill>
@@ -11322,7 +11113,7 @@
               <a:t>B</a:t>
             </a:r>
             <a:r>
-              <a:rPr lang="en-US" sz="7200" baseline="-25000">
+              <a:rPr lang="en-US" sz="7200" baseline="-25000" dirty="0" err="1">
                 <a:solidFill>
                   <a:srgbClr val="0000FF"/>
                 </a:solidFill>
@@ -11331,13 +11122,26 @@
               <a:t>n</a:t>
             </a:r>
             <a:r>
-              <a:rPr lang="en-US" sz="7200">
+              <a:rPr lang="en-US" sz="7200" dirty="0">
                 <a:latin typeface="Comic Sans MS" pitchFamily="66" charset="0"/>
               </a:rPr>
-              <a:t> = </a:t>
-            </a:r>
-            <a:r>
-              <a:rPr lang="en-US" sz="7200">
+              <a:t> </a:t>
+            </a:r>
+            <a:r>
+              <a:rPr lang="en-US" sz="7200" b="1" dirty="0">
+                <a:latin typeface="Euclid Symbol" charset="2"/>
+                <a:cs typeface="Euclid Symbol" charset="2"/>
+              </a:rPr>
+              <a:t>=</a:t>
+            </a:r>
+            <a:r>
+              <a:rPr lang="en-US" sz="7200" dirty="0">
+                <a:latin typeface="Comic Sans MS" pitchFamily="66" charset="0"/>
+              </a:rPr>
+              <a:t> </a:t>
+            </a:r>
+            <a:r>
+              <a:rPr lang="en-US" sz="7200" dirty="0" err="1">
                 <a:solidFill>
                   <a:srgbClr val="0000FF"/>
                 </a:solidFill>
@@ -11346,7 +11150,7 @@
               <a:t>H</a:t>
             </a:r>
             <a:r>
-              <a:rPr lang="en-US" sz="7200" baseline="-25000">
+              <a:rPr lang="en-US" sz="7200" baseline="-25000" dirty="0" err="1">
                 <a:solidFill>
                   <a:srgbClr val="0000FF"/>
                 </a:solidFill>
@@ -11355,7 +11159,7 @@
               <a:t>n</a:t>
             </a:r>
             <a:r>
-              <a:rPr lang="en-US" sz="7200">
+              <a:rPr lang="en-US" sz="7200" dirty="0">
                 <a:solidFill>
                   <a:srgbClr val="0000FF"/>
                 </a:solidFill>
@@ -11608,12 +11412,7 @@
             <p:ph type="title"/>
           </p:nvPr>
         </p:nvSpPr>
-        <p:spPr>
-          <a:xfrm>
-            <a:off x="685800" y="0"/>
-            <a:ext cx="7772400" cy="1143000"/>
-          </a:xfrm>
-        </p:spPr>
+        <p:spPr/>
         <p:txBody>
           <a:bodyPr/>
           <a:lstStyle/>
@@ -11921,74 +11720,6 @@
               </a:rPr>
               <a:t>table</a:t>
             </a:r>
-          </a:p>
-        </p:txBody>
-      </p:sp>
-      <p:sp>
-        <p:nvSpPr>
-          <p:cNvPr id="13" name="Date Placeholder 5"/>
-          <p:cNvSpPr txBox="1">
-            <a:spLocks/>
-          </p:cNvSpPr>
-          <p:nvPr/>
-        </p:nvSpPr>
-        <p:spPr>
-          <a:xfrm>
-            <a:off x="2971800" y="6553200"/>
-            <a:ext cx="3200400" cy="304800"/>
-          </a:xfrm>
-          <a:prstGeom prst="rect">
-            <a:avLst/>
-          </a:prstGeom>
-        </p:spPr>
-        <p:txBody>
-          <a:bodyPr/>
-          <a:lstStyle/>
-          <a:p>
-            <a:pPr marL="0" marR="0" lvl="0" indent="0" algn="l" defTabSz="914400" rtl="0" eaLnBrk="1" fontAlgn="base" latinLnBrk="0" hangingPunct="1">
-              <a:lnSpc>
-                <a:spcPct val="100000"/>
-              </a:lnSpc>
-              <a:spcBef>
-                <a:spcPct val="0"/>
-              </a:spcBef>
-              <a:spcAft>
-                <a:spcPct val="0"/>
-              </a:spcAft>
-              <a:buClrTx/>
-              <a:buSzTx/>
-              <a:buFontTx/>
-              <a:buNone/>
-              <a:tabLst/>
-              <a:defRPr/>
-            </a:pPr>
-            <a:r>
-              <a:rPr kumimoji="0" lang="en-US" sz="1200" b="0" i="0" u="none" strike="noStrike" kern="1200" cap="none" spc="0" normalizeH="0" baseline="0" noProof="0" dirty="0" smtClean="0">
-                <a:ln>
-                  <a:noFill/>
-                </a:ln>
-                <a:solidFill>
-                  <a:schemeClr val="tx1"/>
-                </a:solidFill>
-                <a:effectLst/>
-                <a:uLnTx/>
-                <a:uFillTx/>
-                <a:latin typeface="Comic Sans MS" pitchFamily="66" charset="0"/>
-              </a:rPr>
-              <a:t>Albert R Meyer,             November 4, 2011</a:t>
-            </a:r>
-            <a:endParaRPr kumimoji="0" lang="en-US" sz="1200" b="0" i="0" u="none" strike="noStrike" kern="1200" cap="none" spc="0" normalizeH="0" baseline="0" noProof="0" dirty="0">
-              <a:ln>
-                <a:noFill/>
-              </a:ln>
-              <a:solidFill>
-                <a:schemeClr val="tx1"/>
-              </a:solidFill>
-              <a:effectLst/>
-              <a:uLnTx/>
-              <a:uFillTx/>
-              <a:latin typeface="Comic Sans MS" pitchFamily="66" charset="0"/>
-            </a:endParaRPr>
           </a:p>
         </p:txBody>
       </p:sp>
@@ -12061,12 +11792,7 @@
             <p:ph type="title"/>
           </p:nvPr>
         </p:nvSpPr>
-        <p:spPr>
-          <a:xfrm>
-            <a:off x="685800" y="0"/>
-            <a:ext cx="7772400" cy="1143000"/>
-          </a:xfrm>
-        </p:spPr>
+        <p:spPr/>
         <p:txBody>
           <a:bodyPr/>
           <a:lstStyle/>
@@ -12561,74 +12287,6 @@
               </a:rPr>
               <a:t>overhang</a:t>
             </a:r>
-          </a:p>
-        </p:txBody>
-      </p:sp>
-      <p:sp>
-        <p:nvSpPr>
-          <p:cNvPr id="18" name="Date Placeholder 5"/>
-          <p:cNvSpPr txBox="1">
-            <a:spLocks/>
-          </p:cNvSpPr>
-          <p:nvPr/>
-        </p:nvSpPr>
-        <p:spPr>
-          <a:xfrm>
-            <a:off x="2971800" y="6553200"/>
-            <a:ext cx="3200400" cy="304800"/>
-          </a:xfrm>
-          <a:prstGeom prst="rect">
-            <a:avLst/>
-          </a:prstGeom>
-        </p:spPr>
-        <p:txBody>
-          <a:bodyPr/>
-          <a:lstStyle/>
-          <a:p>
-            <a:pPr marL="0" marR="0" lvl="0" indent="0" algn="l" defTabSz="914400" rtl="0" eaLnBrk="1" fontAlgn="base" latinLnBrk="0" hangingPunct="1">
-              <a:lnSpc>
-                <a:spcPct val="100000"/>
-              </a:lnSpc>
-              <a:spcBef>
-                <a:spcPct val="0"/>
-              </a:spcBef>
-              <a:spcAft>
-                <a:spcPct val="0"/>
-              </a:spcAft>
-              <a:buClrTx/>
-              <a:buSzTx/>
-              <a:buFontTx/>
-              <a:buNone/>
-              <a:tabLst/>
-              <a:defRPr/>
-            </a:pPr>
-            <a:r>
-              <a:rPr kumimoji="0" lang="en-US" sz="1200" b="0" i="0" u="none" strike="noStrike" kern="1200" cap="none" spc="0" normalizeH="0" baseline="0" noProof="0" dirty="0" smtClean="0">
-                <a:ln>
-                  <a:noFill/>
-                </a:ln>
-                <a:solidFill>
-                  <a:schemeClr val="tx1"/>
-                </a:solidFill>
-                <a:effectLst/>
-                <a:uLnTx/>
-                <a:uFillTx/>
-                <a:latin typeface="Comic Sans MS" pitchFamily="66" charset="0"/>
-              </a:rPr>
-              <a:t>Albert R Meyer,             November 4, 2011</a:t>
-            </a:r>
-            <a:endParaRPr kumimoji="0" lang="en-US" sz="1200" b="0" i="0" u="none" strike="noStrike" kern="1200" cap="none" spc="0" normalizeH="0" baseline="0" noProof="0" dirty="0">
-              <a:ln>
-                <a:noFill/>
-              </a:ln>
-              <a:solidFill>
-                <a:schemeClr val="tx1"/>
-              </a:solidFill>
-              <a:effectLst/>
-              <a:uLnTx/>
-              <a:uFillTx/>
-              <a:latin typeface="Comic Sans MS" pitchFamily="66" charset="0"/>
-            </a:endParaRPr>
           </a:p>
         </p:txBody>
       </p:sp>
@@ -13175,74 +12833,6 @@
           </a:p>
         </p:txBody>
       </p:sp>
-      <p:sp>
-        <p:nvSpPr>
-          <p:cNvPr id="14" name="Date Placeholder 5"/>
-          <p:cNvSpPr txBox="1">
-            <a:spLocks/>
-          </p:cNvSpPr>
-          <p:nvPr/>
-        </p:nvSpPr>
-        <p:spPr>
-          <a:xfrm>
-            <a:off x="2971800" y="6553200"/>
-            <a:ext cx="3200400" cy="304800"/>
-          </a:xfrm>
-          <a:prstGeom prst="rect">
-            <a:avLst/>
-          </a:prstGeom>
-        </p:spPr>
-        <p:txBody>
-          <a:bodyPr/>
-          <a:lstStyle/>
-          <a:p>
-            <a:pPr marL="0" marR="0" lvl="0" indent="0" algn="l" defTabSz="914400" rtl="0" eaLnBrk="1" fontAlgn="base" latinLnBrk="0" hangingPunct="1">
-              <a:lnSpc>
-                <a:spcPct val="100000"/>
-              </a:lnSpc>
-              <a:spcBef>
-                <a:spcPct val="0"/>
-              </a:spcBef>
-              <a:spcAft>
-                <a:spcPct val="0"/>
-              </a:spcAft>
-              <a:buClrTx/>
-              <a:buSzTx/>
-              <a:buFontTx/>
-              <a:buNone/>
-              <a:tabLst/>
-              <a:defRPr/>
-            </a:pPr>
-            <a:r>
-              <a:rPr kumimoji="0" lang="en-US" sz="1200" b="0" i="0" u="none" strike="noStrike" kern="1200" cap="none" spc="0" normalizeH="0" baseline="0" noProof="0" dirty="0" smtClean="0">
-                <a:ln>
-                  <a:noFill/>
-                </a:ln>
-                <a:solidFill>
-                  <a:schemeClr val="tx1"/>
-                </a:solidFill>
-                <a:effectLst/>
-                <a:uLnTx/>
-                <a:uFillTx/>
-                <a:latin typeface="Comic Sans MS" pitchFamily="66" charset="0"/>
-              </a:rPr>
-              <a:t>Albert R Meyer,             November 4, 2011</a:t>
-            </a:r>
-            <a:endParaRPr kumimoji="0" lang="en-US" sz="1200" b="0" i="0" u="none" strike="noStrike" kern="1200" cap="none" spc="0" normalizeH="0" baseline="0" noProof="0" dirty="0">
-              <a:ln>
-                <a:noFill/>
-              </a:ln>
-              <a:solidFill>
-                <a:schemeClr val="tx1"/>
-              </a:solidFill>
-              <a:effectLst/>
-              <a:uLnTx/>
-              <a:uFillTx/>
-              <a:latin typeface="Comic Sans MS" pitchFamily="66" charset="0"/>
-            </a:endParaRPr>
-          </a:p>
-        </p:txBody>
-      </p:sp>
       <p:pic>
         <p:nvPicPr>
           <p:cNvPr id="15" name="Picture 14" descr="license.img"/>
@@ -13272,13 +12862,13 @@
   <p:clrMapOvr>
     <a:masterClrMapping/>
   </p:clrMapOvr>
-  <mc:AlternateContent xmlns:mc="http://schemas.openxmlformats.org/markup-compatibility/2006">
-    <mc:Choice xmlns:p14="http://schemas.microsoft.com/office/powerpoint/2010/main" Requires="p14">
+  <mc:AlternateContent xmlns:mc="http://schemas.openxmlformats.org/markup-compatibility/2006" xmlns:p14="http://schemas.microsoft.com/office/powerpoint/2010/main">
+    <mc:Choice Requires="p14">
       <p:transition spd="med" p14:dur="700" advTm="11870">
         <p:fade/>
       </p:transition>
     </mc:Choice>
-    <mc:Fallback>
+    <mc:Fallback xmlns="">
       <p:transition xmlns:p14="http://schemas.microsoft.com/office/powerpoint/2010/main" spd="med" advTm="11870">
         <p:fade/>
       </p:transition>
@@ -13783,74 +13373,6 @@
               </a:rPr>
               <a:t>of mass</a:t>
             </a:r>
-          </a:p>
-        </p:txBody>
-      </p:sp>
-      <p:sp>
-        <p:nvSpPr>
-          <p:cNvPr id="14" name="Date Placeholder 5"/>
-          <p:cNvSpPr txBox="1">
-            <a:spLocks/>
-          </p:cNvSpPr>
-          <p:nvPr/>
-        </p:nvSpPr>
-        <p:spPr>
-          <a:xfrm>
-            <a:off x="2971800" y="6553200"/>
-            <a:ext cx="3200400" cy="304800"/>
-          </a:xfrm>
-          <a:prstGeom prst="rect">
-            <a:avLst/>
-          </a:prstGeom>
-        </p:spPr>
-        <p:txBody>
-          <a:bodyPr/>
-          <a:lstStyle/>
-          <a:p>
-            <a:pPr marL="0" marR="0" lvl="0" indent="0" algn="l" defTabSz="914400" rtl="0" eaLnBrk="1" fontAlgn="base" latinLnBrk="0" hangingPunct="1">
-              <a:lnSpc>
-                <a:spcPct val="100000"/>
-              </a:lnSpc>
-              <a:spcBef>
-                <a:spcPct val="0"/>
-              </a:spcBef>
-              <a:spcAft>
-                <a:spcPct val="0"/>
-              </a:spcAft>
-              <a:buClrTx/>
-              <a:buSzTx/>
-              <a:buFontTx/>
-              <a:buNone/>
-              <a:tabLst/>
-              <a:defRPr/>
-            </a:pPr>
-            <a:r>
-              <a:rPr kumimoji="0" lang="en-US" sz="1200" b="0" i="0" u="none" strike="noStrike" kern="1200" cap="none" spc="0" normalizeH="0" baseline="0" noProof="0" dirty="0" smtClean="0">
-                <a:ln>
-                  <a:noFill/>
-                </a:ln>
-                <a:solidFill>
-                  <a:schemeClr val="tx1"/>
-                </a:solidFill>
-                <a:effectLst/>
-                <a:uLnTx/>
-                <a:uFillTx/>
-                <a:latin typeface="Comic Sans MS" pitchFamily="66" charset="0"/>
-              </a:rPr>
-              <a:t>Albert R Meyer,             November 4, 2011</a:t>
-            </a:r>
-            <a:endParaRPr kumimoji="0" lang="en-US" sz="1200" b="0" i="0" u="none" strike="noStrike" kern="1200" cap="none" spc="0" normalizeH="0" baseline="0" noProof="0" dirty="0">
-              <a:ln>
-                <a:noFill/>
-              </a:ln>
-              <a:solidFill>
-                <a:schemeClr val="tx1"/>
-              </a:solidFill>
-              <a:effectLst/>
-              <a:uLnTx/>
-              <a:uFillTx/>
-              <a:latin typeface="Comic Sans MS" pitchFamily="66" charset="0"/>
-            </a:endParaRPr>
           </a:p>
         </p:txBody>
       </p:sp>
@@ -14769,74 +14291,6 @@
           </a:p>
         </p:txBody>
       </p:sp>
-      <p:sp>
-        <p:nvSpPr>
-          <p:cNvPr id="20" name="Date Placeholder 5"/>
-          <p:cNvSpPr txBox="1">
-            <a:spLocks/>
-          </p:cNvSpPr>
-          <p:nvPr/>
-        </p:nvSpPr>
-        <p:spPr>
-          <a:xfrm>
-            <a:off x="2971800" y="6553200"/>
-            <a:ext cx="3200400" cy="304800"/>
-          </a:xfrm>
-          <a:prstGeom prst="rect">
-            <a:avLst/>
-          </a:prstGeom>
-        </p:spPr>
-        <p:txBody>
-          <a:bodyPr/>
-          <a:lstStyle/>
-          <a:p>
-            <a:pPr marL="0" marR="0" lvl="0" indent="0" algn="l" defTabSz="914400" rtl="0" eaLnBrk="1" fontAlgn="base" latinLnBrk="0" hangingPunct="1">
-              <a:lnSpc>
-                <a:spcPct val="100000"/>
-              </a:lnSpc>
-              <a:spcBef>
-                <a:spcPct val="0"/>
-              </a:spcBef>
-              <a:spcAft>
-                <a:spcPct val="0"/>
-              </a:spcAft>
-              <a:buClrTx/>
-              <a:buSzTx/>
-              <a:buFontTx/>
-              <a:buNone/>
-              <a:tabLst/>
-              <a:defRPr/>
-            </a:pPr>
-            <a:r>
-              <a:rPr kumimoji="0" lang="en-US" sz="1200" b="0" i="0" u="none" strike="noStrike" kern="1200" cap="none" spc="0" normalizeH="0" baseline="0" noProof="0" dirty="0" smtClean="0">
-                <a:ln>
-                  <a:noFill/>
-                </a:ln>
-                <a:solidFill>
-                  <a:schemeClr val="tx1"/>
-                </a:solidFill>
-                <a:effectLst/>
-                <a:uLnTx/>
-                <a:uFillTx/>
-                <a:latin typeface="Comic Sans MS" pitchFamily="66" charset="0"/>
-              </a:rPr>
-              <a:t>Albert R Meyer,             November 4, 2011</a:t>
-            </a:r>
-            <a:endParaRPr kumimoji="0" lang="en-US" sz="1200" b="0" i="0" u="none" strike="noStrike" kern="1200" cap="none" spc="0" normalizeH="0" baseline="0" noProof="0" dirty="0">
-              <a:ln>
-                <a:noFill/>
-              </a:ln>
-              <a:solidFill>
-                <a:schemeClr val="tx1"/>
-              </a:solidFill>
-              <a:effectLst/>
-              <a:uLnTx/>
-              <a:uFillTx/>
-              <a:latin typeface="Comic Sans MS" pitchFamily="66" charset="0"/>
-            </a:endParaRPr>
-          </a:p>
-        </p:txBody>
-      </p:sp>
       <p:pic>
         <p:nvPicPr>
           <p:cNvPr id="21" name="Picture 20" descr="license.img"/>
@@ -14866,13 +14320,13 @@
   <p:clrMapOvr>
     <a:masterClrMapping/>
   </p:clrMapOvr>
-  <mc:AlternateContent xmlns:mc="http://schemas.openxmlformats.org/markup-compatibility/2006">
-    <mc:Choice xmlns:p14="http://schemas.microsoft.com/office/powerpoint/2010/main" Requires="p14">
+  <mc:AlternateContent xmlns:mc="http://schemas.openxmlformats.org/markup-compatibility/2006" xmlns:p14="http://schemas.microsoft.com/office/powerpoint/2010/main">
+    <mc:Choice Requires="p14">
       <p:transition spd="med" p14:dur="700" advTm="21175">
         <p:fade/>
       </p:transition>
     </mc:Choice>
-    <mc:Fallback>
+    <mc:Fallback xmlns="">
       <p:transition xmlns:p14="http://schemas.microsoft.com/office/powerpoint/2010/main" spd="med" advTm="21175">
         <p:fade/>
       </p:transition>
@@ -15433,74 +14887,6 @@
           </a:p>
         </p:txBody>
       </p:sp>
-      <p:sp>
-        <p:nvSpPr>
-          <p:cNvPr id="16" name="Date Placeholder 5"/>
-          <p:cNvSpPr txBox="1">
-            <a:spLocks/>
-          </p:cNvSpPr>
-          <p:nvPr/>
-        </p:nvSpPr>
-        <p:spPr>
-          <a:xfrm>
-            <a:off x="2971800" y="6553200"/>
-            <a:ext cx="3200400" cy="304800"/>
-          </a:xfrm>
-          <a:prstGeom prst="rect">
-            <a:avLst/>
-          </a:prstGeom>
-        </p:spPr>
-        <p:txBody>
-          <a:bodyPr/>
-          <a:lstStyle/>
-          <a:p>
-            <a:pPr marL="0" marR="0" lvl="0" indent="0" algn="l" defTabSz="914400" rtl="0" eaLnBrk="1" fontAlgn="base" latinLnBrk="0" hangingPunct="1">
-              <a:lnSpc>
-                <a:spcPct val="100000"/>
-              </a:lnSpc>
-              <a:spcBef>
-                <a:spcPct val="0"/>
-              </a:spcBef>
-              <a:spcAft>
-                <a:spcPct val="0"/>
-              </a:spcAft>
-              <a:buClrTx/>
-              <a:buSzTx/>
-              <a:buFontTx/>
-              <a:buNone/>
-              <a:tabLst/>
-              <a:defRPr/>
-            </a:pPr>
-            <a:r>
-              <a:rPr kumimoji="0" lang="en-US" sz="1200" b="0" i="0" u="none" strike="noStrike" kern="1200" cap="none" spc="0" normalizeH="0" baseline="0" noProof="0" dirty="0" smtClean="0">
-                <a:ln>
-                  <a:noFill/>
-                </a:ln>
-                <a:solidFill>
-                  <a:schemeClr val="tx1"/>
-                </a:solidFill>
-                <a:effectLst/>
-                <a:uLnTx/>
-                <a:uFillTx/>
-                <a:latin typeface="Comic Sans MS" pitchFamily="66" charset="0"/>
-              </a:rPr>
-              <a:t>Albert R Meyer,             November 4, 2011</a:t>
-            </a:r>
-            <a:endParaRPr kumimoji="0" lang="en-US" sz="1200" b="0" i="0" u="none" strike="noStrike" kern="1200" cap="none" spc="0" normalizeH="0" baseline="0" noProof="0" dirty="0">
-              <a:ln>
-                <a:noFill/>
-              </a:ln>
-              <a:solidFill>
-                <a:schemeClr val="tx1"/>
-              </a:solidFill>
-              <a:effectLst/>
-              <a:uLnTx/>
-              <a:uFillTx/>
-              <a:latin typeface="Comic Sans MS" pitchFamily="66" charset="0"/>
-            </a:endParaRPr>
-          </a:p>
-        </p:txBody>
-      </p:sp>
       <p:pic>
         <p:nvPicPr>
           <p:cNvPr id="17" name="Picture 16" descr="license.img"/>
@@ -15530,13 +14916,13 @@
   <p:clrMapOvr>
     <a:masterClrMapping/>
   </p:clrMapOvr>
-  <mc:AlternateContent xmlns:mc="http://schemas.openxmlformats.org/markup-compatibility/2006">
-    <mc:Choice xmlns:p14="http://schemas.microsoft.com/office/powerpoint/2010/main" Requires="p14">
+  <mc:AlternateContent xmlns:mc="http://schemas.openxmlformats.org/markup-compatibility/2006" xmlns:p14="http://schemas.microsoft.com/office/powerpoint/2010/main">
+    <mc:Choice Requires="p14">
       <p:transition spd="med" p14:dur="600" advTm="32888">
         <p:fade thruBlk="1"/>
       </p:transition>
     </mc:Choice>
-    <mc:Fallback>
+    <mc:Fallback xmlns="">
       <p:transition xmlns:p14="http://schemas.microsoft.com/office/powerpoint/2010/main" spd="med" advTm="32888">
         <p:fade thruBlk="1"/>
       </p:transition>
@@ -16218,74 +15604,6 @@
           </a:p>
         </p:txBody>
       </p:sp>
-      <p:sp>
-        <p:nvSpPr>
-          <p:cNvPr id="20" name="Date Placeholder 5"/>
-          <p:cNvSpPr txBox="1">
-            <a:spLocks/>
-          </p:cNvSpPr>
-          <p:nvPr/>
-        </p:nvSpPr>
-        <p:spPr>
-          <a:xfrm>
-            <a:off x="2971800" y="6553200"/>
-            <a:ext cx="3200400" cy="304800"/>
-          </a:xfrm>
-          <a:prstGeom prst="rect">
-            <a:avLst/>
-          </a:prstGeom>
-        </p:spPr>
-        <p:txBody>
-          <a:bodyPr/>
-          <a:lstStyle/>
-          <a:p>
-            <a:pPr marL="0" marR="0" lvl="0" indent="0" algn="l" defTabSz="914400" rtl="0" eaLnBrk="1" fontAlgn="base" latinLnBrk="0" hangingPunct="1">
-              <a:lnSpc>
-                <a:spcPct val="100000"/>
-              </a:lnSpc>
-              <a:spcBef>
-                <a:spcPct val="0"/>
-              </a:spcBef>
-              <a:spcAft>
-                <a:spcPct val="0"/>
-              </a:spcAft>
-              <a:buClrTx/>
-              <a:buSzTx/>
-              <a:buFontTx/>
-              <a:buNone/>
-              <a:tabLst/>
-              <a:defRPr/>
-            </a:pPr>
-            <a:r>
-              <a:rPr kumimoji="0" lang="en-US" sz="1200" b="0" i="0" u="none" strike="noStrike" kern="1200" cap="none" spc="0" normalizeH="0" baseline="0" noProof="0" dirty="0" smtClean="0">
-                <a:ln>
-                  <a:noFill/>
-                </a:ln>
-                <a:solidFill>
-                  <a:schemeClr val="tx1"/>
-                </a:solidFill>
-                <a:effectLst/>
-                <a:uLnTx/>
-                <a:uFillTx/>
-                <a:latin typeface="Comic Sans MS" pitchFamily="66" charset="0"/>
-              </a:rPr>
-              <a:t>Albert R Meyer,             November 4, 2011</a:t>
-            </a:r>
-            <a:endParaRPr kumimoji="0" lang="en-US" sz="1200" b="0" i="0" u="none" strike="noStrike" kern="1200" cap="none" spc="0" normalizeH="0" baseline="0" noProof="0" dirty="0">
-              <a:ln>
-                <a:noFill/>
-              </a:ln>
-              <a:solidFill>
-                <a:schemeClr val="tx1"/>
-              </a:solidFill>
-              <a:effectLst/>
-              <a:uLnTx/>
-              <a:uFillTx/>
-              <a:latin typeface="Comic Sans MS" pitchFamily="66" charset="0"/>
-            </a:endParaRPr>
-          </a:p>
-        </p:txBody>
-      </p:sp>
       <p:pic>
         <p:nvPicPr>
           <p:cNvPr id="21" name="Picture 20" descr="license.img"/>
@@ -16315,13 +15633,13 @@
   <p:clrMapOvr>
     <a:masterClrMapping/>
   </p:clrMapOvr>
-  <mc:AlternateContent xmlns:mc="http://schemas.openxmlformats.org/markup-compatibility/2006">
-    <mc:Choice xmlns:p14="http://schemas.microsoft.com/office/powerpoint/2010/main" Requires="p14">
+  <mc:AlternateContent xmlns:mc="http://schemas.openxmlformats.org/markup-compatibility/2006" xmlns:p14="http://schemas.microsoft.com/office/powerpoint/2010/main">
+    <mc:Choice Requires="p14">
       <p:transition spd="med" p14:dur="700" advTm="8686">
         <p:fade/>
       </p:transition>
     </mc:Choice>
-    <mc:Fallback>
+    <mc:Fallback xmlns="">
       <p:transition xmlns:p14="http://schemas.microsoft.com/office/powerpoint/2010/main" spd="med" advTm="8686">
         <p:fade/>
       </p:transition>
@@ -16871,74 +16189,6 @@
               </a:rPr>
               <a:t>n</a:t>
             </a:r>
-          </a:p>
-        </p:txBody>
-      </p:sp>
-      <p:sp>
-        <p:nvSpPr>
-          <p:cNvPr id="18" name="Date Placeholder 5"/>
-          <p:cNvSpPr txBox="1">
-            <a:spLocks/>
-          </p:cNvSpPr>
-          <p:nvPr/>
-        </p:nvSpPr>
-        <p:spPr>
-          <a:xfrm>
-            <a:off x="2971800" y="6553200"/>
-            <a:ext cx="3200400" cy="304800"/>
-          </a:xfrm>
-          <a:prstGeom prst="rect">
-            <a:avLst/>
-          </a:prstGeom>
-        </p:spPr>
-        <p:txBody>
-          <a:bodyPr/>
-          <a:lstStyle/>
-          <a:p>
-            <a:pPr marL="0" marR="0" lvl="0" indent="0" algn="l" defTabSz="914400" rtl="0" eaLnBrk="1" fontAlgn="base" latinLnBrk="0" hangingPunct="1">
-              <a:lnSpc>
-                <a:spcPct val="100000"/>
-              </a:lnSpc>
-              <a:spcBef>
-                <a:spcPct val="0"/>
-              </a:spcBef>
-              <a:spcAft>
-                <a:spcPct val="0"/>
-              </a:spcAft>
-              <a:buClrTx/>
-              <a:buSzTx/>
-              <a:buFontTx/>
-              <a:buNone/>
-              <a:tabLst/>
-              <a:defRPr/>
-            </a:pPr>
-            <a:r>
-              <a:rPr kumimoji="0" lang="en-US" sz="1200" b="0" i="0" u="none" strike="noStrike" kern="1200" cap="none" spc="0" normalizeH="0" baseline="0" noProof="0" dirty="0" smtClean="0">
-                <a:ln>
-                  <a:noFill/>
-                </a:ln>
-                <a:solidFill>
-                  <a:schemeClr val="tx1"/>
-                </a:solidFill>
-                <a:effectLst/>
-                <a:uLnTx/>
-                <a:uFillTx/>
-                <a:latin typeface="Comic Sans MS" pitchFamily="66" charset="0"/>
-              </a:rPr>
-              <a:t>Albert R Meyer,             November 4, 2011</a:t>
-            </a:r>
-            <a:endParaRPr kumimoji="0" lang="en-US" sz="1200" b="0" i="0" u="none" strike="noStrike" kern="1200" cap="none" spc="0" normalizeH="0" baseline="0" noProof="0" dirty="0">
-              <a:ln>
-                <a:noFill/>
-              </a:ln>
-              <a:solidFill>
-                <a:schemeClr val="tx1"/>
-              </a:solidFill>
-              <a:effectLst/>
-              <a:uLnTx/>
-              <a:uFillTx/>
-              <a:latin typeface="Comic Sans MS" pitchFamily="66" charset="0"/>
-            </a:endParaRPr>
           </a:p>
         </p:txBody>
       </p:sp>

--- a/spring12/slidesS12/book-stacking.pptx
+++ b/spring12/slidesS12/book-stacking.pptx
@@ -5,10 +5,10 @@
     <p:sldMasterId id="2147483648" r:id="rId1"/>
   </p:sldMasterIdLst>
   <p:notesMasterIdLst>
-    <p:notesMasterId r:id="rId20"/>
+    <p:notesMasterId r:id="rId22"/>
   </p:notesMasterIdLst>
   <p:handoutMasterIdLst>
-    <p:handoutMasterId r:id="rId21"/>
+    <p:handoutMasterId r:id="rId23"/>
   </p:handoutMasterIdLst>
   <p:sldIdLst>
     <p:sldId id="371" r:id="rId2"/>
@@ -24,16 +24,18 @@
     <p:sldId id="368" r:id="rId12"/>
     <p:sldId id="300" r:id="rId13"/>
     <p:sldId id="367" r:id="rId14"/>
-    <p:sldId id="331" r:id="rId15"/>
-    <p:sldId id="419" r:id="rId16"/>
-    <p:sldId id="369" r:id="rId17"/>
-    <p:sldId id="333" r:id="rId18"/>
-    <p:sldId id="334" r:id="rId19"/>
+    <p:sldId id="420" r:id="rId15"/>
+    <p:sldId id="331" r:id="rId16"/>
+    <p:sldId id="419" r:id="rId17"/>
+    <p:sldId id="421" r:id="rId18"/>
+    <p:sldId id="369" r:id="rId19"/>
+    <p:sldId id="333" r:id="rId20"/>
+    <p:sldId id="334" r:id="rId21"/>
   </p:sldIdLst>
   <p:sldSz cx="9144000" cy="6858000" type="screen4x3"/>
   <p:notesSz cx="9601200" cy="7315200"/>
   <p:custDataLst>
-    <p:tags r:id="rId23"/>
+    <p:tags r:id="rId25"/>
   </p:custDataLst>
   <p:defaultTextStyle>
     <a:defPPr>
@@ -1298,7 +1300,7 @@
       </p:grpSpPr>
       <p:sp>
         <p:nvSpPr>
-          <p:cNvPr id="117762" name="Rectangle 7"/>
+          <p:cNvPr id="118786" name="Rectangle 7"/>
           <p:cNvSpPr>
             <a:spLocks noGrp="1" noChangeArrowheads="1"/>
           </p:cNvSpPr>
@@ -1313,7 +1315,7 @@
           <a:bodyPr/>
           <a:lstStyle/>
           <a:p>
-            <a:fld id="{9C0E9BE3-AE1F-425C-85FE-6159F33BF483}" type="slidenum">
+            <a:fld id="{E959C6A8-815B-47F0-88FC-956E6F14B514}" type="slidenum">
               <a:rPr lang="en-US" smtClean="0"/>
               <a:pPr/>
               <a:t>14</a:t>
@@ -1324,7 +1326,7 @@
       </p:sp>
       <p:sp>
         <p:nvSpPr>
-          <p:cNvPr id="117763" name="Rectangle 2"/>
+          <p:cNvPr id="118787" name="Rectangle 2"/>
           <p:cNvSpPr>
             <a:spLocks noGrp="1" noRot="1" noChangeAspect="1" noChangeArrowheads="1" noTextEdit="1"/>
           </p:cNvSpPr>
@@ -1338,7 +1340,7 @@
       </p:sp>
       <p:sp>
         <p:nvSpPr>
-          <p:cNvPr id="117764" name="Rectangle 3"/>
+          <p:cNvPr id="118788" name="Rectangle 3"/>
           <p:cNvSpPr>
             <a:spLocks noGrp="1" noChangeArrowheads="1"/>
           </p:cNvSpPr>
@@ -1474,7 +1476,7 @@
       </p:grpSpPr>
       <p:sp>
         <p:nvSpPr>
-          <p:cNvPr id="119810" name="Rectangle 7"/>
+          <p:cNvPr id="117762" name="Rectangle 7"/>
           <p:cNvSpPr>
             <a:spLocks noGrp="1" noChangeArrowheads="1"/>
           </p:cNvSpPr>
@@ -1489,7 +1491,7 @@
           <a:bodyPr/>
           <a:lstStyle/>
           <a:p>
-            <a:fld id="{19B1AB24-532E-427F-B44C-739BBACFE522}" type="slidenum">
+            <a:fld id="{9C0E9BE3-AE1F-425C-85FE-6159F33BF483}" type="slidenum">
               <a:rPr lang="en-US" smtClean="0"/>
               <a:pPr/>
               <a:t>16</a:t>
@@ -1500,7 +1502,7 @@
       </p:sp>
       <p:sp>
         <p:nvSpPr>
-          <p:cNvPr id="119811" name="Rectangle 2"/>
+          <p:cNvPr id="117763" name="Rectangle 2"/>
           <p:cNvSpPr>
             <a:spLocks noGrp="1" noRot="1" noChangeAspect="1" noChangeArrowheads="1" noTextEdit="1"/>
           </p:cNvSpPr>
@@ -1514,7 +1516,7 @@
       </p:sp>
       <p:sp>
         <p:nvSpPr>
-          <p:cNvPr id="119812" name="Rectangle 3"/>
+          <p:cNvPr id="117764" name="Rectangle 3"/>
           <p:cNvSpPr>
             <a:spLocks noGrp="1" noChangeArrowheads="1"/>
           </p:cNvSpPr>
@@ -1562,7 +1564,7 @@
       </p:grpSpPr>
       <p:sp>
         <p:nvSpPr>
-          <p:cNvPr id="120834" name="Rectangle 7"/>
+          <p:cNvPr id="115714" name="Rectangle 7"/>
           <p:cNvSpPr>
             <a:spLocks noGrp="1" noChangeArrowheads="1"/>
           </p:cNvSpPr>
@@ -1577,7 +1579,7 @@
           <a:bodyPr/>
           <a:lstStyle/>
           <a:p>
-            <a:fld id="{7711CD6F-5A65-479E-B8BE-51B3679B5545}" type="slidenum">
+            <a:fld id="{513A99B9-CB37-4FF9-B0C5-43FC1359C584}" type="slidenum">
               <a:rPr lang="en-US" smtClean="0"/>
               <a:pPr/>
               <a:t>17</a:t>
@@ -1588,7 +1590,7 @@
       </p:sp>
       <p:sp>
         <p:nvSpPr>
-          <p:cNvPr id="120835" name="Rectangle 2"/>
+          <p:cNvPr id="115715" name="Rectangle 2"/>
           <p:cNvSpPr>
             <a:spLocks noGrp="1" noRot="1" noChangeAspect="1" noChangeArrowheads="1" noTextEdit="1"/>
           </p:cNvSpPr>
@@ -1602,7 +1604,7 @@
       </p:sp>
       <p:sp>
         <p:nvSpPr>
-          <p:cNvPr id="120836" name="Rectangle 3"/>
+          <p:cNvPr id="115716" name="Rectangle 3"/>
           <p:cNvSpPr>
             <a:spLocks noGrp="1" noChangeArrowheads="1"/>
           </p:cNvSpPr>
@@ -1650,7 +1652,7 @@
       </p:grpSpPr>
       <p:sp>
         <p:nvSpPr>
-          <p:cNvPr id="121858" name="Rectangle 7"/>
+          <p:cNvPr id="119810" name="Rectangle 7"/>
           <p:cNvSpPr>
             <a:spLocks noGrp="1" noChangeArrowheads="1"/>
           </p:cNvSpPr>
@@ -1665,7 +1667,7 @@
           <a:bodyPr/>
           <a:lstStyle/>
           <a:p>
-            <a:fld id="{3D28F6C0-F4BB-495E-8DF2-695CD966C460}" type="slidenum">
+            <a:fld id="{19B1AB24-532E-427F-B44C-739BBACFE522}" type="slidenum">
               <a:rPr lang="en-US" smtClean="0"/>
               <a:pPr/>
               <a:t>18</a:t>
@@ -1676,7 +1678,7 @@
       </p:sp>
       <p:sp>
         <p:nvSpPr>
-          <p:cNvPr id="121859" name="Rectangle 2"/>
+          <p:cNvPr id="119811" name="Rectangle 2"/>
           <p:cNvSpPr>
             <a:spLocks noGrp="1" noRot="1" noChangeAspect="1" noChangeArrowheads="1" noTextEdit="1"/>
           </p:cNvSpPr>
@@ -1690,7 +1692,95 @@
       </p:sp>
       <p:sp>
         <p:nvSpPr>
-          <p:cNvPr id="121860" name="Rectangle 3"/>
+          <p:cNvPr id="119812" name="Rectangle 3"/>
+          <p:cNvSpPr>
+            <a:spLocks noGrp="1" noChangeArrowheads="1"/>
+          </p:cNvSpPr>
+          <p:nvPr>
+            <p:ph type="body" idx="1"/>
+          </p:nvPr>
+        </p:nvSpPr>
+        <p:spPr>
+          <a:noFill/>
+          <a:ln/>
+        </p:spPr>
+        <p:txBody>
+          <a:bodyPr/>
+          <a:lstStyle/>
+          <a:p>
+            <a:pPr eaLnBrk="1" hangingPunct="1"/>
+            <a:endParaRPr lang="en-US" smtClean="0"/>
+          </a:p>
+        </p:txBody>
+      </p:sp>
+    </p:spTree>
+  </p:cSld>
+  <p:clrMapOvr>
+    <a:masterClrMapping/>
+  </p:clrMapOvr>
+</p:notes>
+</file>
+
+<file path=ppt/notesSlides/notesSlide19.xml><?xml version="1.0" encoding="utf-8"?>
+<p:notes xmlns:a="http://schemas.openxmlformats.org/drawingml/2006/main" xmlns:r="http://schemas.openxmlformats.org/officeDocument/2006/relationships" xmlns:p="http://schemas.openxmlformats.org/presentationml/2006/main">
+  <p:cSld>
+    <p:spTree>
+      <p:nvGrpSpPr>
+        <p:cNvPr id="1" name=""/>
+        <p:cNvGrpSpPr/>
+        <p:nvPr/>
+      </p:nvGrpSpPr>
+      <p:grpSpPr>
+        <a:xfrm>
+          <a:off x="0" y="0"/>
+          <a:ext cx="0" cy="0"/>
+          <a:chOff x="0" y="0"/>
+          <a:chExt cx="0" cy="0"/>
+        </a:xfrm>
+      </p:grpSpPr>
+      <p:sp>
+        <p:nvSpPr>
+          <p:cNvPr id="120834" name="Rectangle 7"/>
+          <p:cNvSpPr>
+            <a:spLocks noGrp="1" noChangeArrowheads="1"/>
+          </p:cNvSpPr>
+          <p:nvPr>
+            <p:ph type="sldNum" sz="quarter" idx="5"/>
+          </p:nvPr>
+        </p:nvSpPr>
+        <p:spPr>
+          <a:noFill/>
+        </p:spPr>
+        <p:txBody>
+          <a:bodyPr/>
+          <a:lstStyle/>
+          <a:p>
+            <a:fld id="{7711CD6F-5A65-479E-B8BE-51B3679B5545}" type="slidenum">
+              <a:rPr lang="en-US" smtClean="0"/>
+              <a:pPr/>
+              <a:t>19</a:t>
+            </a:fld>
+            <a:endParaRPr lang="en-US" smtClean="0"/>
+          </a:p>
+        </p:txBody>
+      </p:sp>
+      <p:sp>
+        <p:nvSpPr>
+          <p:cNvPr id="120835" name="Rectangle 2"/>
+          <p:cNvSpPr>
+            <a:spLocks noGrp="1" noRot="1" noChangeAspect="1" noChangeArrowheads="1" noTextEdit="1"/>
+          </p:cNvSpPr>
+          <p:nvPr>
+            <p:ph type="sldImg"/>
+          </p:nvPr>
+        </p:nvSpPr>
+        <p:spPr>
+          <a:ln/>
+        </p:spPr>
+      </p:sp>
+      <p:sp>
+        <p:nvSpPr>
+          <p:cNvPr id="120836" name="Rectangle 3"/>
           <p:cNvSpPr>
             <a:spLocks noGrp="1" noChangeArrowheads="1"/>
           </p:cNvSpPr>
@@ -1779,6 +1869,94 @@
       <p:sp>
         <p:nvSpPr>
           <p:cNvPr id="106500" name="Rectangle 3"/>
+          <p:cNvSpPr>
+            <a:spLocks noGrp="1" noChangeArrowheads="1"/>
+          </p:cNvSpPr>
+          <p:nvPr>
+            <p:ph type="body" idx="1"/>
+          </p:nvPr>
+        </p:nvSpPr>
+        <p:spPr>
+          <a:noFill/>
+          <a:ln/>
+        </p:spPr>
+        <p:txBody>
+          <a:bodyPr/>
+          <a:lstStyle/>
+          <a:p>
+            <a:pPr eaLnBrk="1" hangingPunct="1"/>
+            <a:endParaRPr lang="en-US" smtClean="0"/>
+          </a:p>
+        </p:txBody>
+      </p:sp>
+    </p:spTree>
+  </p:cSld>
+  <p:clrMapOvr>
+    <a:masterClrMapping/>
+  </p:clrMapOvr>
+</p:notes>
+</file>
+
+<file path=ppt/notesSlides/notesSlide20.xml><?xml version="1.0" encoding="utf-8"?>
+<p:notes xmlns:a="http://schemas.openxmlformats.org/drawingml/2006/main" xmlns:r="http://schemas.openxmlformats.org/officeDocument/2006/relationships" xmlns:p="http://schemas.openxmlformats.org/presentationml/2006/main">
+  <p:cSld>
+    <p:spTree>
+      <p:nvGrpSpPr>
+        <p:cNvPr id="1" name=""/>
+        <p:cNvGrpSpPr/>
+        <p:nvPr/>
+      </p:nvGrpSpPr>
+      <p:grpSpPr>
+        <a:xfrm>
+          <a:off x="0" y="0"/>
+          <a:ext cx="0" cy="0"/>
+          <a:chOff x="0" y="0"/>
+          <a:chExt cx="0" cy="0"/>
+        </a:xfrm>
+      </p:grpSpPr>
+      <p:sp>
+        <p:nvSpPr>
+          <p:cNvPr id="121858" name="Rectangle 7"/>
+          <p:cNvSpPr>
+            <a:spLocks noGrp="1" noChangeArrowheads="1"/>
+          </p:cNvSpPr>
+          <p:nvPr>
+            <p:ph type="sldNum" sz="quarter" idx="5"/>
+          </p:nvPr>
+        </p:nvSpPr>
+        <p:spPr>
+          <a:noFill/>
+        </p:spPr>
+        <p:txBody>
+          <a:bodyPr/>
+          <a:lstStyle/>
+          <a:p>
+            <a:fld id="{3D28F6C0-F4BB-495E-8DF2-695CD966C460}" type="slidenum">
+              <a:rPr lang="en-US" smtClean="0"/>
+              <a:pPr/>
+              <a:t>20</a:t>
+            </a:fld>
+            <a:endParaRPr lang="en-US" smtClean="0"/>
+          </a:p>
+        </p:txBody>
+      </p:sp>
+      <p:sp>
+        <p:nvSpPr>
+          <p:cNvPr id="121859" name="Rectangle 2"/>
+          <p:cNvSpPr>
+            <a:spLocks noGrp="1" noRot="1" noChangeAspect="1" noChangeArrowheads="1" noTextEdit="1"/>
+          </p:cNvSpPr>
+          <p:nvPr>
+            <p:ph type="sldImg"/>
+          </p:nvPr>
+        </p:nvSpPr>
+        <p:spPr>
+          <a:ln/>
+        </p:spPr>
+      </p:sp>
+      <p:sp>
+        <p:nvSpPr>
+          <p:cNvPr id="121860" name="Rectangle 3"/>
           <p:cNvSpPr>
             <a:spLocks noGrp="1" noChangeArrowheads="1"/>
           </p:cNvSpPr>
@@ -2538,6 +2716,18 @@
   <p:clrMapOvr>
     <a:masterClrMapping/>
   </p:clrMapOvr>
+  <mc:AlternateContent xmlns:mc="http://schemas.openxmlformats.org/markup-compatibility/2006">
+    <mc:Choice xmlns:p14="http://schemas.microsoft.com/office/powerpoint/2010/main" Requires="p14">
+      <p:transition spd="med" p14:dur="700">
+        <p:fade/>
+      </p:transition>
+    </mc:Choice>
+    <mc:Fallback>
+      <p:transition xmlns:p14="http://schemas.microsoft.com/office/powerpoint/2010/main" spd="med">
+        <p:fade/>
+      </p:transition>
+    </mc:Fallback>
+  </mc:AlternateContent>
 </p:sldLayout>
 </file>
 
@@ -2638,6 +2828,18 @@
   <p:clrMapOvr>
     <a:masterClrMapping/>
   </p:clrMapOvr>
+  <mc:AlternateContent xmlns:mc="http://schemas.openxmlformats.org/markup-compatibility/2006">
+    <mc:Choice xmlns:p14="http://schemas.microsoft.com/office/powerpoint/2010/main" Requires="p14">
+      <p:transition spd="med" p14:dur="700">
+        <p:fade/>
+      </p:transition>
+    </mc:Choice>
+    <mc:Fallback>
+      <p:transition xmlns:p14="http://schemas.microsoft.com/office/powerpoint/2010/main" spd="med">
+        <p:fade/>
+      </p:transition>
+    </mc:Fallback>
+  </mc:AlternateContent>
 </p:sldLayout>
 </file>
 
@@ -2760,6 +2962,18 @@
   <p:clrMapOvr>
     <a:masterClrMapping/>
   </p:clrMapOvr>
+  <mc:AlternateContent xmlns:mc="http://schemas.openxmlformats.org/markup-compatibility/2006">
+    <mc:Choice xmlns:p14="http://schemas.microsoft.com/office/powerpoint/2010/main" Requires="p14">
+      <p:transition spd="med" p14:dur="700">
+        <p:fade/>
+      </p:transition>
+    </mc:Choice>
+    <mc:Fallback>
+      <p:transition xmlns:p14="http://schemas.microsoft.com/office/powerpoint/2010/main" spd="med">
+        <p:fade/>
+      </p:transition>
+    </mc:Fallback>
+  </mc:AlternateContent>
 </p:sldLayout>
 </file>
 
@@ -2808,6 +3022,18 @@
   <p:clrMapOvr>
     <a:masterClrMapping/>
   </p:clrMapOvr>
+  <mc:AlternateContent xmlns:mc="http://schemas.openxmlformats.org/markup-compatibility/2006">
+    <mc:Choice xmlns:p14="http://schemas.microsoft.com/office/powerpoint/2010/main" Requires="p14">
+      <p:transition spd="med" p14:dur="700">
+        <p:fade/>
+      </p:transition>
+    </mc:Choice>
+    <mc:Fallback>
+      <p:transition xmlns:p14="http://schemas.microsoft.com/office/powerpoint/2010/main" spd="med">
+        <p:fade/>
+      </p:transition>
+    </mc:Fallback>
+  </mc:AlternateContent>
 </p:sldLayout>
 </file>
 
@@ -2833,6 +3059,18 @@
   <p:clrMapOvr>
     <a:masterClrMapping/>
   </p:clrMapOvr>
+  <mc:AlternateContent xmlns:mc="http://schemas.openxmlformats.org/markup-compatibility/2006">
+    <mc:Choice xmlns:p14="http://schemas.microsoft.com/office/powerpoint/2010/main" Requires="p14">
+      <p:transition spd="med" p14:dur="700">
+        <p:fade/>
+      </p:transition>
+    </mc:Choice>
+    <mc:Fallback>
+      <p:transition xmlns:p14="http://schemas.microsoft.com/office/powerpoint/2010/main" spd="med">
+        <p:fade/>
+      </p:transition>
+    </mc:Fallback>
+  </mc:AlternateContent>
 </p:sldLayout>
 </file>
 
@@ -3017,6 +3255,18 @@
   <p:clrMapOvr>
     <a:masterClrMapping/>
   </p:clrMapOvr>
+  <mc:AlternateContent xmlns:mc="http://schemas.openxmlformats.org/markup-compatibility/2006">
+    <mc:Choice xmlns:p14="http://schemas.microsoft.com/office/powerpoint/2010/main" Requires="p14">
+      <p:transition spd="med" p14:dur="700">
+        <p:fade/>
+      </p:transition>
+    </mc:Choice>
+    <mc:Fallback>
+      <p:transition xmlns:p14="http://schemas.microsoft.com/office/powerpoint/2010/main" spd="med">
+        <p:fade/>
+      </p:transition>
+    </mc:Fallback>
+  </mc:AlternateContent>
 </p:sldLayout>
 </file>
 
@@ -3070,6 +3320,18 @@
   <p:clrMapOvr>
     <a:masterClrMapping/>
   </p:clrMapOvr>
+  <mc:AlternateContent xmlns:mc="http://schemas.openxmlformats.org/markup-compatibility/2006">
+    <mc:Choice xmlns:p14="http://schemas.microsoft.com/office/powerpoint/2010/main" Requires="p14">
+      <p:transition spd="med" p14:dur="700">
+        <p:fade/>
+      </p:transition>
+    </mc:Choice>
+    <mc:Fallback>
+      <p:transition xmlns:p14="http://schemas.microsoft.com/office/powerpoint/2010/main" spd="med">
+        <p:fade/>
+      </p:transition>
+    </mc:Fallback>
+  </mc:AlternateContent>
 </p:sldLayout>
 </file>
 
@@ -3237,6 +3499,18 @@
   <p:clrMapOvr>
     <a:masterClrMapping/>
   </p:clrMapOvr>
+  <mc:AlternateContent xmlns:mc="http://schemas.openxmlformats.org/markup-compatibility/2006">
+    <mc:Choice xmlns:p14="http://schemas.microsoft.com/office/powerpoint/2010/main" Requires="p14">
+      <p:transition spd="med" p14:dur="700">
+        <p:fade/>
+      </p:transition>
+    </mc:Choice>
+    <mc:Fallback>
+      <p:transition xmlns:p14="http://schemas.microsoft.com/office/powerpoint/2010/main" spd="med">
+        <p:fade/>
+      </p:transition>
+    </mc:Fallback>
+  </mc:AlternateContent>
 </p:sldLayout>
 </file>
 
@@ -3319,6 +3593,18 @@
   <p:clrMapOvr>
     <a:masterClrMapping/>
   </p:clrMapOvr>
+  <mc:AlternateContent xmlns:mc="http://schemas.openxmlformats.org/markup-compatibility/2006">
+    <mc:Choice xmlns:p14="http://schemas.microsoft.com/office/powerpoint/2010/main" Requires="p14">
+      <p:transition spd="med" p14:dur="700">
+        <p:fade/>
+      </p:transition>
+    </mc:Choice>
+    <mc:Fallback>
+      <p:transition xmlns:p14="http://schemas.microsoft.com/office/powerpoint/2010/main" spd="med">
+        <p:fade/>
+      </p:transition>
+    </mc:Fallback>
+  </mc:AlternateContent>
 </p:sldLayout>
 </file>
 
@@ -3667,6 +3953,18 @@
     <p:sldLayoutId id="2147483903" r:id="rId8"/>
     <p:sldLayoutId id="2147483902" r:id="rId9"/>
   </p:sldLayoutIdLst>
+  <mc:AlternateContent xmlns:mc="http://schemas.openxmlformats.org/markup-compatibility/2006">
+    <mc:Choice xmlns:p14="http://schemas.microsoft.com/office/powerpoint/2010/main" Requires="p14">
+      <p:transition spd="med" p14:dur="700">
+        <p:fade/>
+      </p:transition>
+    </mc:Choice>
+    <mc:Fallback>
+      <p:transition xmlns:p14="http://schemas.microsoft.com/office/powerpoint/2010/main" spd="med">
+        <p:fade/>
+      </p:transition>
+    </mc:Fallback>
+  </mc:AlternateContent>
   <p:timing>
     <p:tnLst>
       <p:par>
@@ -4187,12 +4485,16 @@
   <p:clrMapOvr>
     <a:masterClrMapping/>
   </p:clrMapOvr>
-  <mc:AlternateContent xmlns:mc="http://schemas.openxmlformats.org/markup-compatibility/2006" xmlns:p14="http://schemas.microsoft.com/office/powerpoint/2010/main">
-    <mc:Choice Requires="p14">
-      <p:transition spd="slow" p14:dur="2000" advTm="20779"/>
+  <mc:AlternateContent xmlns:mc="http://schemas.openxmlformats.org/markup-compatibility/2006">
+    <mc:Choice xmlns:p14="http://schemas.microsoft.com/office/powerpoint/2010/main" Requires="p14">
+      <p:transition spd="med" p14:dur="700">
+        <p:fade/>
+      </p:transition>
     </mc:Choice>
-    <mc:Fallback xmlns="">
-      <p:transition xmlns:p14="http://schemas.microsoft.com/office/powerpoint/2010/main" spd="slow" advTm="20779"/>
+    <mc:Fallback>
+      <p:transition xmlns:p14="http://schemas.microsoft.com/office/powerpoint/2010/main" spd="med">
+        <p:fade/>
+      </p:transition>
     </mc:Fallback>
   </mc:AlternateContent>
   <p:timing>
@@ -4988,14 +5290,14 @@
   <p:clrMapOvr>
     <a:masterClrMapping/>
   </p:clrMapOvr>
-  <mc:AlternateContent xmlns:mc="http://schemas.openxmlformats.org/markup-compatibility/2006" xmlns:p14="http://schemas.microsoft.com/office/powerpoint/2010/main">
-    <mc:Choice Requires="p14">
-      <p:transition spd="med" p14:dur="700" advTm="24441">
+  <mc:AlternateContent xmlns:mc="http://schemas.openxmlformats.org/markup-compatibility/2006">
+    <mc:Choice xmlns:p14="http://schemas.microsoft.com/office/powerpoint/2010/main" Requires="p14">
+      <p:transition spd="med" p14:dur="700">
         <p:fade/>
       </p:transition>
     </mc:Choice>
-    <mc:Fallback xmlns="">
-      <p:transition xmlns:p14="http://schemas.microsoft.com/office/powerpoint/2010/main" spd="med" advTm="24441">
+    <mc:Fallback>
+      <p:transition xmlns:p14="http://schemas.microsoft.com/office/powerpoint/2010/main" spd="med">
         <p:fade/>
       </p:transition>
     </mc:Fallback>
@@ -5165,18 +5467,18 @@
           <a:p>
             <a:pPr eaLnBrk="1" hangingPunct="1"/>
             <a:r>
-              <a:rPr lang="en-US" smtClean="0"/>
+              <a:rPr lang="en-US" dirty="0" smtClean="0"/>
               <a:t>n+1</a:t>
             </a:r>
             <a:r>
-              <a:rPr lang="en-US" i="1" smtClean="0"/>
+              <a:rPr lang="en-US" i="1" dirty="0" smtClean="0"/>
               <a:t> </a:t>
             </a:r>
             <a:r>
-              <a:rPr lang="en-US" smtClean="0"/>
+              <a:rPr lang="en-US" dirty="0" smtClean="0"/>
               <a:t>books</a:t>
             </a:r>
-            <a:endParaRPr lang="en-US" i="1" smtClean="0"/>
+            <a:endParaRPr lang="en-US" i="1" dirty="0" smtClean="0"/>
           </a:p>
         </p:txBody>
       </p:sp>
@@ -5806,13 +6108,13 @@
           <a:lstStyle/>
           <a:p>
             <a:r>
-              <a:rPr lang="en-US" sz="2400">
+              <a:rPr lang="en-US" sz="2400" dirty="0">
                 <a:latin typeface="Comic Sans MS" pitchFamily="66" charset="0"/>
               </a:rPr>
               <a:t>center of mass of top </a:t>
             </a:r>
             <a:r>
-              <a:rPr lang="en-US" sz="2400">
+              <a:rPr lang="en-US" sz="2400" dirty="0">
                 <a:solidFill>
                   <a:srgbClr val="000099"/>
                 </a:solidFill>
@@ -5821,7 +6123,7 @@
               <a:t>n</a:t>
             </a:r>
             <a:r>
-              <a:rPr lang="en-US" sz="2400">
+              <a:rPr lang="en-US" sz="2400" dirty="0">
                 <a:latin typeface="Comic Sans MS" pitchFamily="66" charset="0"/>
               </a:rPr>
               <a:t> books at edge of book n+1</a:t>
@@ -5977,7 +6279,7 @@
           <a:graphicData uri="http://schemas.openxmlformats.org/presentationml/2006/ole">
             <mc:AlternateContent xmlns:mc="http://schemas.openxmlformats.org/markup-compatibility/2006">
               <mc:Choice xmlns:v="urn:schemas-microsoft-com:vml" Requires="v">
-                <p:oleObj spid="_x0000_s10338" name="Equation" r:id="rId5" imgW="914400" imgH="179640" progId="Equation.DSMT4">
+                <p:oleObj spid="_x0000_s10371" name="Equation" r:id="rId5" imgW="914400" imgH="179640" progId="Equation.DSMT4">
                   <p:embed/>
                 </p:oleObj>
               </mc:Choice>
@@ -6031,146 +6333,6 @@
           </a:graphicData>
         </a:graphic>
       </p:graphicFrame>
-      <p:graphicFrame>
-        <p:nvGraphicFramePr>
-          <p:cNvPr id="10243" name="Object 22"/>
-          <p:cNvGraphicFramePr>
-            <a:graphicFrameLocks noChangeAspect="1"/>
-          </p:cNvGraphicFramePr>
-          <p:nvPr/>
-        </p:nvGraphicFramePr>
-        <p:xfrm>
-          <a:off x="349250" y="-87313"/>
-          <a:ext cx="215900" cy="355601"/>
-        </p:xfrm>
-        <a:graphic>
-          <a:graphicData uri="http://schemas.openxmlformats.org/presentationml/2006/ole">
-            <mc:AlternateContent xmlns:mc="http://schemas.openxmlformats.org/markup-compatibility/2006">
-              <mc:Choice xmlns:v="urn:schemas-microsoft-com:vml" Requires="v">
-                <p:oleObj spid="_x0000_s10339" name="Equation" r:id="rId7" imgW="215640" imgH="355320" progId="Equation.DSMT4">
-                  <p:embed/>
-                </p:oleObj>
-              </mc:Choice>
-              <mc:Fallback>
-                <p:oleObj name="Equation" r:id="rId7" imgW="215640" imgH="355320" progId="Equation.DSMT4">
-                  <p:embed/>
-                  <p:pic>
-                    <p:nvPicPr>
-                      <p:cNvPr id="0" name="Object 22"/>
-                      <p:cNvPicPr>
-                        <a:picLocks noChangeAspect="1" noChangeArrowheads="1"/>
-                      </p:cNvPicPr>
-                      <p:nvPr/>
-                    </p:nvPicPr>
-                    <p:blipFill>
-                      <a:blip r:embed="rId8">
-                        <a:extLst>
-                          <a:ext uri="{28A0092B-C50C-407E-A947-70E740481C1C}">
-                            <a14:useLocalDpi xmlns:a14="http://schemas.microsoft.com/office/drawing/2010/main" val="0"/>
-                          </a:ext>
-                        </a:extLst>
-                      </a:blip>
-                      <a:srcRect/>
-                      <a:stretch>
-                        <a:fillRect/>
-                      </a:stretch>
-                    </p:blipFill>
-                    <p:spPr bwMode="auto">
-                      <a:xfrm>
-                        <a:off x="349250" y="-87313"/>
-                        <a:ext cx="215900" cy="355601"/>
-                      </a:xfrm>
-                      <a:prstGeom prst="rect">
-                        <a:avLst/>
-                      </a:prstGeom>
-                      <a:noFill/>
-                      <a:extLst>
-                        <a:ext uri="{909E8E84-426E-40dd-AFC4-6F175D3DCCD1}">
-                          <a14:hiddenFill xmlns:a14="http://schemas.microsoft.com/office/drawing/2010/main">
-                            <a:solidFill>
-                              <a:srgbClr val="FFFFFF"/>
-                            </a:solidFill>
-                          </a14:hiddenFill>
-                        </a:ext>
-                      </a:extLst>
-                    </p:spPr>
-                  </p:pic>
-                </p:oleObj>
-              </mc:Fallback>
-            </mc:AlternateContent>
-          </a:graphicData>
-        </a:graphic>
-      </p:graphicFrame>
-      <p:graphicFrame>
-        <p:nvGraphicFramePr>
-          <p:cNvPr id="10244" name="Object 23"/>
-          <p:cNvGraphicFramePr>
-            <a:graphicFrameLocks noChangeAspect="1"/>
-          </p:cNvGraphicFramePr>
-          <p:nvPr/>
-        </p:nvGraphicFramePr>
-        <p:xfrm>
-          <a:off x="349250" y="-87313"/>
-          <a:ext cx="215900" cy="355601"/>
-        </p:xfrm>
-        <a:graphic>
-          <a:graphicData uri="http://schemas.openxmlformats.org/presentationml/2006/ole">
-            <mc:AlternateContent xmlns:mc="http://schemas.openxmlformats.org/markup-compatibility/2006">
-              <mc:Choice xmlns:v="urn:schemas-microsoft-com:vml" Requires="v">
-                <p:oleObj spid="_x0000_s10340" name="Equation" r:id="rId9" imgW="215640" imgH="355320" progId="Equation.DSMT4">
-                  <p:embed/>
-                </p:oleObj>
-              </mc:Choice>
-              <mc:Fallback>
-                <p:oleObj name="Equation" r:id="rId9" imgW="215640" imgH="355320" progId="Equation.DSMT4">
-                  <p:embed/>
-                  <p:pic>
-                    <p:nvPicPr>
-                      <p:cNvPr id="0" name="Object 23"/>
-                      <p:cNvPicPr>
-                        <a:picLocks noChangeAspect="1" noChangeArrowheads="1"/>
-                      </p:cNvPicPr>
-                      <p:nvPr/>
-                    </p:nvPicPr>
-                    <p:blipFill>
-                      <a:blip r:embed="rId10">
-                        <a:extLst>
-                          <a:ext uri="{28A0092B-C50C-407E-A947-70E740481C1C}">
-                            <a14:useLocalDpi xmlns:a14="http://schemas.microsoft.com/office/drawing/2010/main" val="0"/>
-                          </a:ext>
-                        </a:extLst>
-                      </a:blip>
-                      <a:srcRect/>
-                      <a:stretch>
-                        <a:fillRect/>
-                      </a:stretch>
-                    </p:blipFill>
-                    <p:spPr bwMode="auto">
-                      <a:xfrm>
-                        <a:off x="349250" y="-87313"/>
-                        <a:ext cx="215900" cy="355601"/>
-                      </a:xfrm>
-                      <a:prstGeom prst="rect">
-                        <a:avLst/>
-                      </a:prstGeom>
-                      <a:noFill/>
-                      <a:extLst>
-                        <a:ext uri="{909E8E84-426E-40dd-AFC4-6F175D3DCCD1}">
-                          <a14:hiddenFill xmlns:a14="http://schemas.microsoft.com/office/drawing/2010/main">
-                            <a:solidFill>
-                              <a:srgbClr val="FFFFFF"/>
-                            </a:solidFill>
-                          </a14:hiddenFill>
-                        </a:ext>
-                      </a:extLst>
-                    </p:spPr>
-                  </p:pic>
-                </p:oleObj>
-              </mc:Fallback>
-            </mc:AlternateContent>
-          </a:graphicData>
-        </a:graphic>
-      </p:graphicFrame>
       <p:sp>
         <p:nvSpPr>
           <p:cNvPr id="10266" name="Text Box 25"/>
@@ -6347,12 +6509,12 @@
           <a:graphicData uri="http://schemas.openxmlformats.org/presentationml/2006/ole">
             <mc:AlternateContent xmlns:mc="http://schemas.openxmlformats.org/markup-compatibility/2006">
               <mc:Choice xmlns:v="urn:schemas-microsoft-com:vml" Requires="v">
-                <p:oleObj spid="_x0000_s10341" name="Equation" r:id="rId11" imgW="139700" imgH="406400" progId="Equation.DSMT4">
+                <p:oleObj spid="_x0000_s10372" name="Equation" r:id="rId7" imgW="139700" imgH="406400" progId="Equation.DSMT4">
                   <p:embed/>
                 </p:oleObj>
               </mc:Choice>
               <mc:Fallback>
-                <p:oleObj name="Equation" r:id="rId11" imgW="139700" imgH="406400" progId="Equation.DSMT4">
+                <p:oleObj name="Equation" r:id="rId7" imgW="139700" imgH="406400" progId="Equation.DSMT4">
                   <p:embed/>
                   <p:pic>
                     <p:nvPicPr>
@@ -6363,7 +6525,7 @@
                       <p:nvPr/>
                     </p:nvPicPr>
                     <p:blipFill>
-                      <a:blip r:embed="rId12">
+                      <a:blip r:embed="rId8">
                         <a:extLst>
                           <a:ext uri="{28A0092B-C50C-407E-A947-70E740481C1C}">
                             <a14:useLocalDpi xmlns:a14="http://schemas.microsoft.com/office/drawing/2010/main" val="0"/>
@@ -6410,7 +6572,7 @@
           <p:nvPr/>
         </p:nvPicPr>
         <p:blipFill>
-          <a:blip r:embed="rId13"/>
+          <a:blip r:embed="rId9"/>
           <a:stretch>
             <a:fillRect/>
           </a:stretch>
@@ -6433,9 +6595,18 @@
   <p:clrMapOvr>
     <a:masterClrMapping/>
   </p:clrMapOvr>
-  <p:transition xmlns:p14="http://schemas.microsoft.com/office/powerpoint/2010/main" advTm="74493">
-    <p:fade thruBlk="1"/>
-  </p:transition>
+  <mc:AlternateContent xmlns:mc="http://schemas.openxmlformats.org/markup-compatibility/2006">
+    <mc:Choice xmlns:p14="http://schemas.microsoft.com/office/powerpoint/2010/main" Requires="p14">
+      <p:transition spd="med" p14:dur="700">
+        <p:fade/>
+      </p:transition>
+    </mc:Choice>
+    <mc:Fallback>
+      <p:transition xmlns:p14="http://schemas.microsoft.com/office/powerpoint/2010/main" spd="med">
+        <p:fade/>
+      </p:transition>
+    </mc:Fallback>
+  </mc:AlternateContent>
   <p:timing>
     <p:tnLst>
       <p:par>
@@ -6457,7 +6628,7 @@
                             </p:stCondLst>
                             <p:childTnLst>
                               <p:par>
-                                <p:cTn id="5" presetID="1" presetClass="entr" presetSubtype="0" fill="hold" grpId="0" nodeType="clickEffect">
+                                <p:cTn id="5" presetID="9" presetClass="entr" presetSubtype="0" fill="hold" grpId="0" nodeType="clickEffect">
                                   <p:stCondLst>
                                     <p:cond delay="0"/>
                                   </p:stCondLst>
@@ -6465,6 +6636,200 @@
                                     <p:set>
                                       <p:cBhvr>
                                         <p:cTn id="6" dur="1" fill="hold">
+                                          <p:stCondLst>
+                                            <p:cond delay="0"/>
+                                          </p:stCondLst>
+                                        </p:cTn>
+                                        <p:tgtEl>
+                                          <p:spTgt spid="175117"/>
+                                        </p:tgtEl>
+                                        <p:attrNameLst>
+                                          <p:attrName>style.visibility</p:attrName>
+                                        </p:attrNameLst>
+                                      </p:cBhvr>
+                                      <p:to>
+                                        <p:strVal val="visible"/>
+                                      </p:to>
+                                    </p:set>
+                                    <p:animEffect transition="in" filter="dissolve">
+                                      <p:cBhvr>
+                                        <p:cTn id="7" dur="500"/>
+                                        <p:tgtEl>
+                                          <p:spTgt spid="175117"/>
+                                        </p:tgtEl>
+                                      </p:cBhvr>
+                                    </p:animEffect>
+                                  </p:childTnLst>
+                                </p:cTn>
+                              </p:par>
+                            </p:childTnLst>
+                          </p:cTn>
+                        </p:par>
+                      </p:childTnLst>
+                    </p:cTn>
+                  </p:par>
+                  <p:par>
+                    <p:cTn id="8" fill="hold">
+                      <p:stCondLst>
+                        <p:cond delay="indefinite"/>
+                      </p:stCondLst>
+                      <p:childTnLst>
+                        <p:par>
+                          <p:cTn id="9" fill="hold">
+                            <p:stCondLst>
+                              <p:cond delay="0"/>
+                            </p:stCondLst>
+                            <p:childTnLst>
+                              <p:par>
+                                <p:cTn id="10" presetID="22" presetClass="entr" presetSubtype="8" fill="hold" grpId="0" nodeType="clickEffect">
+                                  <p:stCondLst>
+                                    <p:cond delay="0"/>
+                                  </p:stCondLst>
+                                  <p:childTnLst>
+                                    <p:set>
+                                      <p:cBhvr>
+                                        <p:cTn id="11" dur="1" fill="hold">
+                                          <p:stCondLst>
+                                            <p:cond delay="0"/>
+                                          </p:stCondLst>
+                                        </p:cTn>
+                                        <p:tgtEl>
+                                          <p:spTgt spid="175118"/>
+                                        </p:tgtEl>
+                                        <p:attrNameLst>
+                                          <p:attrName>style.visibility</p:attrName>
+                                        </p:attrNameLst>
+                                      </p:cBhvr>
+                                      <p:to>
+                                        <p:strVal val="visible"/>
+                                      </p:to>
+                                    </p:set>
+                                    <p:animEffect transition="in" filter="wipe(left)">
+                                      <p:cBhvr>
+                                        <p:cTn id="12" dur="500"/>
+                                        <p:tgtEl>
+                                          <p:spTgt spid="175118"/>
+                                        </p:tgtEl>
+                                      </p:cBhvr>
+                                    </p:animEffect>
+                                  </p:childTnLst>
+                                </p:cTn>
+                              </p:par>
+                            </p:childTnLst>
+                          </p:cTn>
+                        </p:par>
+                        <p:par>
+                          <p:cTn id="13" fill="hold">
+                            <p:stCondLst>
+                              <p:cond delay="500"/>
+                            </p:stCondLst>
+                            <p:childTnLst>
+                              <p:par>
+                                <p:cTn id="14" presetID="9" presetClass="entr" presetSubtype="0" fill="hold" grpId="0" nodeType="afterEffect">
+                                  <p:stCondLst>
+                                    <p:cond delay="0"/>
+                                  </p:stCondLst>
+                                  <p:childTnLst>
+                                    <p:set>
+                                      <p:cBhvr>
+                                        <p:cTn id="15" dur="1" fill="hold">
+                                          <p:stCondLst>
+                                            <p:cond delay="0"/>
+                                          </p:stCondLst>
+                                        </p:cTn>
+                                        <p:tgtEl>
+                                          <p:spTgt spid="175115"/>
+                                        </p:tgtEl>
+                                        <p:attrNameLst>
+                                          <p:attrName>style.visibility</p:attrName>
+                                        </p:attrNameLst>
+                                      </p:cBhvr>
+                                      <p:to>
+                                        <p:strVal val="visible"/>
+                                      </p:to>
+                                    </p:set>
+                                    <p:animEffect transition="in" filter="dissolve">
+                                      <p:cBhvr>
+                                        <p:cTn id="16" dur="500"/>
+                                        <p:tgtEl>
+                                          <p:spTgt spid="175115"/>
+                                        </p:tgtEl>
+                                      </p:cBhvr>
+                                    </p:animEffect>
+                                  </p:childTnLst>
+                                </p:cTn>
+                              </p:par>
+                            </p:childTnLst>
+                          </p:cTn>
+                        </p:par>
+                        <p:par>
+                          <p:cTn id="17" fill="hold">
+                            <p:stCondLst>
+                              <p:cond delay="1000"/>
+                            </p:stCondLst>
+                            <p:childTnLst>
+                              <p:par>
+                                <p:cTn id="18" presetID="22" presetClass="entr" presetSubtype="1" fill="hold" grpId="0" nodeType="afterEffect">
+                                  <p:stCondLst>
+                                    <p:cond delay="0"/>
+                                  </p:stCondLst>
+                                  <p:childTnLst>
+                                    <p:set>
+                                      <p:cBhvr>
+                                        <p:cTn id="19" dur="1" fill="hold">
+                                          <p:stCondLst>
+                                            <p:cond delay="0"/>
+                                          </p:stCondLst>
+                                        </p:cTn>
+                                        <p:tgtEl>
+                                          <p:spTgt spid="175116"/>
+                                        </p:tgtEl>
+                                        <p:attrNameLst>
+                                          <p:attrName>style.visibility</p:attrName>
+                                        </p:attrNameLst>
+                                      </p:cBhvr>
+                                      <p:to>
+                                        <p:strVal val="visible"/>
+                                      </p:to>
+                                    </p:set>
+                                    <p:animEffect transition="in" filter="wipe(up)">
+                                      <p:cBhvr>
+                                        <p:cTn id="20" dur="500"/>
+                                        <p:tgtEl>
+                                          <p:spTgt spid="175116"/>
+                                        </p:tgtEl>
+                                      </p:cBhvr>
+                                    </p:animEffect>
+                                  </p:childTnLst>
+                                </p:cTn>
+                              </p:par>
+                            </p:childTnLst>
+                          </p:cTn>
+                        </p:par>
+                      </p:childTnLst>
+                    </p:cTn>
+                  </p:par>
+                  <p:par>
+                    <p:cTn id="21" fill="hold">
+                      <p:stCondLst>
+                        <p:cond delay="indefinite"/>
+                      </p:stCondLst>
+                      <p:childTnLst>
+                        <p:par>
+                          <p:cTn id="22" fill="hold">
+                            <p:stCondLst>
+                              <p:cond delay="0"/>
+                            </p:stCondLst>
+                            <p:childTnLst>
+                              <p:par>
+                                <p:cTn id="23" presetID="9" presetClass="entr" presetSubtype="0" fill="hold" grpId="0" nodeType="clickEffect">
+                                  <p:stCondLst>
+                                    <p:cond delay="0"/>
+                                  </p:stCondLst>
+                                  <p:childTnLst>
+                                    <p:set>
+                                      <p:cBhvr>
+                                        <p:cTn id="24" dur="1" fill="hold">
                                           <p:stCondLst>
                                             <p:cond delay="0"/>
                                           </p:stCondLst>
@@ -6484,18 +6849,48 @@
                                         <p:strVal val="visible"/>
                                       </p:to>
                                     </p:set>
+                                    <p:animEffect transition="in" filter="dissolve">
+                                      <p:cBhvr>
+                                        <p:cTn id="25" dur="500"/>
+                                        <p:tgtEl>
+                                          <p:spTgt spid="175122">
+                                            <p:txEl>
+                                              <p:pRg st="0" end="0"/>
+                                            </p:txEl>
+                                          </p:spTgt>
+                                        </p:tgtEl>
+                                      </p:cBhvr>
+                                    </p:animEffect>
                                   </p:childTnLst>
                                 </p:cTn>
                               </p:par>
+                            </p:childTnLst>
+                          </p:cTn>
+                        </p:par>
+                      </p:childTnLst>
+                    </p:cTn>
+                  </p:par>
+                  <p:par>
+                    <p:cTn id="26" fill="hold">
+                      <p:stCondLst>
+                        <p:cond delay="indefinite"/>
+                      </p:stCondLst>
+                      <p:childTnLst>
+                        <p:par>
+                          <p:cTn id="27" fill="hold">
+                            <p:stCondLst>
+                              <p:cond delay="0"/>
+                            </p:stCondLst>
+                            <p:childTnLst>
                               <p:par>
-                                <p:cTn id="7" presetID="1" presetClass="entr" presetSubtype="0" fill="hold" grpId="0" nodeType="withEffect">
+                                <p:cTn id="28" presetID="1" presetClass="entr" presetSubtype="0" fill="hold" grpId="0" nodeType="clickEffect">
                                   <p:stCondLst>
                                     <p:cond delay="0"/>
                                   </p:stCondLst>
                                   <p:childTnLst>
                                     <p:set>
                                       <p:cBhvr>
-                                        <p:cTn id="8" dur="1" fill="hold">
+                                        <p:cTn id="29" dur="1" fill="hold">
                                           <p:stCondLst>
                                             <p:cond delay="0"/>
                                           </p:stCondLst>
@@ -6514,15 +6909,24 @@
                                   </p:childTnLst>
                                 </p:cTn>
                               </p:par>
+                            </p:childTnLst>
+                          </p:cTn>
+                        </p:par>
+                        <p:par>
+                          <p:cTn id="30" fill="hold">
+                            <p:stCondLst>
+                              <p:cond delay="0"/>
+                            </p:stCondLst>
+                            <p:childTnLst>
                               <p:par>
-                                <p:cTn id="9" presetID="1" presetClass="entr" presetSubtype="0" fill="hold" grpId="0" nodeType="withEffect">
+                                <p:cTn id="31" presetID="9" presetClass="entr" presetSubtype="0" fill="hold" grpId="1" nodeType="afterEffect">
                                   <p:stCondLst>
                                     <p:cond delay="0"/>
                                   </p:stCondLst>
                                   <p:childTnLst>
                                     <p:set>
                                       <p:cBhvr>
-                                        <p:cTn id="10" dur="1" fill="hold">
+                                        <p:cTn id="32" dur="1" fill="hold">
                                           <p:stCondLst>
                                             <p:cond delay="0"/>
                                           </p:stCondLst>
@@ -6538,18 +6942,35 @@
                                         <p:strVal val="visible"/>
                                       </p:to>
                                     </p:set>
+                                    <p:animEffect transition="in" filter="dissolve">
+                                      <p:cBhvr>
+                                        <p:cTn id="33" dur="500"/>
+                                        <p:tgtEl>
+                                          <p:spTgt spid="175120"/>
+                                        </p:tgtEl>
+                                      </p:cBhvr>
+                                    </p:animEffect>
                                   </p:childTnLst>
                                 </p:cTn>
                               </p:par>
+                            </p:childTnLst>
+                          </p:cTn>
+                        </p:par>
+                        <p:par>
+                          <p:cTn id="34" fill="hold">
+                            <p:stCondLst>
+                              <p:cond delay="500"/>
+                            </p:stCondLst>
+                            <p:childTnLst>
                               <p:par>
-                                <p:cTn id="11" presetID="1" presetClass="entr" presetSubtype="0" fill="hold" grpId="0" nodeType="withEffect">
+                                <p:cTn id="35" presetID="22" presetClass="entr" presetSubtype="1" fill="hold" grpId="0" nodeType="afterEffect">
                                   <p:stCondLst>
                                     <p:cond delay="0"/>
                                   </p:stCondLst>
                                   <p:childTnLst>
                                     <p:set>
                                       <p:cBhvr>
-                                        <p:cTn id="12" dur="1" fill="hold">
+                                        <p:cTn id="36" dur="1" fill="hold">
                                           <p:stCondLst>
                                             <p:cond delay="0"/>
                                           </p:stCondLst>
@@ -6565,6 +6986,14 @@
                                         <p:strVal val="visible"/>
                                       </p:to>
                                     </p:set>
+                                    <p:animEffect transition="in" filter="wipe(up)">
+                                      <p:cBhvr>
+                                        <p:cTn id="37" dur="500"/>
+                                        <p:tgtEl>
+                                          <p:spTgt spid="175121"/>
+                                        </p:tgtEl>
+                                      </p:cBhvr>
+                                    </p:animEffect>
                                   </p:childTnLst>
                                 </p:cTn>
                               </p:par>
@@ -6575,218 +7004,26 @@
                     </p:cTn>
                   </p:par>
                   <p:par>
-                    <p:cTn id="13" fill="hold">
+                    <p:cTn id="38" fill="hold">
                       <p:stCondLst>
                         <p:cond delay="indefinite"/>
                       </p:stCondLst>
                       <p:childTnLst>
                         <p:par>
-                          <p:cTn id="14" fill="hold">
+                          <p:cTn id="39" fill="hold">
                             <p:stCondLst>
                               <p:cond delay="0"/>
                             </p:stCondLst>
                             <p:childTnLst>
                               <p:par>
-                                <p:cTn id="15" presetID="1" presetClass="entr" presetSubtype="0" fill="hold" grpId="0" nodeType="clickEffect">
+                                <p:cTn id="40" presetID="2" presetClass="entr" presetSubtype="4" accel="50000" decel="50000" fill="hold" nodeType="clickEffect">
                                   <p:stCondLst>
                                     <p:cond delay="0"/>
                                   </p:stCondLst>
                                   <p:childTnLst>
                                     <p:set>
                                       <p:cBhvr>
-                                        <p:cTn id="16" dur="1" fill="hold">
-                                          <p:stCondLst>
-                                            <p:cond delay="0"/>
-                                          </p:stCondLst>
-                                        </p:cTn>
-                                        <p:tgtEl>
-                                          <p:spTgt spid="175115"/>
-                                        </p:tgtEl>
-                                        <p:attrNameLst>
-                                          <p:attrName>style.visibility</p:attrName>
-                                        </p:attrNameLst>
-                                      </p:cBhvr>
-                                      <p:to>
-                                        <p:strVal val="visible"/>
-                                      </p:to>
-                                    </p:set>
-                                  </p:childTnLst>
-                                </p:cTn>
-                              </p:par>
-                              <p:par>
-                                <p:cTn id="17" presetID="1" presetClass="entr" presetSubtype="0" fill="hold" grpId="0" nodeType="withEffect">
-                                  <p:stCondLst>
-                                    <p:cond delay="0"/>
-                                  </p:stCondLst>
-                                  <p:childTnLst>
-                                    <p:set>
-                                      <p:cBhvr>
-                                        <p:cTn id="18" dur="1" fill="hold">
-                                          <p:stCondLst>
-                                            <p:cond delay="0"/>
-                                          </p:stCondLst>
-                                        </p:cTn>
-                                        <p:tgtEl>
-                                          <p:spTgt spid="175117">
-                                            <p:txEl>
-                                              <p:pRg st="0" end="0"/>
-                                            </p:txEl>
-                                          </p:spTgt>
-                                        </p:tgtEl>
-                                        <p:attrNameLst>
-                                          <p:attrName>style.visibility</p:attrName>
-                                        </p:attrNameLst>
-                                      </p:cBhvr>
-                                      <p:to>
-                                        <p:strVal val="visible"/>
-                                      </p:to>
-                                    </p:set>
-                                  </p:childTnLst>
-                                </p:cTn>
-                              </p:par>
-                              <p:par>
-                                <p:cTn id="19" presetID="1" presetClass="entr" presetSubtype="0" fill="hold" grpId="0" nodeType="withEffect">
-                                  <p:stCondLst>
-                                    <p:cond delay="0"/>
-                                  </p:stCondLst>
-                                  <p:childTnLst>
-                                    <p:set>
-                                      <p:cBhvr>
-                                        <p:cTn id="20" dur="1" fill="hold">
-                                          <p:stCondLst>
-                                            <p:cond delay="0"/>
-                                          </p:stCondLst>
-                                        </p:cTn>
-                                        <p:tgtEl>
-                                          <p:spTgt spid="175117">
-                                            <p:txEl>
-                                              <p:pRg st="1" end="1"/>
-                                            </p:txEl>
-                                          </p:spTgt>
-                                        </p:tgtEl>
-                                        <p:attrNameLst>
-                                          <p:attrName>style.visibility</p:attrName>
-                                        </p:attrNameLst>
-                                      </p:cBhvr>
-                                      <p:to>
-                                        <p:strVal val="visible"/>
-                                      </p:to>
-                                    </p:set>
-                                  </p:childTnLst>
-                                </p:cTn>
-                              </p:par>
-                              <p:par>
-                                <p:cTn id="21" presetID="1" presetClass="entr" presetSubtype="0" fill="hold" grpId="0" nodeType="withEffect">
-                                  <p:stCondLst>
-                                    <p:cond delay="0"/>
-                                  </p:stCondLst>
-                                  <p:childTnLst>
-                                    <p:set>
-                                      <p:cBhvr>
-                                        <p:cTn id="22" dur="1" fill="hold">
-                                          <p:stCondLst>
-                                            <p:cond delay="0"/>
-                                          </p:stCondLst>
-                                        </p:cTn>
-                                        <p:tgtEl>
-                                          <p:spTgt spid="175118"/>
-                                        </p:tgtEl>
-                                        <p:attrNameLst>
-                                          <p:attrName>style.visibility</p:attrName>
-                                        </p:attrNameLst>
-                                      </p:cBhvr>
-                                      <p:to>
-                                        <p:strVal val="visible"/>
-                                      </p:to>
-                                    </p:set>
-                                  </p:childTnLst>
-                                </p:cTn>
-                              </p:par>
-                              <p:par>
-                                <p:cTn id="23" presetID="1" presetClass="entr" presetSubtype="0" fill="hold" grpId="0" nodeType="withEffect">
-                                  <p:stCondLst>
-                                    <p:cond delay="0"/>
-                                  </p:stCondLst>
-                                  <p:childTnLst>
-                                    <p:set>
-                                      <p:cBhvr>
-                                        <p:cTn id="24" dur="1" fill="hold">
-                                          <p:stCondLst>
-                                            <p:cond delay="0"/>
-                                          </p:stCondLst>
-                                        </p:cTn>
-                                        <p:tgtEl>
-                                          <p:spTgt spid="175117">
-                                            <p:txEl>
-                                              <p:pRg st="2" end="2"/>
-                                            </p:txEl>
-                                          </p:spTgt>
-                                        </p:tgtEl>
-                                        <p:attrNameLst>
-                                          <p:attrName>style.visibility</p:attrName>
-                                        </p:attrNameLst>
-                                      </p:cBhvr>
-                                      <p:to>
-                                        <p:strVal val="visible"/>
-                                      </p:to>
-                                    </p:set>
-                                  </p:childTnLst>
-                                </p:cTn>
-                              </p:par>
-                              <p:par>
-                                <p:cTn id="25" presetID="1" presetClass="entr" presetSubtype="0" fill="hold" grpId="0" nodeType="withEffect">
-                                  <p:stCondLst>
-                                    <p:cond delay="0"/>
-                                  </p:stCondLst>
-                                  <p:childTnLst>
-                                    <p:set>
-                                      <p:cBhvr>
-                                        <p:cTn id="26" dur="1" fill="hold">
-                                          <p:stCondLst>
-                                            <p:cond delay="0"/>
-                                          </p:stCondLst>
-                                        </p:cTn>
-                                        <p:tgtEl>
-                                          <p:spTgt spid="175116"/>
-                                        </p:tgtEl>
-                                        <p:attrNameLst>
-                                          <p:attrName>style.visibility</p:attrName>
-                                        </p:attrNameLst>
-                                      </p:cBhvr>
-                                      <p:to>
-                                        <p:strVal val="visible"/>
-                                      </p:to>
-                                    </p:set>
-                                  </p:childTnLst>
-                                </p:cTn>
-                              </p:par>
-                            </p:childTnLst>
-                          </p:cTn>
-                        </p:par>
-                      </p:childTnLst>
-                    </p:cTn>
-                  </p:par>
-                  <p:par>
-                    <p:cTn id="27" fill="hold">
-                      <p:stCondLst>
-                        <p:cond delay="indefinite"/>
-                      </p:stCondLst>
-                      <p:childTnLst>
-                        <p:par>
-                          <p:cTn id="28" fill="hold">
-                            <p:stCondLst>
-                              <p:cond delay="0"/>
-                            </p:stCondLst>
-                            <p:childTnLst>
-                              <p:par>
-                                <p:cTn id="29" presetID="2" presetClass="entr" presetSubtype="4" accel="50000" decel="50000" fill="hold" nodeType="clickEffect">
-                                  <p:stCondLst>
-                                    <p:cond delay="0"/>
-                                  </p:stCondLst>
-                                  <p:childTnLst>
-                                    <p:set>
-                                      <p:cBhvr>
-                                        <p:cTn id="30" dur="1" fill="hold">
+                                        <p:cTn id="41" dur="1" fill="hold">
                                           <p:stCondLst>
                                             <p:cond delay="0"/>
                                           </p:stCondLst>
@@ -6804,7 +7041,7 @@
                                     </p:set>
                                     <p:anim calcmode="lin" valueType="num">
                                       <p:cBhvr additive="base">
-                                        <p:cTn id="31" dur="500" fill="hold"/>
+                                        <p:cTn id="42" dur="500" fill="hold"/>
                                         <p:tgtEl>
                                           <p:spTgt spid="30"/>
                                         </p:tgtEl>
@@ -6827,7 +7064,7 @@
                                     </p:anim>
                                     <p:anim calcmode="lin" valueType="num">
                                       <p:cBhvr additive="base">
-                                        <p:cTn id="32" dur="500" fill="hold"/>
+                                        <p:cTn id="43" dur="500" fill="hold"/>
                                         <p:tgtEl>
                                           <p:spTgt spid="30"/>
                                         </p:tgtEl>
@@ -6855,20 +7092,20 @@
                           </p:cTn>
                         </p:par>
                         <p:par>
-                          <p:cTn id="33" fill="hold">
+                          <p:cTn id="44" fill="hold">
                             <p:stCondLst>
                               <p:cond delay="500"/>
                             </p:stCondLst>
                             <p:childTnLst>
                               <p:par>
-                                <p:cTn id="34" presetID="1" presetClass="entr" presetSubtype="0" fill="hold" grpId="0" nodeType="afterEffect">
+                                <p:cTn id="45" presetID="1" presetClass="entr" presetSubtype="0" fill="hold" grpId="0" nodeType="afterEffect">
                                   <p:stCondLst>
                                     <p:cond delay="0"/>
                                   </p:stCondLst>
                                   <p:childTnLst>
                                     <p:set>
                                       <p:cBhvr>
-                                        <p:cTn id="35" dur="1" fill="hold">
+                                        <p:cTn id="46" dur="1" fill="hold">
                                           <p:stCondLst>
                                             <p:cond delay="0"/>
                                           </p:stCondLst>
@@ -6921,9 +7158,9 @@
     <p:bldLst>
       <p:bldP spid="175115" grpId="0" animBg="1"/>
       <p:bldP spid="175116" grpId="0" animBg="1"/>
-      <p:bldP spid="175117" grpId="0" build="allAtOnce"/>
+      <p:bldP spid="175117" grpId="0" uiExpand="1"/>
       <p:bldP spid="175118" grpId="0" animBg="1"/>
-      <p:bldP spid="175120" grpId="0" animBg="1"/>
+      <p:bldP spid="175120" grpId="1" animBg="1"/>
       <p:bldP spid="175121" grpId="0" animBg="1"/>
       <p:bldP spid="175122" grpId="0" build="allAtOnce"/>
       <p:bldP spid="175123" grpId="0" animBg="1"/>
@@ -6970,49 +7207,34 @@
           <a:bodyPr/>
           <a:lstStyle/>
           <a:p>
-            <a:pPr eaLnBrk="1" hangingPunct="1">
-              <a:buFontTx/>
-              <a:buNone/>
-            </a:pPr>
-            <a:r>
-              <a:rPr lang="en-US" sz="5400" dirty="0" err="1" smtClean="0">
-                <a:solidFill>
-                  <a:srgbClr val="0000FF"/>
-                </a:solidFill>
-                <a:sym typeface="Symbol" pitchFamily="18" charset="2"/>
-              </a:rPr>
-              <a:t>Δ</a:t>
-            </a:r>
-            <a:r>
-              <a:rPr lang="en-US" sz="5400" dirty="0" smtClean="0">
-                <a:solidFill>
-                  <a:srgbClr val="0000FF"/>
-                </a:solidFill>
-                <a:sym typeface="Symbol" pitchFamily="18" charset="2"/>
-              </a:rPr>
-              <a:t>-</a:t>
-            </a:r>
-            <a:r>
-              <a:rPr lang="en-US" sz="5400" dirty="0" smtClean="0">
+            <a:pPr eaLnBrk="1" hangingPunct="1"/>
+            <a:r>
+              <a:rPr lang="el-GR" sz="5400" dirty="0">
                 <a:solidFill>
                   <a:srgbClr val="0000FF"/>
                 </a:solidFill>
               </a:rPr>
-              <a:t>overhang</a:t>
-            </a:r>
+              <a:t>Δ-overhang</a:t>
+            </a:r>
+            <a:r>
+              <a:rPr lang="el-GR" sz="5400" dirty="0"/>
+              <a:t> ::</a:t>
+            </a:r>
+            <a:r>
+              <a:rPr lang="el-GR" sz="5400" dirty="0" smtClean="0"/>
+              <a:t>=</a:t>
+            </a:r>
+            <a:endParaRPr lang="en-US" sz="5400" dirty="0" smtClean="0"/>
+          </a:p>
+          <a:p>
+            <a:pPr eaLnBrk="1" hangingPunct="1"/>
             <a:r>
               <a:rPr lang="en-US" sz="5400" dirty="0" smtClean="0"/>
-              <a:t> ::=</a:t>
-            </a:r>
-          </a:p>
-          <a:p>
-            <a:pPr eaLnBrk="1" hangingPunct="1">
-              <a:buFontTx/>
-              <a:buNone/>
-            </a:pPr>
+              <a:t>horizontal </a:t>
+            </a:r>
             <a:r>
               <a:rPr lang="en-US" sz="5400" dirty="0" smtClean="0"/>
-              <a:t>horizontal distance from</a:t>
+              <a:t>distance from</a:t>
             </a:r>
           </a:p>
           <a:p>
@@ -7057,19 +7279,92 @@
           </a:p>
         </p:txBody>
       </p:sp>
+      <p:sp>
+        <p:nvSpPr>
+          <p:cNvPr id="5" name="Rectangle 5"/>
+          <p:cNvSpPr>
+            <a:spLocks noChangeArrowheads="1"/>
+          </p:cNvSpPr>
+          <p:nvPr/>
+        </p:nvSpPr>
+        <p:spPr bwMode="auto">
+          <a:xfrm>
+            <a:off x="2878138" y="249238"/>
+            <a:ext cx="3398274" cy="830997"/>
+          </a:xfrm>
+          <a:prstGeom prst="rect">
+            <a:avLst/>
+          </a:prstGeom>
+          <a:noFill/>
+          <a:ln w="9525">
+            <a:noFill/>
+            <a:miter lim="800000"/>
+            <a:headEnd/>
+            <a:tailEnd/>
+          </a:ln>
+        </p:spPr>
+        <p:txBody>
+          <a:bodyPr wrap="none">
+            <a:spAutoFit/>
+          </a:bodyPr>
+          <a:lstStyle/>
+          <a:p>
+            <a:pPr eaLnBrk="0" hangingPunct="0"/>
+            <a:r>
+              <a:rPr lang="en-US" sz="4800" dirty="0" err="1" smtClean="0">
+                <a:solidFill>
+                  <a:srgbClr val="0000FF"/>
+                </a:solidFill>
+                <a:latin typeface="Comic Sans MS"/>
+                <a:cs typeface="Comic Sans MS"/>
+                <a:sym typeface="Symbol" pitchFamily="18" charset="2"/>
+              </a:rPr>
+              <a:t>Δ</a:t>
+            </a:r>
+            <a:r>
+              <a:rPr lang="en-US" sz="4800" dirty="0" smtClean="0">
+                <a:solidFill>
+                  <a:srgbClr val="0000FF"/>
+                </a:solidFill>
+                <a:latin typeface="Comic Sans MS"/>
+                <a:cs typeface="Comic Sans MS"/>
+                <a:sym typeface="Symbol" pitchFamily="18" charset="2"/>
+              </a:rPr>
+              <a:t>-</a:t>
+            </a:r>
+            <a:r>
+              <a:rPr lang="en-US" dirty="0" smtClean="0">
+                <a:solidFill>
+                  <a:srgbClr val="0000FF"/>
+                </a:solidFill>
+                <a:latin typeface="Comic Sans MS"/>
+                <a:cs typeface="Comic Sans MS"/>
+              </a:rPr>
+              <a:t>overhang</a:t>
+            </a:r>
+            <a:endParaRPr lang="en-US" dirty="0">
+              <a:solidFill>
+                <a:srgbClr val="0000FF"/>
+              </a:solidFill>
+              <a:latin typeface="Comic Sans MS"/>
+              <a:cs typeface="Comic Sans MS"/>
+            </a:endParaRPr>
+          </a:p>
+        </p:txBody>
+      </p:sp>
     </p:spTree>
   </p:cSld>
   <p:clrMapOvr>
     <a:masterClrMapping/>
   </p:clrMapOvr>
-  <mc:AlternateContent xmlns:mc="http://schemas.openxmlformats.org/markup-compatibility/2006" xmlns:p14="http://schemas.microsoft.com/office/powerpoint/2010/main">
-    <mc:Choice Requires="p14">
-      <p:transition spd="med" p14:dur="700" advTm="23769">
+  <mc:AlternateContent xmlns:mc="http://schemas.openxmlformats.org/markup-compatibility/2006">
+    <mc:Choice xmlns:p14="http://schemas.microsoft.com/office/powerpoint/2010/main" Requires="p14">
+      <p:transition spd="med" p14:dur="700">
         <p:fade/>
       </p:transition>
     </mc:Choice>
-    <mc:Fallback xmlns="">
-      <p:transition xmlns:p14="http://schemas.microsoft.com/office/powerpoint/2010/main" spd="med" advTm="23769">
+    <mc:Fallback>
+      <p:transition xmlns:p14="http://schemas.microsoft.com/office/powerpoint/2010/main" spd="med">
         <p:fade/>
       </p:transition>
     </mc:Fallback>
@@ -7085,7 +7380,7 @@
 </file>
 
 <file path=ppt/slides/slide13.xml><?xml version="1.0" encoding="utf-8"?>
-<p:sld xmlns:a="http://schemas.openxmlformats.org/drawingml/2006/main" xmlns:r="http://schemas.openxmlformats.org/officeDocument/2006/relationships" xmlns:p="http://schemas.openxmlformats.org/presentationml/2006/main">
+<p:sld xmlns:a="http://schemas.openxmlformats.org/drawingml/2006/main" xmlns:r="http://schemas.openxmlformats.org/officeDocument/2006/relationships" xmlns:p="http://schemas.openxmlformats.org/presentationml/2006/main" show="0">
   <p:cSld>
     <p:spTree>
       <p:nvGrpSpPr>
@@ -7113,8 +7408,8 @@
         </p:nvSpPr>
         <p:spPr>
           <a:xfrm>
-            <a:off x="304800" y="1143000"/>
-            <a:ext cx="8839200" cy="2819400"/>
+            <a:off x="76200" y="1143000"/>
+            <a:ext cx="8991600" cy="2819400"/>
           </a:xfrm>
         </p:spPr>
         <p:txBody>
@@ -7127,8 +7422,101 @@
             </a:pPr>
             <a:r>
               <a:rPr lang="en-US" sz="4000" dirty="0" smtClean="0"/>
-              <a:t>center of n-stack at x = 0.</a:t>
-            </a:r>
+              <a:t>let</a:t>
+            </a:r>
+            <a:r>
+              <a:rPr lang="en-US" sz="4000" dirty="0" smtClean="0"/>
+              <a:t> bottom book center be </a:t>
+            </a:r>
+            <a:r>
+              <a:rPr lang="en-US" sz="4000" dirty="0" smtClean="0">
+                <a:solidFill>
+                  <a:srgbClr val="0000FF"/>
+                </a:solidFill>
+              </a:rPr>
+              <a:t>x ::</a:t>
+            </a:r>
+            <a:r>
+              <a:rPr lang="en-US" sz="4000" b="1" dirty="0" smtClean="0">
+                <a:solidFill>
+                  <a:srgbClr val="0000FF"/>
+                </a:solidFill>
+                <a:latin typeface="Euclid Symbol" charset="2"/>
+                <a:cs typeface="Euclid Symbol" charset="2"/>
+              </a:rPr>
+              <a:t>=</a:t>
+            </a:r>
+            <a:r>
+              <a:rPr lang="en-US" sz="4000" dirty="0" smtClean="0">
+                <a:solidFill>
+                  <a:srgbClr val="0000FF"/>
+                </a:solidFill>
+              </a:rPr>
+              <a:t> 0</a:t>
+            </a:r>
+            <a:r>
+              <a:rPr lang="en-US" sz="4000" dirty="0" smtClean="0"/>
+              <a:t>,</a:t>
+            </a:r>
+            <a:endParaRPr lang="en-US" sz="4000" dirty="0" smtClean="0"/>
+          </a:p>
+          <a:p>
+            <a:pPr eaLnBrk="1" hangingPunct="1"/>
+            <a:r>
+              <a:rPr lang="en-US" sz="4000" dirty="0" smtClean="0"/>
+              <a:t>so center of </a:t>
+            </a:r>
+            <a:r>
+              <a:rPr lang="en-US" sz="4000" dirty="0" smtClean="0">
+                <a:solidFill>
+                  <a:srgbClr val="0000FF"/>
+                </a:solidFill>
+              </a:rPr>
+              <a:t>n</a:t>
+            </a:r>
+            <a:r>
+              <a:rPr lang="en-US" sz="4000" dirty="0"/>
+              <a:t>-</a:t>
+            </a:r>
+            <a:r>
+              <a:rPr lang="en-US" sz="4000" dirty="0" smtClean="0"/>
+              <a:t>stack </a:t>
+            </a:r>
+            <a:r>
+              <a:rPr lang="en-US" sz="4000" dirty="0" smtClean="0"/>
+              <a:t>is at </a:t>
+            </a:r>
+            <a:r>
+              <a:rPr lang="en-US" sz="4000" dirty="0" smtClean="0">
+                <a:solidFill>
+                  <a:srgbClr val="0000FF"/>
+                </a:solidFill>
+              </a:rPr>
+              <a:t>x </a:t>
+            </a:r>
+            <a:r>
+              <a:rPr lang="en-US" sz="4000" b="1" dirty="0">
+                <a:solidFill>
+                  <a:srgbClr val="0000FF"/>
+                </a:solidFill>
+                <a:latin typeface="Euclid Symbol" charset="2"/>
+                <a:cs typeface="Euclid Symbol" charset="2"/>
+              </a:rPr>
+              <a:t>=</a:t>
+            </a:r>
+            <a:r>
+              <a:rPr lang="en-US" sz="4000" dirty="0" smtClean="0">
+                <a:solidFill>
+                  <a:srgbClr val="0000FF"/>
+                </a:solidFill>
+              </a:rPr>
+              <a:t> 1/2</a:t>
+            </a:r>
+            <a:r>
+              <a:rPr lang="en-US" sz="4000" dirty="0" smtClean="0"/>
+              <a:t>.</a:t>
+            </a:r>
+            <a:endParaRPr lang="en-US" sz="5400" dirty="0" smtClean="0"/>
           </a:p>
           <a:p>
             <a:pPr eaLnBrk="1" hangingPunct="1">
@@ -7137,29 +7525,23 @@
             </a:pPr>
             <a:r>
               <a:rPr lang="en-US" sz="4000" dirty="0" smtClean="0"/>
-              <a:t>center of n+1</a:t>
-            </a:r>
-            <a:r>
-              <a:rPr lang="en-US" sz="4000" baseline="30000" dirty="0" smtClean="0"/>
-              <a:t>st</a:t>
+              <a:t>Now </a:t>
             </a:r>
             <a:r>
               <a:rPr lang="en-US" sz="4000" dirty="0" smtClean="0"/>
-              <a:t> book is at x = 1/2</a:t>
-            </a:r>
-            <a:r>
-              <a:rPr lang="en-US" sz="5400" dirty="0" smtClean="0"/>
-              <a:t>,</a:t>
-            </a:r>
-          </a:p>
-          <a:p>
-            <a:pPr eaLnBrk="1" hangingPunct="1">
-              <a:buFontTx/>
-              <a:buNone/>
-            </a:pPr>
+              <a:t>center of </a:t>
+            </a:r>
+            <a:r>
+              <a:rPr lang="en-US" sz="4000" dirty="0" smtClean="0">
+                <a:solidFill>
+                  <a:srgbClr val="0000FF"/>
+                </a:solidFill>
+              </a:rPr>
+              <a:t>n+1</a:t>
+            </a:r>
             <a:r>
               <a:rPr lang="en-US" sz="4000" dirty="0" smtClean="0"/>
-              <a:t>so center of n+1-stack is at</a:t>
+              <a:t>-stack is at</a:t>
             </a:r>
           </a:p>
         </p:txBody>
@@ -7173,25 +7555,25 @@
           <p:nvPr>
             <p:extLst>
               <p:ext uri="{D42A27DB-BD31-4B8C-83A1-F6EECF244321}">
-                <p14:modId xmlns:p14="http://schemas.microsoft.com/office/powerpoint/2010/main" val="1731235282"/>
+                <p14:modId xmlns:p14="http://schemas.microsoft.com/office/powerpoint/2010/main" val="3912562502"/>
               </p:ext>
             </p:extLst>
           </p:nvPr>
         </p:nvGraphicFramePr>
         <p:xfrm>
-          <a:off x="685800" y="3771900"/>
-          <a:ext cx="7725591" cy="1790700"/>
+          <a:off x="1524000" y="3234267"/>
+          <a:ext cx="5926113" cy="1337733"/>
         </p:xfrm>
         <a:graphic>
           <a:graphicData uri="http://schemas.openxmlformats.org/presentationml/2006/ole">
             <mc:AlternateContent xmlns:mc="http://schemas.openxmlformats.org/markup-compatibility/2006">
               <mc:Choice xmlns:v="urn:schemas-microsoft-com:vml" Requires="v">
-                <p:oleObj spid="_x0000_s12319" name="Equation" r:id="rId4" imgW="1917700" imgH="444500" progId="Equation.DSMT4">
+                <p:oleObj spid="_x0000_s12341" name="Equation" r:id="rId4" imgW="1968500" imgH="444500" progId="Equation.DSMT4">
                   <p:embed/>
                 </p:oleObj>
               </mc:Choice>
               <mc:Fallback>
-                <p:oleObj name="Equation" r:id="rId4" imgW="1917700" imgH="444500" progId="Equation.DSMT4">
+                <p:oleObj name="Equation" r:id="rId4" imgW="1968500" imgH="444500" progId="Equation.DSMT4">
                   <p:embed/>
                   <p:pic>
                     <p:nvPicPr>
@@ -7207,8 +7589,138 @@
                     </p:blipFill>
                     <p:spPr>
                       <a:xfrm>
-                        <a:off x="685800" y="3771900"/>
-                        <a:ext cx="7725591" cy="1790700"/>
+                        <a:off x="1524000" y="3234267"/>
+                        <a:ext cx="5926113" cy="1337733"/>
+                      </a:xfrm>
+                      <a:prstGeom prst="rect">
+                        <a:avLst/>
+                      </a:prstGeom>
+                    </p:spPr>
+                  </p:pic>
+                </p:oleObj>
+              </mc:Fallback>
+            </mc:AlternateContent>
+          </a:graphicData>
+        </a:graphic>
+      </p:graphicFrame>
+      <p:sp>
+        <p:nvSpPr>
+          <p:cNvPr id="7" name="Rectangle 5"/>
+          <p:cNvSpPr>
+            <a:spLocks noChangeArrowheads="1"/>
+          </p:cNvSpPr>
+          <p:nvPr/>
+        </p:nvSpPr>
+        <p:spPr bwMode="auto">
+          <a:xfrm>
+            <a:off x="2878138" y="249238"/>
+            <a:ext cx="3398274" cy="830997"/>
+          </a:xfrm>
+          <a:prstGeom prst="rect">
+            <a:avLst/>
+          </a:prstGeom>
+          <a:noFill/>
+          <a:ln w="9525">
+            <a:noFill/>
+            <a:miter lim="800000"/>
+            <a:headEnd/>
+            <a:tailEnd/>
+          </a:ln>
+        </p:spPr>
+        <p:txBody>
+          <a:bodyPr wrap="none">
+            <a:spAutoFit/>
+          </a:bodyPr>
+          <a:lstStyle/>
+          <a:p>
+            <a:pPr eaLnBrk="0" hangingPunct="0"/>
+            <a:r>
+              <a:rPr lang="en-US" sz="4800" dirty="0" err="1" smtClean="0">
+                <a:solidFill>
+                  <a:srgbClr val="0000FF"/>
+                </a:solidFill>
+                <a:latin typeface="Comic Sans MS"/>
+                <a:cs typeface="Comic Sans MS"/>
+                <a:sym typeface="Symbol" pitchFamily="18" charset="2"/>
+              </a:rPr>
+              <a:t>Δ</a:t>
+            </a:r>
+            <a:r>
+              <a:rPr lang="en-US" sz="4800" dirty="0" smtClean="0">
+                <a:solidFill>
+                  <a:srgbClr val="0000FF"/>
+                </a:solidFill>
+                <a:latin typeface="Comic Sans MS"/>
+                <a:cs typeface="Comic Sans MS"/>
+                <a:sym typeface="Symbol" pitchFamily="18" charset="2"/>
+              </a:rPr>
+              <a:t>-</a:t>
+            </a:r>
+            <a:r>
+              <a:rPr lang="en-US" dirty="0" smtClean="0">
+                <a:solidFill>
+                  <a:srgbClr val="0000FF"/>
+                </a:solidFill>
+                <a:latin typeface="Comic Sans MS"/>
+                <a:cs typeface="Comic Sans MS"/>
+              </a:rPr>
+              <a:t>overhang</a:t>
+            </a:r>
+            <a:endParaRPr lang="en-US" dirty="0">
+              <a:solidFill>
+                <a:srgbClr val="0000FF"/>
+              </a:solidFill>
+              <a:latin typeface="Comic Sans MS"/>
+              <a:cs typeface="Comic Sans MS"/>
+            </a:endParaRPr>
+          </a:p>
+        </p:txBody>
+      </p:sp>
+      <p:graphicFrame>
+        <p:nvGraphicFramePr>
+          <p:cNvPr id="6" name="Object 5"/>
+          <p:cNvGraphicFramePr>
+            <a:graphicFrameLocks noChangeAspect="1"/>
+          </p:cNvGraphicFramePr>
+          <p:nvPr>
+            <p:extLst>
+              <p:ext uri="{D42A27DB-BD31-4B8C-83A1-F6EECF244321}">
+                <p14:modId xmlns:p14="http://schemas.microsoft.com/office/powerpoint/2010/main" val="250464551"/>
+              </p:ext>
+            </p:extLst>
+          </p:nvPr>
+        </p:nvGraphicFramePr>
+        <p:xfrm>
+          <a:off x="1371600" y="4419600"/>
+          <a:ext cx="6246447" cy="1752600"/>
+        </p:xfrm>
+        <a:graphic>
+          <a:graphicData uri="http://schemas.openxmlformats.org/presentationml/2006/ole">
+            <mc:AlternateContent xmlns:mc="http://schemas.openxmlformats.org/markup-compatibility/2006">
+              <mc:Choice xmlns:v="urn:schemas-microsoft-com:vml" Requires="v">
+                <p:oleObj spid="_x0000_s12342" name="Equation" r:id="rId6" imgW="1765300" imgH="495300" progId="Equation.DSMT4">
+                  <p:embed/>
+                </p:oleObj>
+              </mc:Choice>
+              <mc:Fallback>
+                <p:oleObj name="Equation" r:id="rId6" imgW="1765300" imgH="495300" progId="Equation.DSMT4">
+                  <p:embed/>
+                  <p:pic>
+                    <p:nvPicPr>
+                      <p:cNvPr id="0" name=""/>
+                      <p:cNvPicPr/>
+                      <p:nvPr/>
+                    </p:nvPicPr>
+                    <p:blipFill>
+                      <a:blip r:embed="rId7"/>
+                      <a:stretch>
+                        <a:fillRect/>
+                      </a:stretch>
+                    </p:blipFill>
+                    <p:spPr>
+                      <a:xfrm>
+                        <a:off x="1371600" y="4419600"/>
+                        <a:ext cx="6246447" cy="1752600"/>
                       </a:xfrm>
                       <a:prstGeom prst="rect">
                         <a:avLst/>
@@ -7226,13 +7738,13 @@
   <p:clrMapOvr>
     <a:masterClrMapping/>
   </p:clrMapOvr>
-  <mc:AlternateContent xmlns:mc="http://schemas.openxmlformats.org/markup-compatibility/2006" xmlns:p14="http://schemas.microsoft.com/office/powerpoint/2010/main">
-    <mc:Choice Requires="p14">
+  <mc:AlternateContent xmlns:mc="http://schemas.openxmlformats.org/markup-compatibility/2006">
+    <mc:Choice xmlns:p14="http://schemas.microsoft.com/office/powerpoint/2010/main" Requires="p14">
       <p:transition spd="med" p14:dur="700">
         <p:fade/>
       </p:transition>
     </mc:Choice>
-    <mc:Fallback xmlns="">
+    <mc:Fallback>
       <p:transition xmlns:p14="http://schemas.microsoft.com/office/powerpoint/2010/main" spd="med">
         <p:fade/>
       </p:transition>
@@ -7250,9 +7762,6 @@
                     <p:cTn id="3" fill="hold">
                       <p:stCondLst>
                         <p:cond delay="indefinite"/>
-                        <p:cond evt="onBegin" delay="0">
-                          <p:tn val="2"/>
-                        </p:cond>
                       </p:stCondLst>
                       <p:childTnLst>
                         <p:par>
@@ -7262,7 +7771,7 @@
                             </p:stCondLst>
                             <p:childTnLst>
                               <p:par>
-                                <p:cTn id="5" presetID="1" presetClass="entr" presetSubtype="0" fill="hold" nodeType="withEffect">
+                                <p:cTn id="5" presetID="9" presetClass="entr" presetSubtype="0" fill="hold" grpId="0" nodeType="clickEffect">
                                   <p:stCondLst>
                                     <p:cond delay="0"/>
                                   </p:stCondLst>
@@ -7270,55 +7779,6 @@
                                     <p:set>
                                       <p:cBhvr>
                                         <p:cTn id="6" dur="1" fill="hold">
-                                          <p:stCondLst>
-                                            <p:cond delay="0"/>
-                                          </p:stCondLst>
-                                        </p:cTn>
-                                        <p:tgtEl>
-                                          <p:spTgt spid="173058">
-                                            <p:txEl>
-                                              <p:pRg st="0" end="0"/>
-                                            </p:txEl>
-                                          </p:spTgt>
-                                        </p:tgtEl>
-                                        <p:attrNameLst>
-                                          <p:attrName>style.visibility</p:attrName>
-                                        </p:attrNameLst>
-                                      </p:cBhvr>
-                                      <p:to>
-                                        <p:strVal val="visible"/>
-                                      </p:to>
-                                    </p:set>
-                                  </p:childTnLst>
-                                </p:cTn>
-                              </p:par>
-                            </p:childTnLst>
-                          </p:cTn>
-                        </p:par>
-                      </p:childTnLst>
-                    </p:cTn>
-                  </p:par>
-                  <p:par>
-                    <p:cTn id="7" fill="hold">
-                      <p:stCondLst>
-                        <p:cond delay="indefinite"/>
-                      </p:stCondLst>
-                      <p:childTnLst>
-                        <p:par>
-                          <p:cTn id="8" fill="hold">
-                            <p:stCondLst>
-                              <p:cond delay="0"/>
-                            </p:stCondLst>
-                            <p:childTnLst>
-                              <p:par>
-                                <p:cTn id="9" presetID="1" presetClass="entr" presetSubtype="0" fill="hold" nodeType="clickEffect">
-                                  <p:stCondLst>
-                                    <p:cond delay="0"/>
-                                  </p:stCondLst>
-                                  <p:childTnLst>
-                                    <p:set>
-                                      <p:cBhvr>
-                                        <p:cTn id="10" dur="1" fill="hold">
                                           <p:stCondLst>
                                             <p:cond delay="0"/>
                                           </p:stCondLst>
@@ -7338,6 +7798,18 @@
                                         <p:strVal val="visible"/>
                                       </p:to>
                                     </p:set>
+                                    <p:animEffect transition="in" filter="dissolve">
+                                      <p:cBhvr>
+                                        <p:cTn id="7" dur="500"/>
+                                        <p:tgtEl>
+                                          <p:spTgt spid="173058">
+                                            <p:txEl>
+                                              <p:pRg st="1" end="1"/>
+                                            </p:txEl>
+                                          </p:spTgt>
+                                        </p:tgtEl>
+                                      </p:cBhvr>
+                                    </p:animEffect>
                                   </p:childTnLst>
                                 </p:cTn>
                               </p:par>
@@ -7348,26 +7820,26 @@
                     </p:cTn>
                   </p:par>
                   <p:par>
-                    <p:cTn id="11" fill="hold">
+                    <p:cTn id="8" fill="hold">
                       <p:stCondLst>
                         <p:cond delay="indefinite"/>
                       </p:stCondLst>
                       <p:childTnLst>
                         <p:par>
-                          <p:cTn id="12" fill="hold">
+                          <p:cTn id="9" fill="hold">
                             <p:stCondLst>
                               <p:cond delay="0"/>
                             </p:stCondLst>
                             <p:childTnLst>
                               <p:par>
-                                <p:cTn id="13" presetID="1" presetClass="entr" presetSubtype="0" fill="hold" nodeType="clickEffect">
+                                <p:cTn id="10" presetID="9" presetClass="entr" presetSubtype="0" fill="hold" grpId="0" nodeType="clickEffect">
                                   <p:stCondLst>
                                     <p:cond delay="0"/>
                                   </p:stCondLst>
                                   <p:childTnLst>
                                     <p:set>
                                       <p:cBhvr>
-                                        <p:cTn id="14" dur="1" fill="hold">
+                                        <p:cTn id="11" dur="1" fill="hold">
                                           <p:stCondLst>
                                             <p:cond delay="0"/>
                                           </p:stCondLst>
@@ -7387,6 +7859,124 @@
                                         <p:strVal val="visible"/>
                                       </p:to>
                                     </p:set>
+                                    <p:animEffect transition="in" filter="dissolve">
+                                      <p:cBhvr>
+                                        <p:cTn id="12" dur="500"/>
+                                        <p:tgtEl>
+                                          <p:spTgt spid="173058">
+                                            <p:txEl>
+                                              <p:pRg st="2" end="2"/>
+                                            </p:txEl>
+                                          </p:spTgt>
+                                        </p:tgtEl>
+                                      </p:cBhvr>
+                                    </p:animEffect>
+                                  </p:childTnLst>
+                                </p:cTn>
+                              </p:par>
+                            </p:childTnLst>
+                          </p:cTn>
+                        </p:par>
+                      </p:childTnLst>
+                    </p:cTn>
+                  </p:par>
+                  <p:par>
+                    <p:cTn id="13" fill="hold">
+                      <p:stCondLst>
+                        <p:cond delay="indefinite"/>
+                      </p:stCondLst>
+                      <p:childTnLst>
+                        <p:par>
+                          <p:cTn id="14" fill="hold">
+                            <p:stCondLst>
+                              <p:cond delay="0"/>
+                            </p:stCondLst>
+                            <p:childTnLst>
+                              <p:par>
+                                <p:cTn id="15" presetID="22" presetClass="entr" presetSubtype="8" fill="hold" nodeType="clickEffect">
+                                  <p:stCondLst>
+                                    <p:cond delay="0"/>
+                                  </p:stCondLst>
+                                  <p:childTnLst>
+                                    <p:set>
+                                      <p:cBhvr>
+                                        <p:cTn id="16" dur="1" fill="hold">
+                                          <p:stCondLst>
+                                            <p:cond delay="0"/>
+                                          </p:stCondLst>
+                                        </p:cTn>
+                                        <p:tgtEl>
+                                          <p:spTgt spid="2"/>
+                                        </p:tgtEl>
+                                        <p:attrNameLst>
+                                          <p:attrName>style.visibility</p:attrName>
+                                        </p:attrNameLst>
+                                      </p:cBhvr>
+                                      <p:to>
+                                        <p:strVal val="visible"/>
+                                      </p:to>
+                                    </p:set>
+                                    <p:animEffect transition="in" filter="wipe(left)">
+                                      <p:cBhvr>
+                                        <p:cTn id="17" dur="1000"/>
+                                        <p:tgtEl>
+                                          <p:spTgt spid="2"/>
+                                        </p:tgtEl>
+                                      </p:cBhvr>
+                                    </p:animEffect>
+                                  </p:childTnLst>
+                                </p:cTn>
+                              </p:par>
+                            </p:childTnLst>
+                          </p:cTn>
+                        </p:par>
+                      </p:childTnLst>
+                    </p:cTn>
+                  </p:par>
+                  <p:par>
+                    <p:cTn id="18" fill="hold">
+                      <p:stCondLst>
+                        <p:cond delay="indefinite"/>
+                      </p:stCondLst>
+                      <p:childTnLst>
+                        <p:par>
+                          <p:cTn id="19" fill="hold">
+                            <p:stCondLst>
+                              <p:cond delay="0"/>
+                            </p:stCondLst>
+                            <p:childTnLst>
+                              <p:par>
+                                <p:cTn id="20" presetID="22" presetClass="entr" presetSubtype="8" fill="hold" nodeType="clickEffect">
+                                  <p:stCondLst>
+                                    <p:cond delay="0"/>
+                                  </p:stCondLst>
+                                  <p:childTnLst>
+                                    <p:set>
+                                      <p:cBhvr>
+                                        <p:cTn id="21" dur="1" fill="hold">
+                                          <p:stCondLst>
+                                            <p:cond delay="0"/>
+                                          </p:stCondLst>
+                                        </p:cTn>
+                                        <p:tgtEl>
+                                          <p:spTgt spid="6"/>
+                                        </p:tgtEl>
+                                        <p:attrNameLst>
+                                          <p:attrName>style.visibility</p:attrName>
+                                        </p:attrNameLst>
+                                      </p:cBhvr>
+                                      <p:to>
+                                        <p:strVal val="visible"/>
+                                      </p:to>
+                                    </p:set>
+                                    <p:animEffect transition="in" filter="wipe(left)">
+                                      <p:cBhvr>
+                                        <p:cTn id="22" dur="1000"/>
+                                        <p:tgtEl>
+                                          <p:spTgt spid="6"/>
+                                        </p:tgtEl>
+                                      </p:cBhvr>
+                                    </p:animEffect>
                                   </p:childTnLst>
                                 </p:cTn>
                               </p:par>
@@ -7417,11 +8007,476 @@
         </p:cTn>
       </p:par>
     </p:tnLst>
+    <p:bldLst>
+      <p:bldP spid="173058" grpId="0" build="p"/>
+    </p:bldLst>
   </p:timing>
 </p:sld>
 </file>
 
 <file path=ppt/slides/slide14.xml><?xml version="1.0" encoding="utf-8"?>
+<p:sld xmlns:a="http://schemas.openxmlformats.org/drawingml/2006/main" xmlns:r="http://schemas.openxmlformats.org/officeDocument/2006/relationships" xmlns:p="http://schemas.openxmlformats.org/presentationml/2006/main" show="0">
+  <p:cSld>
+    <p:spTree>
+      <p:nvGrpSpPr>
+        <p:cNvPr id="1" name=""/>
+        <p:cNvGrpSpPr/>
+        <p:nvPr/>
+      </p:nvGrpSpPr>
+      <p:grpSpPr>
+        <a:xfrm>
+          <a:off x="0" y="0"/>
+          <a:ext cx="0" cy="0"/>
+          <a:chOff x="0" y="0"/>
+          <a:chExt cx="0" cy="0"/>
+        </a:xfrm>
+      </p:grpSpPr>
+      <p:sp>
+        <p:nvSpPr>
+          <p:cNvPr id="173058" name="Rectangle 2"/>
+          <p:cNvSpPr>
+            <a:spLocks noGrp="1" noChangeArrowheads="1"/>
+          </p:cNvSpPr>
+          <p:nvPr>
+            <p:ph type="body" idx="1"/>
+          </p:nvPr>
+        </p:nvSpPr>
+        <p:spPr>
+          <a:xfrm>
+            <a:off x="76200" y="1143000"/>
+            <a:ext cx="8991600" cy="2819400"/>
+          </a:xfrm>
+        </p:spPr>
+        <p:txBody>
+          <a:bodyPr/>
+          <a:lstStyle/>
+          <a:p>
+            <a:pPr eaLnBrk="1" hangingPunct="1">
+              <a:spcAft>
+                <a:spcPts val="0"/>
+              </a:spcAft>
+              <a:buFontTx/>
+              <a:buNone/>
+            </a:pPr>
+            <a:r>
+              <a:rPr lang="en-US" sz="4400" dirty="0" smtClean="0"/>
+              <a:t>say center </a:t>
+            </a:r>
+            <a:r>
+              <a:rPr lang="en-US" sz="4400" dirty="0" smtClean="0"/>
+              <a:t>of n-stack at </a:t>
+            </a:r>
+            <a:r>
+              <a:rPr lang="en-US" sz="4400" dirty="0" smtClean="0">
+                <a:solidFill>
+                  <a:srgbClr val="0000FF"/>
+                </a:solidFill>
+              </a:rPr>
+              <a:t>x </a:t>
+            </a:r>
+            <a:r>
+              <a:rPr lang="en-US" sz="4400" b="1" dirty="0" smtClean="0">
+                <a:solidFill>
+                  <a:srgbClr val="0000FF"/>
+                </a:solidFill>
+                <a:latin typeface="Euclid Symbol" charset="2"/>
+                <a:cs typeface="Euclid Symbol" charset="2"/>
+              </a:rPr>
+              <a:t>=</a:t>
+            </a:r>
+            <a:r>
+              <a:rPr lang="en-US" sz="4400" dirty="0" smtClean="0">
+                <a:solidFill>
+                  <a:srgbClr val="0000FF"/>
+                </a:solidFill>
+              </a:rPr>
+              <a:t> </a:t>
+            </a:r>
+            <a:r>
+              <a:rPr lang="en-US" sz="4400" dirty="0" smtClean="0">
+                <a:solidFill>
+                  <a:srgbClr val="0000FF"/>
+                </a:solidFill>
+              </a:rPr>
+              <a:t>0</a:t>
+            </a:r>
+            <a:r>
+              <a:rPr lang="en-US" sz="4400" dirty="0" smtClean="0"/>
+              <a:t>,</a:t>
+            </a:r>
+            <a:r>
+              <a:rPr lang="en-US" sz="4400" dirty="0"/>
+              <a:t> </a:t>
+            </a:r>
+            <a:endParaRPr lang="en-US" sz="4400" dirty="0" smtClean="0"/>
+          </a:p>
+          <a:p>
+            <a:pPr eaLnBrk="1" hangingPunct="1">
+              <a:spcAft>
+                <a:spcPts val="0"/>
+              </a:spcAft>
+              <a:buFontTx/>
+              <a:buNone/>
+            </a:pPr>
+            <a:r>
+              <a:rPr lang="en-US" sz="4400" dirty="0" smtClean="0"/>
+              <a:t>center </a:t>
+            </a:r>
+            <a:r>
+              <a:rPr lang="en-US" sz="4400" dirty="0" smtClean="0"/>
+              <a:t>of </a:t>
+            </a:r>
+            <a:r>
+              <a:rPr lang="en-US" sz="4400" dirty="0" smtClean="0"/>
+              <a:t>bottom book </a:t>
+            </a:r>
+            <a:r>
+              <a:rPr lang="en-US" sz="4400" dirty="0" smtClean="0"/>
+              <a:t>at </a:t>
+            </a:r>
+            <a:r>
+              <a:rPr lang="en-US" sz="4400" dirty="0" smtClean="0">
+                <a:solidFill>
+                  <a:srgbClr val="0000FF"/>
+                </a:solidFill>
+              </a:rPr>
+              <a:t>x </a:t>
+            </a:r>
+            <a:r>
+              <a:rPr lang="en-US" sz="4400" b="1" dirty="0" smtClean="0">
+                <a:solidFill>
+                  <a:srgbClr val="0000FF"/>
+                </a:solidFill>
+                <a:latin typeface="Euclid Symbol" charset="2"/>
+                <a:cs typeface="Euclid Symbol" charset="2"/>
+              </a:rPr>
+              <a:t>= </a:t>
+            </a:r>
+            <a:r>
+              <a:rPr lang="en-US" sz="4400" dirty="0" smtClean="0">
+                <a:solidFill>
+                  <a:srgbClr val="0000FF"/>
+                </a:solidFill>
+              </a:rPr>
+              <a:t>1/2</a:t>
+            </a:r>
+            <a:endParaRPr lang="en-US" sz="4400" dirty="0" smtClean="0"/>
+          </a:p>
+          <a:p>
+            <a:pPr eaLnBrk="1" hangingPunct="1">
+              <a:buFontTx/>
+              <a:buNone/>
+            </a:pPr>
+            <a:r>
+              <a:rPr lang="en-US" sz="4400" dirty="0" smtClean="0"/>
+              <a:t>so center of n+1-stack is at</a:t>
+            </a:r>
+          </a:p>
+        </p:txBody>
+      </p:sp>
+      <p:graphicFrame>
+        <p:nvGraphicFramePr>
+          <p:cNvPr id="2" name="Object 1"/>
+          <p:cNvGraphicFramePr>
+            <a:graphicFrameLocks noChangeAspect="1"/>
+          </p:cNvGraphicFramePr>
+          <p:nvPr>
+            <p:extLst>
+              <p:ext uri="{D42A27DB-BD31-4B8C-83A1-F6EECF244321}">
+                <p14:modId xmlns:p14="http://schemas.microsoft.com/office/powerpoint/2010/main" val="2944725354"/>
+              </p:ext>
+            </p:extLst>
+          </p:nvPr>
+        </p:nvGraphicFramePr>
+        <p:xfrm>
+          <a:off x="454025" y="3771900"/>
+          <a:ext cx="8232775" cy="1646263"/>
+        </p:xfrm>
+        <a:graphic>
+          <a:graphicData uri="http://schemas.openxmlformats.org/presentationml/2006/ole">
+            <mc:AlternateContent xmlns:mc="http://schemas.openxmlformats.org/markup-compatibility/2006">
+              <mc:Choice xmlns:v="urn:schemas-microsoft-com:vml" Requires="v">
+                <p:oleObj spid="_x0000_s18442" name="Equation" r:id="rId4" imgW="2222500" imgH="444500" progId="Equation.DSMT4">
+                  <p:embed/>
+                </p:oleObj>
+              </mc:Choice>
+              <mc:Fallback>
+                <p:oleObj name="Equation" r:id="rId4" imgW="2222500" imgH="444500" progId="Equation.DSMT4">
+                  <p:embed/>
+                  <p:pic>
+                    <p:nvPicPr>
+                      <p:cNvPr id="0" name=""/>
+                      <p:cNvPicPr/>
+                      <p:nvPr/>
+                    </p:nvPicPr>
+                    <p:blipFill>
+                      <a:blip r:embed="rId5"/>
+                      <a:stretch>
+                        <a:fillRect/>
+                      </a:stretch>
+                    </p:blipFill>
+                    <p:spPr>
+                      <a:xfrm>
+                        <a:off x="454025" y="3771900"/>
+                        <a:ext cx="8232775" cy="1646263"/>
+                      </a:xfrm>
+                      <a:prstGeom prst="rect">
+                        <a:avLst/>
+                      </a:prstGeom>
+                    </p:spPr>
+                  </p:pic>
+                </p:oleObj>
+              </mc:Fallback>
+            </mc:AlternateContent>
+          </a:graphicData>
+        </a:graphic>
+      </p:graphicFrame>
+      <p:sp>
+        <p:nvSpPr>
+          <p:cNvPr id="7" name="Rectangle 5"/>
+          <p:cNvSpPr>
+            <a:spLocks noChangeArrowheads="1"/>
+          </p:cNvSpPr>
+          <p:nvPr/>
+        </p:nvSpPr>
+        <p:spPr bwMode="auto">
+          <a:xfrm>
+            <a:off x="2878138" y="249238"/>
+            <a:ext cx="3398274" cy="830997"/>
+          </a:xfrm>
+          <a:prstGeom prst="rect">
+            <a:avLst/>
+          </a:prstGeom>
+          <a:noFill/>
+          <a:ln w="9525">
+            <a:noFill/>
+            <a:miter lim="800000"/>
+            <a:headEnd/>
+            <a:tailEnd/>
+          </a:ln>
+        </p:spPr>
+        <p:txBody>
+          <a:bodyPr wrap="none">
+            <a:spAutoFit/>
+          </a:bodyPr>
+          <a:lstStyle/>
+          <a:p>
+            <a:pPr eaLnBrk="0" hangingPunct="0"/>
+            <a:r>
+              <a:rPr lang="en-US" sz="4800" dirty="0" err="1" smtClean="0">
+                <a:solidFill>
+                  <a:srgbClr val="0000FF"/>
+                </a:solidFill>
+                <a:latin typeface="Comic Sans MS"/>
+                <a:cs typeface="Comic Sans MS"/>
+                <a:sym typeface="Symbol" pitchFamily="18" charset="2"/>
+              </a:rPr>
+              <a:t>Δ</a:t>
+            </a:r>
+            <a:r>
+              <a:rPr lang="en-US" sz="4800" dirty="0" smtClean="0">
+                <a:solidFill>
+                  <a:srgbClr val="0000FF"/>
+                </a:solidFill>
+                <a:latin typeface="Comic Sans MS"/>
+                <a:cs typeface="Comic Sans MS"/>
+                <a:sym typeface="Symbol" pitchFamily="18" charset="2"/>
+              </a:rPr>
+              <a:t>-</a:t>
+            </a:r>
+            <a:r>
+              <a:rPr lang="en-US" dirty="0" smtClean="0">
+                <a:solidFill>
+                  <a:srgbClr val="0000FF"/>
+                </a:solidFill>
+                <a:latin typeface="Comic Sans MS"/>
+                <a:cs typeface="Comic Sans MS"/>
+              </a:rPr>
+              <a:t>overhang</a:t>
+            </a:r>
+            <a:endParaRPr lang="en-US" dirty="0">
+              <a:solidFill>
+                <a:srgbClr val="0000FF"/>
+              </a:solidFill>
+              <a:latin typeface="Comic Sans MS"/>
+              <a:cs typeface="Comic Sans MS"/>
+            </a:endParaRPr>
+          </a:p>
+        </p:txBody>
+      </p:sp>
+    </p:spTree>
+    <p:extLst>
+      <p:ext uri="{BB962C8B-B14F-4D97-AF65-F5344CB8AC3E}">
+        <p14:creationId xmlns:p14="http://schemas.microsoft.com/office/powerpoint/2010/main" val="2740169863"/>
+      </p:ext>
+    </p:extLst>
+  </p:cSld>
+  <p:clrMapOvr>
+    <a:masterClrMapping/>
+  </p:clrMapOvr>
+  <mc:AlternateContent xmlns:mc="http://schemas.openxmlformats.org/markup-compatibility/2006">
+    <mc:Choice xmlns:p14="http://schemas.microsoft.com/office/powerpoint/2010/main" Requires="p14">
+      <p:transition spd="med" p14:dur="700">
+        <p:fade/>
+      </p:transition>
+    </mc:Choice>
+    <mc:Fallback>
+      <p:transition xmlns:p14="http://schemas.microsoft.com/office/powerpoint/2010/main" spd="med">
+        <p:fade/>
+      </p:transition>
+    </mc:Fallback>
+  </mc:AlternateContent>
+  <p:timing>
+    <p:tnLst>
+      <p:par>
+        <p:cTn xmlns:p14="http://schemas.microsoft.com/office/powerpoint/2010/main" id="1" dur="indefinite" restart="never" nodeType="tmRoot">
+          <p:childTnLst>
+            <p:seq concurrent="1" nextAc="seek">
+              <p:cTn id="2" dur="indefinite" nodeType="mainSeq">
+                <p:childTnLst>
+                  <p:par>
+                    <p:cTn id="3" fill="hold">
+                      <p:stCondLst>
+                        <p:cond delay="indefinite"/>
+                      </p:stCondLst>
+                      <p:childTnLst>
+                        <p:par>
+                          <p:cTn id="4" fill="hold">
+                            <p:stCondLst>
+                              <p:cond delay="0"/>
+                            </p:stCondLst>
+                            <p:childTnLst>
+                              <p:par>
+                                <p:cTn id="5" presetID="9" presetClass="entr" presetSubtype="0" fill="hold" grpId="0" nodeType="clickEffect">
+                                  <p:stCondLst>
+                                    <p:cond delay="0"/>
+                                  </p:stCondLst>
+                                  <p:childTnLst>
+                                    <p:set>
+                                      <p:cBhvr>
+                                        <p:cTn id="6" dur="1" fill="hold">
+                                          <p:stCondLst>
+                                            <p:cond delay="0"/>
+                                          </p:stCondLst>
+                                        </p:cTn>
+                                        <p:tgtEl>
+                                          <p:spTgt spid="173058">
+                                            <p:txEl>
+                                              <p:pRg st="2" end="2"/>
+                                            </p:txEl>
+                                          </p:spTgt>
+                                        </p:tgtEl>
+                                        <p:attrNameLst>
+                                          <p:attrName>style.visibility</p:attrName>
+                                        </p:attrNameLst>
+                                      </p:cBhvr>
+                                      <p:to>
+                                        <p:strVal val="visible"/>
+                                      </p:to>
+                                    </p:set>
+                                    <p:animEffect transition="in" filter="dissolve">
+                                      <p:cBhvr>
+                                        <p:cTn id="7" dur="500"/>
+                                        <p:tgtEl>
+                                          <p:spTgt spid="173058">
+                                            <p:txEl>
+                                              <p:pRg st="2" end="2"/>
+                                            </p:txEl>
+                                          </p:spTgt>
+                                        </p:tgtEl>
+                                      </p:cBhvr>
+                                    </p:animEffect>
+                                  </p:childTnLst>
+                                </p:cTn>
+                              </p:par>
+                            </p:childTnLst>
+                          </p:cTn>
+                        </p:par>
+                      </p:childTnLst>
+                    </p:cTn>
+                  </p:par>
+                  <p:par>
+                    <p:cTn id="8" fill="hold">
+                      <p:stCondLst>
+                        <p:cond delay="indefinite"/>
+                      </p:stCondLst>
+                      <p:childTnLst>
+                        <p:par>
+                          <p:cTn id="9" fill="hold">
+                            <p:stCondLst>
+                              <p:cond delay="0"/>
+                            </p:stCondLst>
+                            <p:childTnLst>
+                              <p:par>
+                                <p:cTn id="10" presetID="22" presetClass="entr" presetSubtype="8" fill="hold" nodeType="clickEffect">
+                                  <p:stCondLst>
+                                    <p:cond delay="0"/>
+                                  </p:stCondLst>
+                                  <p:childTnLst>
+                                    <p:set>
+                                      <p:cBhvr>
+                                        <p:cTn id="11" dur="1" fill="hold">
+                                          <p:stCondLst>
+                                            <p:cond delay="0"/>
+                                          </p:stCondLst>
+                                        </p:cTn>
+                                        <p:tgtEl>
+                                          <p:spTgt spid="2"/>
+                                        </p:tgtEl>
+                                        <p:attrNameLst>
+                                          <p:attrName>style.visibility</p:attrName>
+                                        </p:attrNameLst>
+                                      </p:cBhvr>
+                                      <p:to>
+                                        <p:strVal val="visible"/>
+                                      </p:to>
+                                    </p:set>
+                                    <p:animEffect transition="in" filter="wipe(left)">
+                                      <p:cBhvr>
+                                        <p:cTn id="12" dur="1000"/>
+                                        <p:tgtEl>
+                                          <p:spTgt spid="2"/>
+                                        </p:tgtEl>
+                                      </p:cBhvr>
+                                    </p:animEffect>
+                                  </p:childTnLst>
+                                </p:cTn>
+                              </p:par>
+                            </p:childTnLst>
+                          </p:cTn>
+                        </p:par>
+                      </p:childTnLst>
+                    </p:cTn>
+                  </p:par>
+                </p:childTnLst>
+              </p:cTn>
+              <p:prevCondLst>
+                <p:cond evt="onPrev" delay="0">
+                  <p:tgtEl>
+                    <p:sldTgt/>
+                  </p:tgtEl>
+                </p:cond>
+              </p:prevCondLst>
+              <p:nextCondLst>
+                <p:cond evt="onNext" delay="0">
+                  <p:tgtEl>
+                    <p:sldTgt/>
+                  </p:tgtEl>
+                </p:cond>
+              </p:nextCondLst>
+            </p:seq>
+          </p:childTnLst>
+        </p:cTn>
+      </p:par>
+    </p:tnLst>
+    <p:bldLst>
+      <p:bldP spid="173058" grpId="0" build="p"/>
+    </p:bldLst>
+  </p:timing>
+</p:sld>
+</file>
+
+<file path=ppt/slides/slide15.xml><?xml version="1.0" encoding="utf-8"?>
 <p:sld xmlns:a="http://schemas.openxmlformats.org/drawingml/2006/main" xmlns:r="http://schemas.openxmlformats.org/officeDocument/2006/relationships" xmlns:p="http://schemas.openxmlformats.org/presentationml/2006/main">
   <p:cSld>
     <p:spTree>
@@ -7875,14 +8930,14 @@
   <p:clrMapOvr>
     <a:masterClrMapping/>
   </p:clrMapOvr>
-  <mc:AlternateContent xmlns:mc="http://schemas.openxmlformats.org/markup-compatibility/2006" xmlns:p14="http://schemas.microsoft.com/office/powerpoint/2010/main">
-    <mc:Choice Requires="p14">
-      <p:transition spd="med" p14:dur="700" advTm="44212">
+  <mc:AlternateContent xmlns:mc="http://schemas.openxmlformats.org/markup-compatibility/2006">
+    <mc:Choice xmlns:p14="http://schemas.microsoft.com/office/powerpoint/2010/main" Requires="p14">
+      <p:transition spd="med" p14:dur="700">
         <p:fade/>
       </p:transition>
     </mc:Choice>
-    <mc:Fallback xmlns="">
-      <p:transition xmlns:p14="http://schemas.microsoft.com/office/powerpoint/2010/main" spd="med" advTm="44212">
+    <mc:Fallback>
+      <p:transition xmlns:p14="http://schemas.microsoft.com/office/powerpoint/2010/main" spd="med">
         <p:fade/>
       </p:transition>
     </mc:Fallback>
@@ -7897,7 +8952,7 @@
 </p:sld>
 </file>
 
-<file path=ppt/slides/slide15.xml><?xml version="1.0" encoding="utf-8"?>
+<file path=ppt/slides/slide16.xml><?xml version="1.0" encoding="utf-8"?>
 <p:sld xmlns:a="http://schemas.openxmlformats.org/drawingml/2006/main" xmlns:r="http://schemas.openxmlformats.org/officeDocument/2006/relationships" xmlns:p="http://schemas.openxmlformats.org/presentationml/2006/main">
   <p:cSld>
     <p:spTree>
@@ -7920,22 +8975,28 @@
           <p:cNvGraphicFramePr>
             <a:graphicFrameLocks noChangeAspect="1"/>
           </p:cNvGraphicFramePr>
-          <p:nvPr/>
+          <p:nvPr>
+            <p:extLst>
+              <p:ext uri="{D42A27DB-BD31-4B8C-83A1-F6EECF244321}">
+                <p14:modId xmlns:p14="http://schemas.microsoft.com/office/powerpoint/2010/main" val="651134970"/>
+              </p:ext>
+            </p:extLst>
+          </p:nvPr>
         </p:nvGraphicFramePr>
         <p:xfrm>
-          <a:off x="1905000" y="4165600"/>
-          <a:ext cx="4879975" cy="2182813"/>
+          <a:off x="1930400" y="4191000"/>
+          <a:ext cx="4827588" cy="2132013"/>
         </p:xfrm>
         <a:graphic>
           <a:graphicData uri="http://schemas.openxmlformats.org/presentationml/2006/ole">
             <mc:AlternateContent xmlns:mc="http://schemas.openxmlformats.org/markup-compatibility/2006">
               <mc:Choice xmlns:v="urn:schemas-microsoft-com:vml" Requires="v">
-                <p:oleObj spid="_x0000_s1042" name="Equation" r:id="rId5" imgW="1219200" imgH="546100" progId="Equation.DSMT4">
+                <p:oleObj spid="_x0000_s1052" name="Equation" r:id="rId5" imgW="1206500" imgH="533400" progId="Equation.DSMT4">
                   <p:embed/>
                 </p:oleObj>
               </mc:Choice>
               <mc:Fallback>
-                <p:oleObj name="Equation" r:id="rId5" imgW="1219200" imgH="546100" progId="Equation.DSMT4">
+                <p:oleObj name="Equation" r:id="rId5" imgW="1206500" imgH="533400" progId="Equation.DSMT4">
                   <p:embed/>
                   <p:pic>
                     <p:nvPicPr>
@@ -7946,13 +9007,7 @@
                       <p:nvPr/>
                     </p:nvPicPr>
                     <p:blipFill>
-                      <a:blip r:embed="rId6">
-                        <a:extLst>
-                          <a:ext uri="{28A0092B-C50C-407E-A947-70E740481C1C}">
-                            <a14:useLocalDpi xmlns:a14="http://schemas.microsoft.com/office/drawing/2010/main" val="0"/>
-                          </a:ext>
-                        </a:extLst>
-                      </a:blip>
+                      <a:blip r:embed="rId6"/>
                       <a:srcRect/>
                       <a:stretch>
                         <a:fillRect/>
@@ -7960,8 +9015,8 @@
                     </p:blipFill>
                     <p:spPr bwMode="auto">
                       <a:xfrm>
-                        <a:off x="1905000" y="4165600"/>
-                        <a:ext cx="4879975" cy="2182813"/>
+                        <a:off x="1930400" y="4191000"/>
+                        <a:ext cx="4827588" cy="2132013"/>
                       </a:xfrm>
                       <a:prstGeom prst="rect">
                         <a:avLst/>
@@ -8652,14 +9707,14 @@
   <p:clrMapOvr>
     <a:masterClrMapping/>
   </p:clrMapOvr>
-  <mc:AlternateContent xmlns:mc="http://schemas.openxmlformats.org/markup-compatibility/2006" xmlns:p14="http://schemas.microsoft.com/office/powerpoint/2010/main">
-    <mc:Choice Requires="p14">
-      <p:transition spd="med" p14:dur="700" advTm="52544">
+  <mc:AlternateContent xmlns:mc="http://schemas.openxmlformats.org/markup-compatibility/2006">
+    <mc:Choice xmlns:p14="http://schemas.microsoft.com/office/powerpoint/2010/main" Requires="p14">
+      <p:transition spd="med" p14:dur="700">
         <p:fade/>
       </p:transition>
     </mc:Choice>
-    <mc:Fallback xmlns="">
-      <p:transition xmlns:p14="http://schemas.microsoft.com/office/powerpoint/2010/main" spd="med" advTm="52544">
+    <mc:Fallback>
+      <p:transition xmlns:p14="http://schemas.microsoft.com/office/powerpoint/2010/main" spd="med">
         <p:fade/>
       </p:transition>
     </mc:Fallback>
@@ -8698,7 +9753,7 @@
                                           </p:stCondLst>
                                         </p:cTn>
                                         <p:tgtEl>
-                                          <p:spTgt spid="5"/>
+                                          <p:spTgt spid="6"/>
                                         </p:tgtEl>
                                         <p:attrNameLst>
                                           <p:attrName>style.visibility</p:attrName>
@@ -8712,7 +9767,7 @@
                                       <p:cBhvr>
                                         <p:cTn id="7" dur="500"/>
                                         <p:tgtEl>
-                                          <p:spTgt spid="5"/>
+                                          <p:spTgt spid="6"/>
                                         </p:tgtEl>
                                       </p:cBhvr>
                                     </p:animEffect>
@@ -8738,7 +9793,7 @@
                             </p:stCondLst>
                             <p:childTnLst>
                               <p:par>
-                                <p:cTn id="10" presetID="9" presetClass="entr" presetSubtype="0" fill="hold" nodeType="clickEffect">
+                                <p:cTn id="10" presetID="22" presetClass="entr" presetSubtype="8" fill="hold" nodeType="clickEffect">
                                   <p:stCondLst>
                                     <p:cond delay="0"/>
                                   </p:stCondLst>
@@ -8746,59 +9801,6 @@
                                     <p:set>
                                       <p:cBhvr>
                                         <p:cTn id="11" dur="1" fill="hold">
-                                          <p:stCondLst>
-                                            <p:cond delay="0"/>
-                                          </p:stCondLst>
-                                        </p:cTn>
-                                        <p:tgtEl>
-                                          <p:spTgt spid="6"/>
-                                        </p:tgtEl>
-                                        <p:attrNameLst>
-                                          <p:attrName>style.visibility</p:attrName>
-                                        </p:attrNameLst>
-                                      </p:cBhvr>
-                                      <p:to>
-                                        <p:strVal val="visible"/>
-                                      </p:to>
-                                    </p:set>
-                                    <p:animEffect transition="in" filter="dissolve">
-                                      <p:cBhvr>
-                                        <p:cTn id="12" dur="500"/>
-                                        <p:tgtEl>
-                                          <p:spTgt spid="6"/>
-                                        </p:tgtEl>
-                                      </p:cBhvr>
-                                    </p:animEffect>
-                                  </p:childTnLst>
-                                </p:cTn>
-                              </p:par>
-                            </p:childTnLst>
-                          </p:cTn>
-                        </p:par>
-                      </p:childTnLst>
-                    </p:cTn>
-                  </p:par>
-                  <p:par>
-                    <p:cTn id="13" fill="hold">
-                      <p:stCondLst>
-                        <p:cond delay="indefinite"/>
-                      </p:stCondLst>
-                      <p:childTnLst>
-                        <p:par>
-                          <p:cTn id="14" fill="hold">
-                            <p:stCondLst>
-                              <p:cond delay="0"/>
-                            </p:stCondLst>
-                            <p:childTnLst>
-                              <p:par>
-                                <p:cTn id="15" presetID="9" presetClass="entr" presetSubtype="0" fill="hold" nodeType="clickEffect">
-                                  <p:stCondLst>
-                                    <p:cond delay="0"/>
-                                  </p:stCondLst>
-                                  <p:childTnLst>
-                                    <p:set>
-                                      <p:cBhvr>
-                                        <p:cTn id="16" dur="1" fill="hold">
                                           <p:stCondLst>
                                             <p:cond delay="0"/>
                                           </p:stCondLst>
@@ -8814,9 +9816,9 @@
                                         <p:strVal val="visible"/>
                                       </p:to>
                                     </p:set>
-                                    <p:animEffect transition="in" filter="dissolve">
+                                    <p:animEffect transition="in" filter="wipe(left)">
                                       <p:cBhvr>
-                                        <p:cTn id="17" dur="500"/>
+                                        <p:cTn id="12" dur="1000"/>
                                         <p:tgtEl>
                                           <p:spTgt spid="79876"/>
                                         </p:tgtEl>
@@ -8856,7 +9858,7 @@
 </p:sld>
 </file>
 
-<file path=ppt/slides/slide16.xml><?xml version="1.0" encoding="utf-8"?>
+<file path=ppt/slides/slide17.xml><?xml version="1.0" encoding="utf-8"?>
 <p:sld xmlns:a="http://schemas.openxmlformats.org/drawingml/2006/main" xmlns:r="http://schemas.openxmlformats.org/officeDocument/2006/relationships" xmlns:p="http://schemas.openxmlformats.org/presentationml/2006/main">
   <p:cSld>
     <p:spTree>
@@ -8875,7 +9877,44 @@
       </p:grpSpPr>
       <p:sp>
         <p:nvSpPr>
-          <p:cNvPr id="13320" name="Rectangle 2"/>
+          <p:cNvPr id="10246" name="Rectangle 4"/>
+          <p:cNvSpPr>
+            <a:spLocks noChangeArrowheads="1"/>
+          </p:cNvSpPr>
+          <p:nvPr/>
+        </p:nvSpPr>
+        <p:spPr bwMode="auto">
+          <a:xfrm>
+            <a:off x="0" y="5029200"/>
+            <a:ext cx="4572000" cy="1828800"/>
+          </a:xfrm>
+          <a:prstGeom prst="rect">
+            <a:avLst/>
+          </a:prstGeom>
+          <a:solidFill>
+            <a:srgbClr val="FFCC99"/>
+          </a:solidFill>
+          <a:ln w="9525">
+            <a:solidFill>
+              <a:schemeClr val="tx1"/>
+            </a:solidFill>
+            <a:miter lim="800000"/>
+            <a:headEnd/>
+            <a:tailEnd/>
+          </a:ln>
+        </p:spPr>
+        <p:txBody>
+          <a:bodyPr wrap="none" anchor="ctr"/>
+          <a:lstStyle/>
+          <a:p>
+            <a:pPr eaLnBrk="0" hangingPunct="0"/>
+            <a:endParaRPr lang="en-US"/>
+          </a:p>
+        </p:txBody>
+      </p:sp>
+      <p:sp>
+        <p:nvSpPr>
+          <p:cNvPr id="10248" name="Rectangle 2"/>
           <p:cNvSpPr>
             <a:spLocks noGrp="1" noChangeArrowheads="1"/>
           </p:cNvSpPr>
@@ -8883,31 +9922,36 @@
             <p:ph type="title"/>
           </p:nvPr>
         </p:nvSpPr>
-        <p:spPr/>
+        <p:spPr>
+          <a:xfrm>
+            <a:off x="685800" y="0"/>
+            <a:ext cx="7772400" cy="1143000"/>
+          </a:xfrm>
+        </p:spPr>
         <p:txBody>
           <a:bodyPr/>
           <a:lstStyle/>
           <a:p>
             <a:pPr eaLnBrk="1" hangingPunct="1"/>
             <a:r>
-              <a:rPr lang="en-US" smtClean="0"/>
+              <a:rPr lang="en-US" dirty="0" smtClean="0"/>
               <a:t>n+1</a:t>
             </a:r>
             <a:r>
-              <a:rPr lang="en-US" i="1" smtClean="0"/>
+              <a:rPr lang="en-US" i="1" dirty="0" smtClean="0"/>
               <a:t> </a:t>
             </a:r>
             <a:r>
-              <a:rPr lang="en-US" smtClean="0"/>
+              <a:rPr lang="en-US" dirty="0" smtClean="0"/>
               <a:t>books</a:t>
             </a:r>
-            <a:endParaRPr lang="en-US" i="1" smtClean="0"/>
-          </a:p>
-        </p:txBody>
-      </p:sp>
-      <p:sp>
-        <p:nvSpPr>
-          <p:cNvPr id="13321" name="Rectangle 3"/>
+            <a:endParaRPr lang="en-US" i="1" dirty="0" smtClean="0"/>
+          </a:p>
+        </p:txBody>
+      </p:sp>
+      <p:sp>
+        <p:nvSpPr>
+          <p:cNvPr id="10249" name="Rectangle 3"/>
           <p:cNvSpPr>
             <a:spLocks noChangeArrowheads="1"/>
           </p:cNvSpPr>
@@ -8944,44 +9988,7 @@
       </p:sp>
       <p:sp>
         <p:nvSpPr>
-          <p:cNvPr id="13322" name="Rectangle 4"/>
-          <p:cNvSpPr>
-            <a:spLocks noChangeArrowheads="1"/>
-          </p:cNvSpPr>
-          <p:nvPr/>
-        </p:nvSpPr>
-        <p:spPr bwMode="auto">
-          <a:xfrm>
-            <a:off x="0" y="5029200"/>
-            <a:ext cx="4572000" cy="1828800"/>
-          </a:xfrm>
-          <a:prstGeom prst="rect">
-            <a:avLst/>
-          </a:prstGeom>
-          <a:solidFill>
-            <a:srgbClr val="FFCC99"/>
-          </a:solidFill>
-          <a:ln w="9525">
-            <a:solidFill>
-              <a:schemeClr val="tx1"/>
-            </a:solidFill>
-            <a:miter lim="800000"/>
-            <a:headEnd/>
-            <a:tailEnd/>
-          </a:ln>
-        </p:spPr>
-        <p:txBody>
-          <a:bodyPr wrap="none" anchor="ctr"/>
-          <a:lstStyle/>
-          <a:p>
-            <a:pPr eaLnBrk="0" hangingPunct="0"/>
-            <a:endParaRPr lang="en-US"/>
-          </a:p>
-        </p:txBody>
-      </p:sp>
-      <p:sp>
-        <p:nvSpPr>
-          <p:cNvPr id="13323" name="Rectangle 5"/>
+          <p:cNvPr id="10250" name="Rectangle 5"/>
           <p:cNvSpPr>
             <a:spLocks noChangeArrowheads="1"/>
           </p:cNvSpPr>
@@ -9018,7 +10025,7 @@
       </p:sp>
       <p:sp>
         <p:nvSpPr>
-          <p:cNvPr id="13324" name="Rectangle 6"/>
+          <p:cNvPr id="10251" name="Rectangle 6"/>
           <p:cNvSpPr>
             <a:spLocks noChangeArrowheads="1"/>
           </p:cNvSpPr>
@@ -9055,7 +10062,7 @@
       </p:sp>
       <p:sp>
         <p:nvSpPr>
-          <p:cNvPr id="13325" name="Rectangle 7"/>
+          <p:cNvPr id="10252" name="Rectangle 7"/>
           <p:cNvSpPr>
             <a:spLocks noChangeArrowheads="1"/>
           </p:cNvSpPr>
@@ -9092,7 +10099,7 @@
       </p:sp>
       <p:sp>
         <p:nvSpPr>
-          <p:cNvPr id="13326" name="Rectangle 8"/>
+          <p:cNvPr id="10253" name="Rectangle 8"/>
           <p:cNvSpPr>
             <a:spLocks noChangeArrowheads="1"/>
           </p:cNvSpPr>
@@ -9129,7 +10136,7 @@
       </p:sp>
       <p:sp>
         <p:nvSpPr>
-          <p:cNvPr id="13327" name="Line 9"/>
+          <p:cNvPr id="10254" name="Line 9"/>
           <p:cNvSpPr>
             <a:spLocks noChangeShapeType="1"/>
           </p:cNvSpPr>
@@ -9164,7 +10171,7 @@
       </p:sp>
       <p:sp>
         <p:nvSpPr>
-          <p:cNvPr id="13328" name="Line 10"/>
+          <p:cNvPr id="10255" name="Line 10"/>
           <p:cNvSpPr>
             <a:spLocks noChangeShapeType="1"/>
           </p:cNvSpPr>
@@ -9199,7 +10206,7 @@
       </p:sp>
       <p:sp>
         <p:nvSpPr>
-          <p:cNvPr id="13329" name="Oval 11"/>
+          <p:cNvPr id="175115" name="Oval 11"/>
           <p:cNvSpPr>
             <a:spLocks noChangeArrowheads="1"/>
           </p:cNvSpPr>
@@ -9237,7 +10244,7 @@
       </p:sp>
       <p:sp>
         <p:nvSpPr>
-          <p:cNvPr id="13330" name="Line 12"/>
+          <p:cNvPr id="175116" name="Line 12"/>
           <p:cNvSpPr>
             <a:spLocks noChangeShapeType="1"/>
           </p:cNvSpPr>
@@ -9272,7 +10279,7 @@
       </p:sp>
       <p:sp>
         <p:nvSpPr>
-          <p:cNvPr id="13331" name="Text Box 13"/>
+          <p:cNvPr id="175117" name="Text Box 13"/>
           <p:cNvSpPr txBox="1">
             <a:spLocks noChangeArrowheads="1"/>
           </p:cNvSpPr>
@@ -9281,7 +10288,7 @@
         <p:spPr bwMode="auto">
           <a:xfrm>
             <a:off x="76200" y="2363788"/>
-            <a:ext cx="2398713" cy="822325"/>
+            <a:ext cx="2398713" cy="1187450"/>
           </a:xfrm>
           <a:prstGeom prst="rect">
             <a:avLst/>
@@ -9335,6 +10342,14 @@
               </a:rPr>
               <a:t>books</a:t>
             </a:r>
+          </a:p>
+          <a:p>
+            <a:r>
+              <a:rPr lang="en-US" sz="2400">
+                <a:latin typeface="Comic Sans MS" pitchFamily="66" charset="0"/>
+              </a:rPr>
+              <a:t>at table edge</a:t>
+            </a:r>
             <a:endParaRPr lang="en-US" sz="2400" i="1">
               <a:latin typeface="Comic Sans MS" pitchFamily="66" charset="0"/>
             </a:endParaRPr>
@@ -9343,7 +10358,7 @@
       </p:sp>
       <p:sp>
         <p:nvSpPr>
-          <p:cNvPr id="13332" name="Freeform 14"/>
+          <p:cNvPr id="175118" name="Freeform 14"/>
           <p:cNvSpPr>
             <a:spLocks/>
           </p:cNvSpPr>
@@ -9423,7 +10438,7 @@
       </p:sp>
       <p:sp>
         <p:nvSpPr>
-          <p:cNvPr id="13333" name="Rectangle 15"/>
+          <p:cNvPr id="10260" name="Rectangle 15"/>
           <p:cNvSpPr>
             <a:spLocks noChangeArrowheads="1"/>
           </p:cNvSpPr>
@@ -9460,7 +10475,7 @@
       </p:sp>
       <p:sp>
         <p:nvSpPr>
-          <p:cNvPr id="13334" name="Oval 16"/>
+          <p:cNvPr id="175120" name="Oval 16"/>
           <p:cNvSpPr>
             <a:spLocks noChangeArrowheads="1"/>
           </p:cNvSpPr>
@@ -9496,7 +10511,7 @@
       </p:sp>
       <p:sp>
         <p:nvSpPr>
-          <p:cNvPr id="13335" name="Line 17"/>
+          <p:cNvPr id="175121" name="Line 17"/>
           <p:cNvSpPr>
             <a:spLocks noChangeShapeType="1"/>
           </p:cNvSpPr>
@@ -9531,7 +10546,7 @@
       </p:sp>
       <p:sp>
         <p:nvSpPr>
-          <p:cNvPr id="13336" name="Text Box 18"/>
+          <p:cNvPr id="175122" name="Text Box 18"/>
           <p:cNvSpPr txBox="1">
             <a:spLocks noChangeArrowheads="1"/>
           </p:cNvSpPr>
@@ -9540,7 +10555,7 @@
         <p:spPr bwMode="auto">
           <a:xfrm>
             <a:off x="6172200" y="3733800"/>
-            <a:ext cx="2819400" cy="822325"/>
+            <a:ext cx="2819400" cy="1187450"/>
           </a:xfrm>
           <a:prstGeom prst="rect">
             <a:avLst/>
@@ -9560,13 +10575,13 @@
           <a:lstStyle/>
           <a:p>
             <a:r>
-              <a:rPr lang="en-US" sz="2400">
+              <a:rPr lang="en-US" sz="2400" dirty="0">
                 <a:latin typeface="Comic Sans MS" pitchFamily="66" charset="0"/>
               </a:rPr>
               <a:t>center of mass of top </a:t>
             </a:r>
             <a:r>
-              <a:rPr lang="en-US" sz="2400">
+              <a:rPr lang="en-US" sz="2400" dirty="0">
                 <a:solidFill>
                   <a:srgbClr val="000099"/>
                 </a:solidFill>
@@ -9575,17 +10590,17 @@
               <a:t>n</a:t>
             </a:r>
             <a:r>
-              <a:rPr lang="en-US" sz="2400">
+              <a:rPr lang="en-US" sz="2400" dirty="0">
                 <a:latin typeface="Comic Sans MS" pitchFamily="66" charset="0"/>
               </a:rPr>
-              <a:t> books</a:t>
-            </a:r>
-          </a:p>
-        </p:txBody>
-      </p:sp>
-      <p:sp>
-        <p:nvSpPr>
-          <p:cNvPr id="13337" name="Freeform 19"/>
+              <a:t> books at edge of book n+1</a:t>
+            </a:r>
+          </a:p>
+        </p:txBody>
+      </p:sp>
+      <p:sp>
+        <p:nvSpPr>
+          <p:cNvPr id="175123" name="Freeform 19"/>
           <p:cNvSpPr>
             <a:spLocks/>
           </p:cNvSpPr>
@@ -9663,9 +10678,61 @@
           </a:p>
         </p:txBody>
       </p:sp>
+      <p:sp>
+        <p:nvSpPr>
+          <p:cNvPr id="175124" name="Text Box 20"/>
+          <p:cNvSpPr txBox="1">
+            <a:spLocks noChangeArrowheads="1"/>
+          </p:cNvSpPr>
+          <p:nvPr/>
+        </p:nvSpPr>
+        <p:spPr bwMode="auto">
+          <a:xfrm>
+            <a:off x="4495800" y="5334000"/>
+            <a:ext cx="2228495" cy="584775"/>
+          </a:xfrm>
+          <a:prstGeom prst="rect">
+            <a:avLst/>
+          </a:prstGeom>
+          <a:noFill/>
+          <a:ln w="9525">
+            <a:noFill/>
+            <a:miter lim="800000"/>
+            <a:headEnd/>
+            <a:tailEnd type="none" w="lg" len="lg"/>
+          </a:ln>
+        </p:spPr>
+        <p:txBody>
+          <a:bodyPr wrap="none">
+            <a:spAutoFit/>
+          </a:bodyPr>
+          <a:lstStyle/>
+          <a:p>
+            <a:r>
+              <a:rPr lang="en-US" sz="3200" dirty="0">
+                <a:solidFill>
+                  <a:srgbClr val="0000FF"/>
+                </a:solidFill>
+                <a:latin typeface="Comic Sans MS" pitchFamily="66" charset="0"/>
+                <a:cs typeface="Times New Roman" pitchFamily="18" charset="0"/>
+              </a:rPr>
+              <a:t>∆</a:t>
+            </a:r>
+            <a:r>
+              <a:rPr lang="en-US" sz="3200" dirty="0">
+                <a:solidFill>
+                  <a:srgbClr val="0000FF"/>
+                </a:solidFill>
+                <a:latin typeface="Comic Sans MS" pitchFamily="66" charset="0"/>
+              </a:rPr>
+              <a:t>overhang</a:t>
+            </a:r>
+          </a:p>
+        </p:txBody>
+      </p:sp>
       <p:graphicFrame>
         <p:nvGraphicFramePr>
-          <p:cNvPr id="13314" name="Object 21"/>
+          <p:cNvPr id="10242" name="Object 21"/>
           <p:cNvGraphicFramePr>
             <a:graphicFrameLocks noChangeAspect="1"/>
           </p:cNvGraphicFramePr>
@@ -9679,7 +10746,1164 @@
           <a:graphicData uri="http://schemas.openxmlformats.org/presentationml/2006/ole">
             <mc:AlternateContent xmlns:mc="http://schemas.openxmlformats.org/markup-compatibility/2006">
               <mc:Choice xmlns:v="urn:schemas-microsoft-com:vml" Requires="v">
-                <p:oleObj spid="_x0000_s13432" name="Equation" r:id="rId4" imgW="914400" imgH="179640" progId="Equation.DSMT4">
+                <p:oleObj spid="_x0000_s20481" name="Equation" r:id="rId5" imgW="914400" imgH="179640" progId="Equation.DSMT4">
+                  <p:embed/>
+                </p:oleObj>
+              </mc:Choice>
+              <mc:Fallback>
+                <p:oleObj name="Equation" r:id="rId5" imgW="914400" imgH="179640" progId="Equation.DSMT4">
+                  <p:embed/>
+                  <p:pic>
+                    <p:nvPicPr>
+                      <p:cNvPr id="0" name=""/>
+                      <p:cNvPicPr>
+                        <a:picLocks noChangeAspect="1" noChangeArrowheads="1"/>
+                      </p:cNvPicPr>
+                      <p:nvPr/>
+                    </p:nvPicPr>
+                    <p:blipFill>
+                      <a:blip r:embed="rId6">
+                        <a:extLst>
+                          <a:ext uri="{28A0092B-C50C-407E-A947-70E740481C1C}">
+                            <a14:useLocalDpi xmlns:a14="http://schemas.microsoft.com/office/drawing/2010/main" val="0"/>
+                          </a:ext>
+                        </a:extLst>
+                      </a:blip>
+                      <a:srcRect/>
+                      <a:stretch>
+                        <a:fillRect/>
+                      </a:stretch>
+                    </p:blipFill>
+                    <p:spPr bwMode="auto">
+                      <a:xfrm>
+                        <a:off x="0" y="0"/>
+                        <a:ext cx="914400" cy="179388"/>
+                      </a:xfrm>
+                      <a:prstGeom prst="rect">
+                        <a:avLst/>
+                      </a:prstGeom>
+                      <a:noFill/>
+                      <a:extLst>
+                        <a:ext uri="{909E8E84-426E-40dd-AFC4-6F175D3DCCD1}">
+                          <a14:hiddenFill xmlns:a14="http://schemas.microsoft.com/office/drawing/2010/main">
+                            <a:solidFill>
+                              <a:srgbClr val="FFFFFF"/>
+                            </a:solidFill>
+                          </a14:hiddenFill>
+                        </a:ext>
+                      </a:extLst>
+                    </p:spPr>
+                  </p:pic>
+                </p:oleObj>
+              </mc:Fallback>
+            </mc:AlternateContent>
+          </a:graphicData>
+        </a:graphic>
+      </p:graphicFrame>
+      <p:sp>
+        <p:nvSpPr>
+          <p:cNvPr id="10266" name="Text Box 25"/>
+          <p:cNvSpPr txBox="1">
+            <a:spLocks noChangeArrowheads="1"/>
+          </p:cNvSpPr>
+          <p:nvPr/>
+        </p:nvSpPr>
+        <p:spPr bwMode="auto">
+          <a:xfrm>
+            <a:off x="7467600" y="990600"/>
+            <a:ext cx="355600" cy="549275"/>
+          </a:xfrm>
+          <a:prstGeom prst="rect">
+            <a:avLst/>
+          </a:prstGeom>
+          <a:noFill/>
+          <a:ln w="9525">
+            <a:noFill/>
+            <a:miter lim="800000"/>
+            <a:headEnd/>
+            <a:tailEnd/>
+          </a:ln>
+        </p:spPr>
+        <p:txBody>
+          <a:bodyPr wrap="none">
+            <a:spAutoFit/>
+          </a:bodyPr>
+          <a:lstStyle/>
+          <a:p>
+            <a:pPr eaLnBrk="0" hangingPunct="0"/>
+            <a:r>
+              <a:rPr lang="en-US" sz="3000" dirty="0">
+                <a:latin typeface="Comic Sans MS" pitchFamily="66" charset="0"/>
+              </a:rPr>
+              <a:t>1</a:t>
+            </a:r>
+          </a:p>
+        </p:txBody>
+      </p:sp>
+      <p:sp>
+        <p:nvSpPr>
+          <p:cNvPr id="10267" name="Text Box 26"/>
+          <p:cNvSpPr txBox="1">
+            <a:spLocks noChangeArrowheads="1"/>
+          </p:cNvSpPr>
+          <p:nvPr/>
+        </p:nvSpPr>
+        <p:spPr bwMode="auto">
+          <a:xfrm>
+            <a:off x="6731000" y="1524000"/>
+            <a:ext cx="415925" cy="549275"/>
+          </a:xfrm>
+          <a:prstGeom prst="rect">
+            <a:avLst/>
+          </a:prstGeom>
+          <a:noFill/>
+          <a:ln w="9525">
+            <a:noFill/>
+            <a:miter lim="800000"/>
+            <a:headEnd/>
+            <a:tailEnd/>
+          </a:ln>
+        </p:spPr>
+        <p:txBody>
+          <a:bodyPr wrap="none">
+            <a:spAutoFit/>
+          </a:bodyPr>
+          <a:lstStyle/>
+          <a:p>
+            <a:pPr eaLnBrk="0" hangingPunct="0"/>
+            <a:r>
+              <a:rPr lang="en-US" sz="3000">
+                <a:latin typeface="Comic Sans MS" pitchFamily="66" charset="0"/>
+              </a:rPr>
+              <a:t>2</a:t>
+            </a:r>
+          </a:p>
+        </p:txBody>
+      </p:sp>
+      <p:sp>
+        <p:nvSpPr>
+          <p:cNvPr id="10268" name="Text Box 27"/>
+          <p:cNvSpPr txBox="1">
+            <a:spLocks noChangeArrowheads="1"/>
+          </p:cNvSpPr>
+          <p:nvPr/>
+        </p:nvSpPr>
+        <p:spPr bwMode="auto">
+          <a:xfrm>
+            <a:off x="3810000" y="4038600"/>
+            <a:ext cx="384175" cy="549275"/>
+          </a:xfrm>
+          <a:prstGeom prst="rect">
+            <a:avLst/>
+          </a:prstGeom>
+          <a:noFill/>
+          <a:ln w="9525">
+            <a:noFill/>
+            <a:miter lim="800000"/>
+            <a:headEnd/>
+            <a:tailEnd/>
+          </a:ln>
+        </p:spPr>
+        <p:txBody>
+          <a:bodyPr wrap="none">
+            <a:spAutoFit/>
+          </a:bodyPr>
+          <a:lstStyle/>
+          <a:p>
+            <a:pPr eaLnBrk="0" hangingPunct="0"/>
+            <a:r>
+              <a:rPr lang="en-US" sz="3000">
+                <a:latin typeface="Comic Sans MS" pitchFamily="66" charset="0"/>
+              </a:rPr>
+              <a:t>n</a:t>
+            </a:r>
+          </a:p>
+        </p:txBody>
+      </p:sp>
+      <p:sp>
+        <p:nvSpPr>
+          <p:cNvPr id="10269" name="Text Box 28"/>
+          <p:cNvSpPr txBox="1">
+            <a:spLocks noChangeArrowheads="1"/>
+          </p:cNvSpPr>
+          <p:nvPr/>
+        </p:nvSpPr>
+        <p:spPr bwMode="auto">
+          <a:xfrm>
+            <a:off x="3200400" y="4572000"/>
+            <a:ext cx="738188" cy="549275"/>
+          </a:xfrm>
+          <a:prstGeom prst="rect">
+            <a:avLst/>
+          </a:prstGeom>
+          <a:noFill/>
+          <a:ln w="9525">
+            <a:noFill/>
+            <a:miter lim="800000"/>
+            <a:headEnd/>
+            <a:tailEnd/>
+          </a:ln>
+        </p:spPr>
+        <p:txBody>
+          <a:bodyPr wrap="none">
+            <a:spAutoFit/>
+          </a:bodyPr>
+          <a:lstStyle/>
+          <a:p>
+            <a:pPr eaLnBrk="0" hangingPunct="0"/>
+            <a:r>
+              <a:rPr lang="en-US" sz="3000">
+                <a:latin typeface="Comic Sans MS" pitchFamily="66" charset="0"/>
+              </a:rPr>
+              <a:t>n+1</a:t>
+            </a:r>
+          </a:p>
+        </p:txBody>
+      </p:sp>
+      <p:graphicFrame>
+        <p:nvGraphicFramePr>
+          <p:cNvPr id="30" name="Object 29"/>
+          <p:cNvGraphicFramePr>
+            <a:graphicFrameLocks noChangeAspect="1"/>
+          </p:cNvGraphicFramePr>
+          <p:nvPr/>
+        </p:nvGraphicFramePr>
+        <p:xfrm>
+          <a:off x="4502150" y="4114800"/>
+          <a:ext cx="603250" cy="1754910"/>
+        </p:xfrm>
+        <a:graphic>
+          <a:graphicData uri="http://schemas.openxmlformats.org/presentationml/2006/ole">
+            <mc:AlternateContent xmlns:mc="http://schemas.openxmlformats.org/markup-compatibility/2006">
+              <mc:Choice xmlns:v="urn:schemas-microsoft-com:vml" Requires="v">
+                <p:oleObj spid="_x0000_s20482" name="Equation" r:id="rId7" imgW="139700" imgH="406400" progId="Equation.DSMT4">
+                  <p:embed/>
+                </p:oleObj>
+              </mc:Choice>
+              <mc:Fallback>
+                <p:oleObj name="Equation" r:id="rId7" imgW="139700" imgH="406400" progId="Equation.DSMT4">
+                  <p:embed/>
+                  <p:pic>
+                    <p:nvPicPr>
+                      <p:cNvPr id="0" name=""/>
+                      <p:cNvPicPr>
+                        <a:picLocks noChangeAspect="1" noChangeArrowheads="1"/>
+                      </p:cNvPicPr>
+                      <p:nvPr/>
+                    </p:nvPicPr>
+                    <p:blipFill>
+                      <a:blip r:embed="rId8">
+                        <a:extLst>
+                          <a:ext uri="{28A0092B-C50C-407E-A947-70E740481C1C}">
+                            <a14:useLocalDpi xmlns:a14="http://schemas.microsoft.com/office/drawing/2010/main" val="0"/>
+                          </a:ext>
+                        </a:extLst>
+                      </a:blip>
+                      <a:srcRect/>
+                      <a:stretch>
+                        <a:fillRect/>
+                      </a:stretch>
+                    </p:blipFill>
+                    <p:spPr bwMode="auto">
+                      <a:xfrm>
+                        <a:off x="4502150" y="4114800"/>
+                        <a:ext cx="603250" cy="1754910"/>
+                      </a:xfrm>
+                      <a:prstGeom prst="rect">
+                        <a:avLst/>
+                      </a:prstGeom>
+                      <a:noFill/>
+                      <a:extLst>
+                        <a:ext uri="{909E8E84-426E-40dd-AFC4-6F175D3DCCD1}">
+                          <a14:hiddenFill xmlns:a14="http://schemas.microsoft.com/office/drawing/2010/main">
+                            <a:solidFill>
+                              <a:srgbClr val="FFFFFF"/>
+                            </a:solidFill>
+                          </a14:hiddenFill>
+                        </a:ext>
+                      </a:extLst>
+                    </p:spPr>
+                  </p:pic>
+                </p:oleObj>
+              </mc:Fallback>
+            </mc:AlternateContent>
+          </a:graphicData>
+        </a:graphic>
+      </p:graphicFrame>
+      <p:pic>
+        <p:nvPicPr>
+          <p:cNvPr id="32" name="Picture 31" descr="license.img"/>
+          <p:cNvPicPr>
+            <a:picLocks/>
+          </p:cNvPicPr>
+          <p:nvPr/>
+        </p:nvPicPr>
+        <p:blipFill>
+          <a:blip r:embed="rId9"/>
+          <a:stretch>
+            <a:fillRect/>
+          </a:stretch>
+        </p:blipFill>
+        <p:spPr>
+          <a:xfrm>
+            <a:off x="38415" y="6553200"/>
+            <a:ext cx="875985" cy="290315"/>
+          </a:xfrm>
+          <a:prstGeom prst="rect">
+            <a:avLst/>
+          </a:prstGeom>
+        </p:spPr>
+      </p:pic>
+    </p:spTree>
+    <p:custDataLst>
+      <p:tags r:id="rId2"/>
+    </p:custDataLst>
+    <p:extLst>
+      <p:ext uri="{BB962C8B-B14F-4D97-AF65-F5344CB8AC3E}">
+        <p14:creationId xmlns:p14="http://schemas.microsoft.com/office/powerpoint/2010/main" val="2392688395"/>
+      </p:ext>
+    </p:extLst>
+  </p:cSld>
+  <p:clrMapOvr>
+    <a:masterClrMapping/>
+  </p:clrMapOvr>
+  <p:transition xmlns:p14="http://schemas.microsoft.com/office/powerpoint/2010/main" spd="slow">
+    <p:fade thruBlk="1"/>
+  </p:transition>
+  <p:timing>
+    <p:tnLst>
+      <p:par>
+        <p:cTn xmlns:p14="http://schemas.microsoft.com/office/powerpoint/2010/main" id="1" dur="indefinite" restart="never" nodeType="tmRoot"/>
+      </p:par>
+    </p:tnLst>
+  </p:timing>
+</p:sld>
+</file>
+
+<file path=ppt/slides/slide18.xml><?xml version="1.0" encoding="utf-8"?>
+<p:sld xmlns:a="http://schemas.openxmlformats.org/drawingml/2006/main" xmlns:r="http://schemas.openxmlformats.org/officeDocument/2006/relationships" xmlns:p="http://schemas.openxmlformats.org/presentationml/2006/main">
+  <p:cSld>
+    <p:spTree>
+      <p:nvGrpSpPr>
+        <p:cNvPr id="1" name=""/>
+        <p:cNvGrpSpPr/>
+        <p:nvPr/>
+      </p:nvGrpSpPr>
+      <p:grpSpPr>
+        <a:xfrm>
+          <a:off x="0" y="0"/>
+          <a:ext cx="0" cy="0"/>
+          <a:chOff x="0" y="0"/>
+          <a:chExt cx="0" cy="0"/>
+        </a:xfrm>
+      </p:grpSpPr>
+      <p:sp>
+        <p:nvSpPr>
+          <p:cNvPr id="13320" name="Rectangle 2"/>
+          <p:cNvSpPr>
+            <a:spLocks noGrp="1" noChangeArrowheads="1"/>
+          </p:cNvSpPr>
+          <p:nvPr>
+            <p:ph type="title"/>
+          </p:nvPr>
+        </p:nvSpPr>
+        <p:spPr/>
+        <p:txBody>
+          <a:bodyPr/>
+          <a:lstStyle/>
+          <a:p>
+            <a:pPr eaLnBrk="1" hangingPunct="1"/>
+            <a:r>
+              <a:rPr lang="en-US" smtClean="0"/>
+              <a:t>n+1</a:t>
+            </a:r>
+            <a:r>
+              <a:rPr lang="en-US" i="1" smtClean="0"/>
+              <a:t> </a:t>
+            </a:r>
+            <a:r>
+              <a:rPr lang="en-US" smtClean="0"/>
+              <a:t>books</a:t>
+            </a:r>
+            <a:endParaRPr lang="en-US" i="1" smtClean="0"/>
+          </a:p>
+        </p:txBody>
+      </p:sp>
+      <p:sp>
+        <p:nvSpPr>
+          <p:cNvPr id="13321" name="Rectangle 3"/>
+          <p:cNvSpPr>
+            <a:spLocks noChangeArrowheads="1"/>
+          </p:cNvSpPr>
+          <p:nvPr/>
+        </p:nvSpPr>
+        <p:spPr bwMode="auto">
+          <a:xfrm>
+            <a:off x="2052638" y="4572000"/>
+            <a:ext cx="2903537" cy="450850"/>
+          </a:xfrm>
+          <a:prstGeom prst="rect">
+            <a:avLst/>
+          </a:prstGeom>
+          <a:solidFill>
+            <a:schemeClr val="folHlink"/>
+          </a:solidFill>
+          <a:ln w="9525">
+            <a:solidFill>
+              <a:schemeClr val="tx1"/>
+            </a:solidFill>
+            <a:miter lim="800000"/>
+            <a:headEnd/>
+            <a:tailEnd type="none" w="lg" len="lg"/>
+          </a:ln>
+        </p:spPr>
+        <p:txBody>
+          <a:bodyPr wrap="none" anchor="ctr"/>
+          <a:lstStyle/>
+          <a:p>
+            <a:pPr eaLnBrk="0" hangingPunct="0"/>
+            <a:endParaRPr lang="en-US"/>
+          </a:p>
+        </p:txBody>
+      </p:sp>
+      <p:sp>
+        <p:nvSpPr>
+          <p:cNvPr id="13322" name="Rectangle 4"/>
+          <p:cNvSpPr>
+            <a:spLocks noChangeArrowheads="1"/>
+          </p:cNvSpPr>
+          <p:nvPr/>
+        </p:nvSpPr>
+        <p:spPr bwMode="auto">
+          <a:xfrm>
+            <a:off x="0" y="5029200"/>
+            <a:ext cx="4572000" cy="1828800"/>
+          </a:xfrm>
+          <a:prstGeom prst="rect">
+            <a:avLst/>
+          </a:prstGeom>
+          <a:solidFill>
+            <a:srgbClr val="FFCC99"/>
+          </a:solidFill>
+          <a:ln w="9525">
+            <a:solidFill>
+              <a:schemeClr val="tx1"/>
+            </a:solidFill>
+            <a:miter lim="800000"/>
+            <a:headEnd/>
+            <a:tailEnd/>
+          </a:ln>
+        </p:spPr>
+        <p:txBody>
+          <a:bodyPr wrap="none" anchor="ctr"/>
+          <a:lstStyle/>
+          <a:p>
+            <a:pPr eaLnBrk="0" hangingPunct="0"/>
+            <a:endParaRPr lang="en-US"/>
+          </a:p>
+        </p:txBody>
+      </p:sp>
+      <p:sp>
+        <p:nvSpPr>
+          <p:cNvPr id="13323" name="Rectangle 5"/>
+          <p:cNvSpPr>
+            <a:spLocks noChangeArrowheads="1"/>
+          </p:cNvSpPr>
+          <p:nvPr/>
+        </p:nvSpPr>
+        <p:spPr bwMode="auto">
+          <a:xfrm>
+            <a:off x="2590800" y="4114800"/>
+            <a:ext cx="2903538" cy="450850"/>
+          </a:xfrm>
+          <a:prstGeom prst="rect">
+            <a:avLst/>
+          </a:prstGeom>
+          <a:solidFill>
+            <a:schemeClr val="folHlink"/>
+          </a:solidFill>
+          <a:ln w="9525">
+            <a:solidFill>
+              <a:schemeClr val="tx1"/>
+            </a:solidFill>
+            <a:miter lim="800000"/>
+            <a:headEnd/>
+            <a:tailEnd type="none" w="lg" len="lg"/>
+          </a:ln>
+        </p:spPr>
+        <p:txBody>
+          <a:bodyPr wrap="none" anchor="ctr"/>
+          <a:lstStyle/>
+          <a:p>
+            <a:pPr eaLnBrk="0" hangingPunct="0"/>
+            <a:endParaRPr lang="en-US"/>
+          </a:p>
+        </p:txBody>
+      </p:sp>
+      <p:sp>
+        <p:nvSpPr>
+          <p:cNvPr id="13324" name="Rectangle 6"/>
+          <p:cNvSpPr>
+            <a:spLocks noChangeArrowheads="1"/>
+          </p:cNvSpPr>
+          <p:nvPr/>
+        </p:nvSpPr>
+        <p:spPr bwMode="auto">
+          <a:xfrm>
+            <a:off x="3200400" y="3657600"/>
+            <a:ext cx="2903538" cy="450850"/>
+          </a:xfrm>
+          <a:prstGeom prst="rect">
+            <a:avLst/>
+          </a:prstGeom>
+          <a:solidFill>
+            <a:schemeClr val="folHlink"/>
+          </a:solidFill>
+          <a:ln w="9525">
+            <a:solidFill>
+              <a:schemeClr val="tx1"/>
+            </a:solidFill>
+            <a:miter lim="800000"/>
+            <a:headEnd/>
+            <a:tailEnd type="none" w="lg" len="lg"/>
+          </a:ln>
+        </p:spPr>
+        <p:txBody>
+          <a:bodyPr wrap="none" anchor="ctr"/>
+          <a:lstStyle/>
+          <a:p>
+            <a:pPr eaLnBrk="0" hangingPunct="0"/>
+            <a:endParaRPr lang="en-US"/>
+          </a:p>
+        </p:txBody>
+      </p:sp>
+      <p:sp>
+        <p:nvSpPr>
+          <p:cNvPr id="13325" name="Rectangle 7"/>
+          <p:cNvSpPr>
+            <a:spLocks noChangeArrowheads="1"/>
+          </p:cNvSpPr>
+          <p:nvPr/>
+        </p:nvSpPr>
+        <p:spPr bwMode="auto">
+          <a:xfrm>
+            <a:off x="4716463" y="1981200"/>
+            <a:ext cx="2903537" cy="450850"/>
+          </a:xfrm>
+          <a:prstGeom prst="rect">
+            <a:avLst/>
+          </a:prstGeom>
+          <a:solidFill>
+            <a:schemeClr val="folHlink"/>
+          </a:solidFill>
+          <a:ln w="9525">
+            <a:solidFill>
+              <a:schemeClr val="tx1"/>
+            </a:solidFill>
+            <a:miter lim="800000"/>
+            <a:headEnd/>
+            <a:tailEnd type="none" w="lg" len="lg"/>
+          </a:ln>
+        </p:spPr>
+        <p:txBody>
+          <a:bodyPr wrap="none" anchor="ctr"/>
+          <a:lstStyle/>
+          <a:p>
+            <a:pPr eaLnBrk="0" hangingPunct="0"/>
+            <a:endParaRPr lang="en-US"/>
+          </a:p>
+        </p:txBody>
+      </p:sp>
+      <p:sp>
+        <p:nvSpPr>
+          <p:cNvPr id="13326" name="Rectangle 8"/>
+          <p:cNvSpPr>
+            <a:spLocks noChangeArrowheads="1"/>
+          </p:cNvSpPr>
+          <p:nvPr/>
+        </p:nvSpPr>
+        <p:spPr bwMode="auto">
+          <a:xfrm>
+            <a:off x="5630863" y="1524000"/>
+            <a:ext cx="2903537" cy="450850"/>
+          </a:xfrm>
+          <a:prstGeom prst="rect">
+            <a:avLst/>
+          </a:prstGeom>
+          <a:solidFill>
+            <a:schemeClr val="folHlink"/>
+          </a:solidFill>
+          <a:ln w="9525">
+            <a:solidFill>
+              <a:schemeClr val="tx1"/>
+            </a:solidFill>
+            <a:miter lim="800000"/>
+            <a:headEnd/>
+            <a:tailEnd type="none" w="lg" len="lg"/>
+          </a:ln>
+        </p:spPr>
+        <p:txBody>
+          <a:bodyPr wrap="none" anchor="ctr"/>
+          <a:lstStyle/>
+          <a:p>
+            <a:pPr eaLnBrk="0" hangingPunct="0"/>
+            <a:endParaRPr lang="en-US"/>
+          </a:p>
+        </p:txBody>
+      </p:sp>
+      <p:sp>
+        <p:nvSpPr>
+          <p:cNvPr id="13327" name="Line 9"/>
+          <p:cNvSpPr>
+            <a:spLocks noChangeShapeType="1"/>
+          </p:cNvSpPr>
+          <p:nvPr/>
+        </p:nvSpPr>
+        <p:spPr bwMode="auto">
+          <a:xfrm flipV="1">
+            <a:off x="3200400" y="2438400"/>
+            <a:ext cx="1524000" cy="1219200"/>
+          </a:xfrm>
+          <a:prstGeom prst="line">
+            <a:avLst/>
+          </a:prstGeom>
+          <a:noFill/>
+          <a:ln w="28575" cap="rnd">
+            <a:solidFill>
+              <a:schemeClr val="tx1"/>
+            </a:solidFill>
+            <a:prstDash val="sysDot"/>
+            <a:round/>
+            <a:headEnd/>
+            <a:tailEnd/>
+          </a:ln>
+        </p:spPr>
+        <p:txBody>
+          <a:bodyPr/>
+          <a:lstStyle/>
+          <a:p>
+            <a:endParaRPr lang="en-US"/>
+          </a:p>
+        </p:txBody>
+      </p:sp>
+      <p:sp>
+        <p:nvSpPr>
+          <p:cNvPr id="13328" name="Line 10"/>
+          <p:cNvSpPr>
+            <a:spLocks noChangeShapeType="1"/>
+          </p:cNvSpPr>
+          <p:nvPr/>
+        </p:nvSpPr>
+        <p:spPr bwMode="auto">
+          <a:xfrm flipV="1">
+            <a:off x="6096000" y="2438400"/>
+            <a:ext cx="1524000" cy="1219200"/>
+          </a:xfrm>
+          <a:prstGeom prst="line">
+            <a:avLst/>
+          </a:prstGeom>
+          <a:noFill/>
+          <a:ln w="28575" cap="rnd">
+            <a:solidFill>
+              <a:schemeClr val="tx1"/>
+            </a:solidFill>
+            <a:prstDash val="sysDot"/>
+            <a:round/>
+            <a:headEnd/>
+            <a:tailEnd/>
+          </a:ln>
+        </p:spPr>
+        <p:txBody>
+          <a:bodyPr/>
+          <a:lstStyle/>
+          <a:p>
+            <a:endParaRPr lang="en-US"/>
+          </a:p>
+        </p:txBody>
+      </p:sp>
+      <p:sp>
+        <p:nvSpPr>
+          <p:cNvPr id="13329" name="Oval 11"/>
+          <p:cNvSpPr>
+            <a:spLocks noChangeArrowheads="1"/>
+          </p:cNvSpPr>
+          <p:nvPr/>
+        </p:nvSpPr>
+        <p:spPr bwMode="auto">
+          <a:xfrm>
+            <a:off x="4495800" y="2971800"/>
+            <a:ext cx="152400" cy="152400"/>
+          </a:xfrm>
+          <a:prstGeom prst="ellipse">
+            <a:avLst/>
+          </a:prstGeom>
+          <a:solidFill>
+            <a:srgbClr val="339966"/>
+          </a:solidFill>
+          <a:ln w="31750">
+            <a:solidFill>
+              <a:schemeClr val="tx1"/>
+            </a:solidFill>
+            <a:prstDash val="sysDot"/>
+            <a:round/>
+            <a:headEnd/>
+            <a:tailEnd/>
+          </a:ln>
+        </p:spPr>
+        <p:txBody>
+          <a:bodyPr wrap="none" anchor="ctr"/>
+          <a:lstStyle/>
+          <a:p>
+            <a:pPr eaLnBrk="0" hangingPunct="0"/>
+            <a:endParaRPr lang="en-US"/>
+          </a:p>
+        </p:txBody>
+      </p:sp>
+      <p:sp>
+        <p:nvSpPr>
+          <p:cNvPr id="13330" name="Line 12"/>
+          <p:cNvSpPr>
+            <a:spLocks noChangeShapeType="1"/>
+          </p:cNvSpPr>
+          <p:nvPr/>
+        </p:nvSpPr>
+        <p:spPr bwMode="auto">
+          <a:xfrm>
+            <a:off x="4572000" y="3124200"/>
+            <a:ext cx="0" cy="2286000"/>
+          </a:xfrm>
+          <a:prstGeom prst="line">
+            <a:avLst/>
+          </a:prstGeom>
+          <a:noFill/>
+          <a:ln w="28575">
+            <a:solidFill>
+              <a:schemeClr val="tx1"/>
+            </a:solidFill>
+            <a:prstDash val="sysDot"/>
+            <a:round/>
+            <a:headEnd/>
+            <a:tailEnd type="triangle" w="lg" len="lg"/>
+          </a:ln>
+        </p:spPr>
+        <p:txBody>
+          <a:bodyPr/>
+          <a:lstStyle/>
+          <a:p>
+            <a:endParaRPr lang="en-US"/>
+          </a:p>
+        </p:txBody>
+      </p:sp>
+      <p:sp>
+        <p:nvSpPr>
+          <p:cNvPr id="13331" name="Text Box 13"/>
+          <p:cNvSpPr txBox="1">
+            <a:spLocks noChangeArrowheads="1"/>
+          </p:cNvSpPr>
+          <p:nvPr/>
+        </p:nvSpPr>
+        <p:spPr bwMode="auto">
+          <a:xfrm>
+            <a:off x="76200" y="2363788"/>
+            <a:ext cx="2398713" cy="822325"/>
+          </a:xfrm>
+          <a:prstGeom prst="rect">
+            <a:avLst/>
+          </a:prstGeom>
+          <a:noFill/>
+          <a:ln w="9525">
+            <a:noFill/>
+            <a:miter lim="800000"/>
+            <a:headEnd/>
+            <a:tailEnd type="none" w="lg" len="lg"/>
+          </a:ln>
+        </p:spPr>
+        <p:txBody>
+          <a:bodyPr wrap="none">
+            <a:spAutoFit/>
+          </a:bodyPr>
+          <a:lstStyle/>
+          <a:p>
+            <a:r>
+              <a:rPr lang="en-US" sz="2400">
+                <a:latin typeface="Comic Sans MS" pitchFamily="66" charset="0"/>
+              </a:rPr>
+              <a:t>center of mass </a:t>
+            </a:r>
+          </a:p>
+          <a:p>
+            <a:r>
+              <a:rPr lang="en-US" sz="2400">
+                <a:latin typeface="Comic Sans MS" pitchFamily="66" charset="0"/>
+              </a:rPr>
+              <a:t>of all </a:t>
+            </a:r>
+            <a:r>
+              <a:rPr lang="en-US" sz="2400">
+                <a:solidFill>
+                  <a:srgbClr val="000099"/>
+                </a:solidFill>
+                <a:latin typeface="Comic Sans MS" pitchFamily="66" charset="0"/>
+              </a:rPr>
+              <a:t>n+1</a:t>
+            </a:r>
+            <a:r>
+              <a:rPr lang="en-US" sz="2400" i="1">
+                <a:latin typeface="Comic Sans MS" pitchFamily="66" charset="0"/>
+              </a:rPr>
+              <a:t> </a:t>
+            </a:r>
+            <a:r>
+              <a:rPr lang="en-US" sz="2400">
+                <a:latin typeface="Comic Sans MS" pitchFamily="66" charset="0"/>
+              </a:rPr>
+              <a:t>books</a:t>
+            </a:r>
+            <a:endParaRPr lang="en-US" sz="2400" i="1">
+              <a:latin typeface="Comic Sans MS" pitchFamily="66" charset="0"/>
+            </a:endParaRPr>
+          </a:p>
+        </p:txBody>
+      </p:sp>
+      <p:sp>
+        <p:nvSpPr>
+          <p:cNvPr id="13332" name="Freeform 14"/>
+          <p:cNvSpPr>
+            <a:spLocks/>
+          </p:cNvSpPr>
+          <p:nvPr/>
+        </p:nvSpPr>
+        <p:spPr bwMode="auto">
+          <a:xfrm>
+            <a:off x="2438400" y="2362200"/>
+            <a:ext cx="1981200" cy="609600"/>
+          </a:xfrm>
+          <a:custGeom>
+            <a:avLst/>
+            <a:gdLst>
+              <a:gd name="T0" fmla="*/ 0 w 1392"/>
+              <a:gd name="T1" fmla="*/ 2147483647 h 376"/>
+              <a:gd name="T2" fmla="*/ 2147483647 w 1392"/>
+              <a:gd name="T3" fmla="*/ 2147483647 h 376"/>
+              <a:gd name="T4" fmla="*/ 2147483647 w 1392"/>
+              <a:gd name="T5" fmla="*/ 2147483647 h 376"/>
+              <a:gd name="T6" fmla="*/ 0 60000 65536"/>
+              <a:gd name="T7" fmla="*/ 0 60000 65536"/>
+              <a:gd name="T8" fmla="*/ 0 60000 65536"/>
+              <a:gd name="T9" fmla="*/ 0 w 1392"/>
+              <a:gd name="T10" fmla="*/ 0 h 376"/>
+              <a:gd name="T11" fmla="*/ 1392 w 1392"/>
+              <a:gd name="T12" fmla="*/ 376 h 376"/>
+            </a:gdLst>
+            <a:ahLst/>
+            <a:cxnLst>
+              <a:cxn ang="T6">
+                <a:pos x="T0" y="T1"/>
+              </a:cxn>
+              <a:cxn ang="T7">
+                <a:pos x="T2" y="T3"/>
+              </a:cxn>
+              <a:cxn ang="T8">
+                <a:pos x="T4" y="T5"/>
+              </a:cxn>
+            </a:cxnLst>
+            <a:rect l="T9" t="T10" r="T11" b="T12"/>
+            <a:pathLst>
+              <a:path w="1392" h="376">
+                <a:moveTo>
+                  <a:pt x="0" y="136"/>
+                </a:moveTo>
+                <a:cubicBezTo>
+                  <a:pt x="244" y="68"/>
+                  <a:pt x="488" y="0"/>
+                  <a:pt x="720" y="40"/>
+                </a:cubicBezTo>
+                <a:cubicBezTo>
+                  <a:pt x="952" y="80"/>
+                  <a:pt x="1172" y="228"/>
+                  <a:pt x="1392" y="376"/>
+                </a:cubicBezTo>
+              </a:path>
+            </a:pathLst>
+          </a:custGeom>
+          <a:noFill/>
+          <a:ln w="9525">
+            <a:solidFill>
+              <a:schemeClr val="tx1"/>
+            </a:solidFill>
+            <a:round/>
+            <a:headEnd/>
+            <a:tailEnd type="triangle" w="lg" len="lg"/>
+          </a:ln>
+        </p:spPr>
+        <p:txBody>
+          <a:bodyPr/>
+          <a:lstStyle/>
+          <a:p>
+            <a:pPr eaLnBrk="0" hangingPunct="0"/>
+            <a:endParaRPr lang="en-US"/>
+          </a:p>
+        </p:txBody>
+      </p:sp>
+      <p:sp>
+        <p:nvSpPr>
+          <p:cNvPr id="13333" name="Rectangle 15"/>
+          <p:cNvSpPr>
+            <a:spLocks noChangeArrowheads="1"/>
+          </p:cNvSpPr>
+          <p:nvPr/>
+        </p:nvSpPr>
+        <p:spPr bwMode="auto">
+          <a:xfrm>
+            <a:off x="6096000" y="1066800"/>
+            <a:ext cx="2903537" cy="450850"/>
+          </a:xfrm>
+          <a:prstGeom prst="rect">
+            <a:avLst/>
+          </a:prstGeom>
+          <a:solidFill>
+            <a:schemeClr val="folHlink"/>
+          </a:solidFill>
+          <a:ln w="9525">
+            <a:solidFill>
+              <a:schemeClr val="tx1"/>
+            </a:solidFill>
+            <a:miter lim="800000"/>
+            <a:headEnd/>
+            <a:tailEnd type="none" w="lg" len="lg"/>
+          </a:ln>
+        </p:spPr>
+        <p:txBody>
+          <a:bodyPr wrap="none" anchor="ctr"/>
+          <a:lstStyle/>
+          <a:p>
+            <a:pPr eaLnBrk="0" hangingPunct="0"/>
+            <a:endParaRPr lang="en-US"/>
+          </a:p>
+        </p:txBody>
+      </p:sp>
+      <p:sp>
+        <p:nvSpPr>
+          <p:cNvPr id="13334" name="Oval 16"/>
+          <p:cNvSpPr>
+            <a:spLocks noChangeArrowheads="1"/>
+          </p:cNvSpPr>
+          <p:nvPr/>
+        </p:nvSpPr>
+        <p:spPr bwMode="auto">
+          <a:xfrm>
+            <a:off x="4876800" y="2590800"/>
+            <a:ext cx="152400" cy="152400"/>
+          </a:xfrm>
+          <a:prstGeom prst="ellipse">
+            <a:avLst/>
+          </a:prstGeom>
+          <a:solidFill>
+            <a:schemeClr val="tx1"/>
+          </a:solidFill>
+          <a:ln w="25400">
+            <a:noFill/>
+            <a:prstDash val="sysDot"/>
+            <a:round/>
+            <a:headEnd/>
+            <a:tailEnd/>
+          </a:ln>
+        </p:spPr>
+        <p:txBody>
+          <a:bodyPr wrap="none" anchor="ctr"/>
+          <a:lstStyle/>
+          <a:p>
+            <a:pPr eaLnBrk="0" hangingPunct="0"/>
+            <a:endParaRPr lang="en-US"/>
+          </a:p>
+        </p:txBody>
+      </p:sp>
+      <p:sp>
+        <p:nvSpPr>
+          <p:cNvPr id="13335" name="Line 17"/>
+          <p:cNvSpPr>
+            <a:spLocks noChangeShapeType="1"/>
+          </p:cNvSpPr>
+          <p:nvPr/>
+        </p:nvSpPr>
+        <p:spPr bwMode="auto">
+          <a:xfrm>
+            <a:off x="4953000" y="2743200"/>
+            <a:ext cx="0" cy="2286000"/>
+          </a:xfrm>
+          <a:prstGeom prst="line">
+            <a:avLst/>
+          </a:prstGeom>
+          <a:noFill/>
+          <a:ln w="28575">
+            <a:solidFill>
+              <a:schemeClr val="tx1"/>
+            </a:solidFill>
+            <a:prstDash val="sysDot"/>
+            <a:round/>
+            <a:headEnd/>
+            <a:tailEnd type="triangle" w="lg" len="lg"/>
+          </a:ln>
+        </p:spPr>
+        <p:txBody>
+          <a:bodyPr/>
+          <a:lstStyle/>
+          <a:p>
+            <a:endParaRPr lang="en-US"/>
+          </a:p>
+        </p:txBody>
+      </p:sp>
+      <p:sp>
+        <p:nvSpPr>
+          <p:cNvPr id="13336" name="Text Box 18"/>
+          <p:cNvSpPr txBox="1">
+            <a:spLocks noChangeArrowheads="1"/>
+          </p:cNvSpPr>
+          <p:nvPr/>
+        </p:nvSpPr>
+        <p:spPr bwMode="auto">
+          <a:xfrm>
+            <a:off x="6172200" y="3733800"/>
+            <a:ext cx="2819400" cy="822325"/>
+          </a:xfrm>
+          <a:prstGeom prst="rect">
+            <a:avLst/>
+          </a:prstGeom>
+          <a:noFill/>
+          <a:ln w="9525">
+            <a:noFill/>
+            <a:miter lim="800000"/>
+            <a:headEnd/>
+            <a:tailEnd type="none" w="lg" len="lg"/>
+          </a:ln>
+        </p:spPr>
+        <p:txBody>
+          <a:bodyPr>
+            <a:spAutoFit/>
+          </a:bodyPr>
+          <a:lstStyle/>
+          <a:p>
+            <a:r>
+              <a:rPr lang="en-US" sz="2400">
+                <a:latin typeface="Comic Sans MS" pitchFamily="66" charset="0"/>
+              </a:rPr>
+              <a:t>center of mass of top </a:t>
+            </a:r>
+            <a:r>
+              <a:rPr lang="en-US" sz="2400">
+                <a:solidFill>
+                  <a:srgbClr val="000099"/>
+                </a:solidFill>
+                <a:latin typeface="Comic Sans MS" pitchFamily="66" charset="0"/>
+              </a:rPr>
+              <a:t>n</a:t>
+            </a:r>
+            <a:r>
+              <a:rPr lang="en-US" sz="2400">
+                <a:latin typeface="Comic Sans MS" pitchFamily="66" charset="0"/>
+              </a:rPr>
+              <a:t> books</a:t>
+            </a:r>
+          </a:p>
+        </p:txBody>
+      </p:sp>
+      <p:sp>
+        <p:nvSpPr>
+          <p:cNvPr id="13337" name="Freeform 19"/>
+          <p:cNvSpPr>
+            <a:spLocks/>
+          </p:cNvSpPr>
+          <p:nvPr/>
+        </p:nvSpPr>
+        <p:spPr bwMode="auto">
+          <a:xfrm>
+            <a:off x="5105400" y="2667000"/>
+            <a:ext cx="2286000" cy="1143000"/>
+          </a:xfrm>
+          <a:custGeom>
+            <a:avLst/>
+            <a:gdLst>
+              <a:gd name="T0" fmla="*/ 2147483647 w 864"/>
+              <a:gd name="T1" fmla="*/ 2147483647 h 720"/>
+              <a:gd name="T2" fmla="*/ 2147483647 w 864"/>
+              <a:gd name="T3" fmla="*/ 2147483647 h 720"/>
+              <a:gd name="T4" fmla="*/ 0 w 864"/>
+              <a:gd name="T5" fmla="*/ 0 h 720"/>
+              <a:gd name="T6" fmla="*/ 0 60000 65536"/>
+              <a:gd name="T7" fmla="*/ 0 60000 65536"/>
+              <a:gd name="T8" fmla="*/ 0 60000 65536"/>
+              <a:gd name="T9" fmla="*/ 0 w 864"/>
+              <a:gd name="T10" fmla="*/ 0 h 720"/>
+              <a:gd name="T11" fmla="*/ 864 w 864"/>
+              <a:gd name="T12" fmla="*/ 720 h 720"/>
+            </a:gdLst>
+            <a:ahLst/>
+            <a:cxnLst>
+              <a:cxn ang="T6">
+                <a:pos x="T0" y="T1"/>
+              </a:cxn>
+              <a:cxn ang="T7">
+                <a:pos x="T2" y="T3"/>
+              </a:cxn>
+              <a:cxn ang="T8">
+                <a:pos x="T4" y="T5"/>
+              </a:cxn>
+            </a:cxnLst>
+            <a:rect l="T9" t="T10" r="T11" b="T12"/>
+            <a:pathLst>
+              <a:path w="864" h="720">
+                <a:moveTo>
+                  <a:pt x="864" y="720"/>
+                </a:moveTo>
+                <a:cubicBezTo>
+                  <a:pt x="840" y="516"/>
+                  <a:pt x="816" y="312"/>
+                  <a:pt x="672" y="192"/>
+                </a:cubicBezTo>
+                <a:cubicBezTo>
+                  <a:pt x="528" y="72"/>
+                  <a:pt x="264" y="36"/>
+                  <a:pt x="0" y="0"/>
+                </a:cubicBezTo>
+              </a:path>
+            </a:pathLst>
+          </a:custGeom>
+          <a:noFill/>
+          <a:ln w="9525">
+            <a:solidFill>
+              <a:schemeClr val="tx1"/>
+            </a:solidFill>
+            <a:round/>
+            <a:headEnd/>
+            <a:tailEnd type="triangle" w="lg" len="lg"/>
+          </a:ln>
+        </p:spPr>
+        <p:txBody>
+          <a:bodyPr/>
+          <a:lstStyle/>
+          <a:p>
+            <a:pPr eaLnBrk="0" hangingPunct="0"/>
+            <a:endParaRPr lang="en-US"/>
+          </a:p>
+        </p:txBody>
+      </p:sp>
+      <p:graphicFrame>
+        <p:nvGraphicFramePr>
+          <p:cNvPr id="13314" name="Object 21"/>
+          <p:cNvGraphicFramePr>
+            <a:graphicFrameLocks noChangeAspect="1"/>
+          </p:cNvGraphicFramePr>
+          <p:nvPr/>
+        </p:nvGraphicFramePr>
+        <p:xfrm>
+          <a:off x="0" y="0"/>
+          <a:ext cx="914400" cy="179388"/>
+        </p:xfrm>
+        <a:graphic>
+          <a:graphicData uri="http://schemas.openxmlformats.org/presentationml/2006/ole">
+            <mc:AlternateContent xmlns:mc="http://schemas.openxmlformats.org/markup-compatibility/2006">
+              <mc:Choice xmlns:v="urn:schemas-microsoft-com:vml" Requires="v">
+                <p:oleObj spid="_x0000_s13478" name="Equation" r:id="rId4" imgW="914400" imgH="179640" progId="Equation.DSMT4">
                   <p:embed/>
                 </p:oleObj>
               </mc:Choice>
@@ -9749,7 +11973,7 @@
           <a:graphicData uri="http://schemas.openxmlformats.org/presentationml/2006/ole">
             <mc:AlternateContent xmlns:mc="http://schemas.openxmlformats.org/markup-compatibility/2006">
               <mc:Choice xmlns:v="urn:schemas-microsoft-com:vml" Requires="v">
-                <p:oleObj spid="_x0000_s13433" name="Equation" r:id="rId6" imgW="215640" imgH="355320" progId="Equation.DSMT4">
+                <p:oleObj spid="_x0000_s13479" name="Equation" r:id="rId6" imgW="215640" imgH="355320" progId="Equation.DSMT4">
                   <p:embed/>
                 </p:oleObj>
               </mc:Choice>
@@ -9819,7 +12043,7 @@
           <a:graphicData uri="http://schemas.openxmlformats.org/presentationml/2006/ole">
             <mc:AlternateContent xmlns:mc="http://schemas.openxmlformats.org/markup-compatibility/2006">
               <mc:Choice xmlns:v="urn:schemas-microsoft-com:vml" Requires="v">
-                <p:oleObj spid="_x0000_s13434" name="Equation" r:id="rId8" imgW="215640" imgH="355320" progId="Equation.DSMT4">
+                <p:oleObj spid="_x0000_s13480" name="Equation" r:id="rId8" imgW="215640" imgH="355320" progId="Equation.DSMT4">
                   <p:embed/>
                 </p:oleObj>
               </mc:Choice>
@@ -10049,7 +12273,7 @@
           <a:graphicData uri="http://schemas.openxmlformats.org/presentationml/2006/ole">
             <mc:AlternateContent xmlns:mc="http://schemas.openxmlformats.org/markup-compatibility/2006">
               <mc:Choice xmlns:v="urn:schemas-microsoft-com:vml" Requires="v">
-                <p:oleObj spid="_x0000_s13435" name="Equation" r:id="rId10" imgW="520560" imgH="419040" progId="Equation.DSMT4">
+                <p:oleObj spid="_x0000_s13481" name="Equation" r:id="rId10" imgW="520560" imgH="419040" progId="Equation.DSMT4">
                   <p:embed/>
                 </p:oleObj>
               </mc:Choice>
@@ -10119,7 +12343,7 @@
           <a:graphicData uri="http://schemas.openxmlformats.org/presentationml/2006/ole">
             <mc:AlternateContent xmlns:mc="http://schemas.openxmlformats.org/markup-compatibility/2006">
               <mc:Choice xmlns:v="urn:schemas-microsoft-com:vml" Requires="v">
-                <p:oleObj spid="_x0000_s13436" name="Equation" r:id="rId12" imgW="139700" imgH="406400" progId="Equation.DSMT4">
+                <p:oleObj spid="_x0000_s13482" name="Equation" r:id="rId12" imgW="139700" imgH="406400" progId="Equation.DSMT4">
                   <p:embed/>
                 </p:oleObj>
               </mc:Choice>
@@ -10202,9 +12426,18 @@
   <p:clrMapOvr>
     <a:masterClrMapping/>
   </p:clrMapOvr>
-  <p:transition xmlns:p14="http://schemas.microsoft.com/office/powerpoint/2010/main" spd="slow" advTm="29777">
-    <p:wipe/>
-  </p:transition>
+  <mc:AlternateContent xmlns:mc="http://schemas.openxmlformats.org/markup-compatibility/2006">
+    <mc:Choice xmlns:p14="http://schemas.microsoft.com/office/powerpoint/2010/main" Requires="p14">
+      <p:transition p14:dur="300">
+        <p:fade/>
+      </p:transition>
+    </mc:Choice>
+    <mc:Fallback>
+      <p:transition xmlns:p14="http://schemas.microsoft.com/office/powerpoint/2010/main">
+        <p:fade/>
+      </p:transition>
+    </mc:Fallback>
+  </mc:AlternateContent>
   <p:timing>
     <p:tnLst>
       <p:par>
@@ -10215,7 +12448,7 @@
 </p:sld>
 </file>
 
-<file path=ppt/slides/slide17.xml><?xml version="1.0" encoding="utf-8"?>
+<file path=ppt/slides/slide19.xml><?xml version="1.0" encoding="utf-8"?>
 <p:sld xmlns:a="http://schemas.openxmlformats.org/drawingml/2006/main" xmlns:r="http://schemas.openxmlformats.org/officeDocument/2006/relationships" xmlns:p="http://schemas.openxmlformats.org/presentationml/2006/main">
   <p:cSld>
     <p:spTree>
@@ -10430,7 +12663,7 @@
           <a:graphicData uri="http://schemas.openxmlformats.org/presentationml/2006/ole">
             <mc:AlternateContent xmlns:mc="http://schemas.openxmlformats.org/markup-compatibility/2006">
               <mc:Choice xmlns:v="urn:schemas-microsoft-com:vml" Requires="v">
-                <p:oleObj spid="_x0000_s14391" name="Equation" r:id="rId5" imgW="520560" imgH="419040" progId="Equation.DSMT4">
+                <p:oleObj spid="_x0000_s14412" name="Equation" r:id="rId5" imgW="520560" imgH="419040" progId="Equation.DSMT4">
                   <p:embed/>
                 </p:oleObj>
               </mc:Choice>
@@ -10582,7 +12815,7 @@
           <a:graphicData uri="http://schemas.openxmlformats.org/presentationml/2006/ole">
             <mc:AlternateContent xmlns:mc="http://schemas.openxmlformats.org/markup-compatibility/2006">
               <mc:Choice xmlns:v="urn:schemas-microsoft-com:vml" Requires="v">
-                <p:oleObj spid="_x0000_s14392" name="Equation" r:id="rId7" imgW="1295400" imgH="469900" progId="Equation.3">
+                <p:oleObj spid="_x0000_s14413" name="Equation" r:id="rId7" imgW="1295400" imgH="469900" progId="Equation.3">
                   <p:embed/>
                 </p:oleObj>
               </mc:Choice>
@@ -10663,9 +12896,18 @@
   <p:clrMapOvr>
     <a:masterClrMapping/>
   </p:clrMapOvr>
-  <p:transition xmlns:p14="http://schemas.microsoft.com/office/powerpoint/2010/main" advTm="34302">
-    <p:fade/>
-  </p:transition>
+  <mc:AlternateContent xmlns:mc="http://schemas.openxmlformats.org/markup-compatibility/2006">
+    <mc:Choice xmlns:p14="http://schemas.microsoft.com/office/powerpoint/2010/main" Requires="p14">
+      <p:transition spd="slow" p14:dur="1200">
+        <p:fade thruBlk="1"/>
+      </p:transition>
+    </mc:Choice>
+    <mc:Fallback>
+      <p:transition xmlns:p14="http://schemas.microsoft.com/office/powerpoint/2010/main" spd="slow">
+        <p:fade thruBlk="1"/>
+      </p:transition>
+    </mc:Fallback>
+  </mc:AlternateContent>
   <p:timing>
     <p:tnLst>
       <p:par>
@@ -10946,7 +13188,396 @@
 </p:sld>
 </file>
 
-<file path=ppt/slides/slide18.xml><?xml version="1.0" encoding="utf-8"?>
+<file path=ppt/slides/slide2.xml><?xml version="1.0" encoding="utf-8"?>
+<p:sld xmlns:a="http://schemas.openxmlformats.org/drawingml/2006/main" xmlns:r="http://schemas.openxmlformats.org/officeDocument/2006/relationships" xmlns:p="http://schemas.openxmlformats.org/presentationml/2006/main">
+  <p:cSld>
+    <p:spTree>
+      <p:nvGrpSpPr>
+        <p:cNvPr id="1" name=""/>
+        <p:cNvGrpSpPr/>
+        <p:nvPr/>
+      </p:nvGrpSpPr>
+      <p:grpSpPr>
+        <a:xfrm>
+          <a:off x="0" y="0"/>
+          <a:ext cx="0" cy="0"/>
+          <a:chOff x="0" y="0"/>
+          <a:chExt cx="0" cy="0"/>
+        </a:xfrm>
+      </p:grpSpPr>
+      <p:sp>
+        <p:nvSpPr>
+          <p:cNvPr id="55298" name="Rectangle 2"/>
+          <p:cNvSpPr>
+            <a:spLocks noGrp="1" noChangeArrowheads="1"/>
+          </p:cNvSpPr>
+          <p:nvPr>
+            <p:ph type="title"/>
+          </p:nvPr>
+        </p:nvSpPr>
+        <p:spPr/>
+        <p:txBody>
+          <a:bodyPr/>
+          <a:lstStyle/>
+          <a:p>
+            <a:pPr eaLnBrk="1" hangingPunct="1"/>
+            <a:r>
+              <a:rPr lang="en-US" sz="3200" smtClean="0"/>
+              <a:t>Book Stacking</a:t>
+            </a:r>
+          </a:p>
+        </p:txBody>
+      </p:sp>
+      <p:sp>
+        <p:nvSpPr>
+          <p:cNvPr id="55299" name="Rectangle 7"/>
+          <p:cNvSpPr>
+            <a:spLocks noChangeArrowheads="1"/>
+          </p:cNvSpPr>
+          <p:nvPr/>
+        </p:nvSpPr>
+        <p:spPr bwMode="auto">
+          <a:xfrm>
+            <a:off x="2286000" y="4572000"/>
+            <a:ext cx="2903538" cy="450850"/>
+          </a:xfrm>
+          <a:prstGeom prst="rect">
+            <a:avLst/>
+          </a:prstGeom>
+          <a:solidFill>
+            <a:schemeClr val="folHlink"/>
+          </a:solidFill>
+          <a:ln w="9525">
+            <a:solidFill>
+              <a:schemeClr val="tx1"/>
+            </a:solidFill>
+            <a:miter lim="800000"/>
+            <a:headEnd/>
+            <a:tailEnd type="none" w="lg" len="lg"/>
+          </a:ln>
+        </p:spPr>
+        <p:txBody>
+          <a:bodyPr wrap="none" anchor="ctr"/>
+          <a:lstStyle/>
+          <a:p>
+            <a:pPr eaLnBrk="0" hangingPunct="0"/>
+            <a:endParaRPr lang="en-US" sz="2400"/>
+          </a:p>
+        </p:txBody>
+      </p:sp>
+      <p:sp>
+        <p:nvSpPr>
+          <p:cNvPr id="55300" name="Rectangle 20"/>
+          <p:cNvSpPr>
+            <a:spLocks noChangeArrowheads="1"/>
+          </p:cNvSpPr>
+          <p:nvPr/>
+        </p:nvSpPr>
+        <p:spPr bwMode="auto">
+          <a:xfrm>
+            <a:off x="0" y="5029200"/>
+            <a:ext cx="4572000" cy="1828800"/>
+          </a:xfrm>
+          <a:prstGeom prst="rect">
+            <a:avLst/>
+          </a:prstGeom>
+          <a:solidFill>
+            <a:srgbClr val="FFCC99"/>
+          </a:solidFill>
+          <a:ln w="9525">
+            <a:solidFill>
+              <a:schemeClr val="tx1"/>
+            </a:solidFill>
+            <a:miter lim="800000"/>
+            <a:headEnd/>
+            <a:tailEnd/>
+          </a:ln>
+        </p:spPr>
+        <p:txBody>
+          <a:bodyPr wrap="none" anchor="ctr"/>
+          <a:lstStyle/>
+          <a:p>
+            <a:pPr eaLnBrk="0" hangingPunct="0"/>
+            <a:endParaRPr lang="en-US"/>
+          </a:p>
+        </p:txBody>
+      </p:sp>
+      <p:sp>
+        <p:nvSpPr>
+          <p:cNvPr id="55301" name="Rectangle 21"/>
+          <p:cNvSpPr>
+            <a:spLocks noChangeArrowheads="1"/>
+          </p:cNvSpPr>
+          <p:nvPr/>
+        </p:nvSpPr>
+        <p:spPr bwMode="auto">
+          <a:xfrm>
+            <a:off x="2819400" y="4114800"/>
+            <a:ext cx="2903538" cy="450850"/>
+          </a:xfrm>
+          <a:prstGeom prst="rect">
+            <a:avLst/>
+          </a:prstGeom>
+          <a:solidFill>
+            <a:schemeClr val="folHlink"/>
+          </a:solidFill>
+          <a:ln w="9525">
+            <a:solidFill>
+              <a:schemeClr val="tx1"/>
+            </a:solidFill>
+            <a:miter lim="800000"/>
+            <a:headEnd/>
+            <a:tailEnd type="none" w="lg" len="lg"/>
+          </a:ln>
+        </p:spPr>
+        <p:txBody>
+          <a:bodyPr wrap="none" anchor="ctr"/>
+          <a:lstStyle/>
+          <a:p>
+            <a:pPr eaLnBrk="0" hangingPunct="0"/>
+            <a:endParaRPr lang="en-US" sz="2400"/>
+          </a:p>
+        </p:txBody>
+      </p:sp>
+      <p:sp>
+        <p:nvSpPr>
+          <p:cNvPr id="55302" name="Rectangle 22"/>
+          <p:cNvSpPr>
+            <a:spLocks noChangeArrowheads="1"/>
+          </p:cNvSpPr>
+          <p:nvPr/>
+        </p:nvSpPr>
+        <p:spPr bwMode="auto">
+          <a:xfrm>
+            <a:off x="4343400" y="3657600"/>
+            <a:ext cx="2903538" cy="450850"/>
+          </a:xfrm>
+          <a:prstGeom prst="rect">
+            <a:avLst/>
+          </a:prstGeom>
+          <a:solidFill>
+            <a:schemeClr val="folHlink"/>
+          </a:solidFill>
+          <a:ln w="9525">
+            <a:solidFill>
+              <a:schemeClr val="tx1"/>
+            </a:solidFill>
+            <a:miter lim="800000"/>
+            <a:headEnd/>
+            <a:tailEnd type="none" w="lg" len="lg"/>
+          </a:ln>
+        </p:spPr>
+        <p:txBody>
+          <a:bodyPr wrap="none" anchor="ctr"/>
+          <a:lstStyle/>
+          <a:p>
+            <a:pPr eaLnBrk="0" hangingPunct="0"/>
+            <a:endParaRPr lang="en-US" sz="2400"/>
+          </a:p>
+        </p:txBody>
+      </p:sp>
+      <p:sp>
+        <p:nvSpPr>
+          <p:cNvPr id="55303" name="Rectangle 23"/>
+          <p:cNvSpPr>
+            <a:spLocks noChangeArrowheads="1"/>
+          </p:cNvSpPr>
+          <p:nvPr/>
+        </p:nvSpPr>
+        <p:spPr bwMode="auto">
+          <a:xfrm>
+            <a:off x="3733800" y="3203575"/>
+            <a:ext cx="2903538" cy="450850"/>
+          </a:xfrm>
+          <a:prstGeom prst="rect">
+            <a:avLst/>
+          </a:prstGeom>
+          <a:solidFill>
+            <a:schemeClr val="folHlink"/>
+          </a:solidFill>
+          <a:ln w="9525">
+            <a:solidFill>
+              <a:schemeClr val="tx1"/>
+            </a:solidFill>
+            <a:miter lim="800000"/>
+            <a:headEnd/>
+            <a:tailEnd type="none" w="lg" len="lg"/>
+          </a:ln>
+        </p:spPr>
+        <p:txBody>
+          <a:bodyPr wrap="none" anchor="ctr"/>
+          <a:lstStyle/>
+          <a:p>
+            <a:pPr eaLnBrk="0" hangingPunct="0"/>
+            <a:endParaRPr lang="en-US" sz="2400"/>
+          </a:p>
+        </p:txBody>
+      </p:sp>
+      <p:sp>
+        <p:nvSpPr>
+          <p:cNvPr id="55304" name="Rectangle 24"/>
+          <p:cNvSpPr>
+            <a:spLocks noChangeArrowheads="1"/>
+          </p:cNvSpPr>
+          <p:nvPr/>
+        </p:nvSpPr>
+        <p:spPr bwMode="auto">
+          <a:xfrm>
+            <a:off x="3119438" y="2743200"/>
+            <a:ext cx="2903537" cy="450850"/>
+          </a:xfrm>
+          <a:prstGeom prst="rect">
+            <a:avLst/>
+          </a:prstGeom>
+          <a:solidFill>
+            <a:schemeClr val="folHlink"/>
+          </a:solidFill>
+          <a:ln w="9525">
+            <a:solidFill>
+              <a:schemeClr val="tx1"/>
+            </a:solidFill>
+            <a:miter lim="800000"/>
+            <a:headEnd/>
+            <a:tailEnd type="none" w="lg" len="lg"/>
+          </a:ln>
+        </p:spPr>
+        <p:txBody>
+          <a:bodyPr wrap="none" anchor="ctr"/>
+          <a:lstStyle/>
+          <a:p>
+            <a:pPr eaLnBrk="0" hangingPunct="0"/>
+            <a:endParaRPr lang="en-US" sz="2400"/>
+          </a:p>
+        </p:txBody>
+      </p:sp>
+      <p:sp>
+        <p:nvSpPr>
+          <p:cNvPr id="55305" name="Rectangle 25"/>
+          <p:cNvSpPr>
+            <a:spLocks noChangeArrowheads="1"/>
+          </p:cNvSpPr>
+          <p:nvPr/>
+        </p:nvSpPr>
+        <p:spPr bwMode="auto">
+          <a:xfrm>
+            <a:off x="4953000" y="2286000"/>
+            <a:ext cx="2903538" cy="450850"/>
+          </a:xfrm>
+          <a:prstGeom prst="rect">
+            <a:avLst/>
+          </a:prstGeom>
+          <a:solidFill>
+            <a:schemeClr val="folHlink"/>
+          </a:solidFill>
+          <a:ln w="9525">
+            <a:solidFill>
+              <a:schemeClr val="tx1"/>
+            </a:solidFill>
+            <a:miter lim="800000"/>
+            <a:headEnd/>
+            <a:tailEnd type="none" w="lg" len="lg"/>
+          </a:ln>
+        </p:spPr>
+        <p:txBody>
+          <a:bodyPr wrap="none" anchor="ctr"/>
+          <a:lstStyle/>
+          <a:p>
+            <a:pPr eaLnBrk="0" hangingPunct="0"/>
+            <a:endParaRPr lang="en-US" sz="2400"/>
+          </a:p>
+        </p:txBody>
+      </p:sp>
+      <p:sp>
+        <p:nvSpPr>
+          <p:cNvPr id="55306" name="Text Box 34"/>
+          <p:cNvSpPr txBox="1">
+            <a:spLocks noChangeArrowheads="1"/>
+          </p:cNvSpPr>
+          <p:nvPr/>
+        </p:nvSpPr>
+        <p:spPr bwMode="auto">
+          <a:xfrm>
+            <a:off x="1447800" y="5565775"/>
+            <a:ext cx="1403350" cy="701675"/>
+          </a:xfrm>
+          <a:prstGeom prst="rect">
+            <a:avLst/>
+          </a:prstGeom>
+          <a:noFill/>
+          <a:ln w="9525">
+            <a:noFill/>
+            <a:miter lim="800000"/>
+            <a:headEnd/>
+            <a:tailEnd type="none" w="lg" len="lg"/>
+          </a:ln>
+        </p:spPr>
+        <p:txBody>
+          <a:bodyPr wrap="none">
+            <a:spAutoFit/>
+          </a:bodyPr>
+          <a:lstStyle/>
+          <a:p>
+            <a:r>
+              <a:rPr lang="en-US" sz="4000">
+                <a:latin typeface="Comic Sans MS" pitchFamily="66" charset="0"/>
+              </a:rPr>
+              <a:t>table</a:t>
+            </a:r>
+          </a:p>
+        </p:txBody>
+      </p:sp>
+      <p:pic>
+        <p:nvPicPr>
+          <p:cNvPr id="14" name="Picture 13" descr="license.img"/>
+          <p:cNvPicPr>
+            <a:picLocks/>
+          </p:cNvPicPr>
+          <p:nvPr/>
+        </p:nvPicPr>
+        <p:blipFill>
+          <a:blip r:embed="rId3"/>
+          <a:stretch>
+            <a:fillRect/>
+          </a:stretch>
+        </p:blipFill>
+        <p:spPr>
+          <a:xfrm>
+            <a:off x="38415" y="6553200"/>
+            <a:ext cx="875985" cy="290315"/>
+          </a:xfrm>
+          <a:prstGeom prst="rect">
+            <a:avLst/>
+          </a:prstGeom>
+        </p:spPr>
+      </p:pic>
+    </p:spTree>
+  </p:cSld>
+  <p:clrMapOvr>
+    <a:masterClrMapping/>
+  </p:clrMapOvr>
+  <mc:AlternateContent xmlns:mc="http://schemas.openxmlformats.org/markup-compatibility/2006">
+    <mc:Choice xmlns:p14="http://schemas.microsoft.com/office/powerpoint/2010/main" Requires="p14">
+      <p:transition spd="med" p14:dur="700">
+        <p:fade/>
+      </p:transition>
+    </mc:Choice>
+    <mc:Fallback>
+      <p:transition xmlns:p14="http://schemas.microsoft.com/office/powerpoint/2010/main" spd="med">
+        <p:fade/>
+      </p:transition>
+    </mc:Fallback>
+  </mc:AlternateContent>
+  <p:timing>
+    <p:tnLst>
+      <p:par>
+        <p:cTn xmlns:p14="http://schemas.microsoft.com/office/powerpoint/2010/main" id="1" dur="indefinite" restart="never" nodeType="tmRoot"/>
+      </p:par>
+    </p:tnLst>
+  </p:timing>
+</p:sld>
+</file>
+
+<file path=ppt/slides/slide20.xml><?xml version="1.0" encoding="utf-8"?>
 <p:sld xmlns:a="http://schemas.openxmlformats.org/drawingml/2006/main" xmlns:r="http://schemas.openxmlformats.org/officeDocument/2006/relationships" xmlns:p="http://schemas.openxmlformats.org/presentationml/2006/main">
   <p:cSld>
     <p:spTree>
@@ -10985,7 +13616,7 @@
           <a:graphicData uri="http://schemas.openxmlformats.org/presentationml/2006/ole">
             <mc:AlternateContent xmlns:mc="http://schemas.openxmlformats.org/markup-compatibility/2006">
               <mc:Choice xmlns:v="urn:schemas-microsoft-com:vml" Requires="v">
-                <p:oleObj spid="_x0000_s15393" name="Equation" r:id="rId5" imgW="1422400" imgH="419100" progId="Equation.3">
+                <p:oleObj spid="_x0000_s15403" name="Equation" r:id="rId5" imgW="1422400" imgH="419100" progId="Equation.3">
                   <p:embed/>
                 </p:oleObj>
               </mc:Choice>
@@ -11218,14 +13849,14 @@
   <p:clrMapOvr>
     <a:masterClrMapping/>
   </p:clrMapOvr>
-  <mc:AlternateContent xmlns:mc="http://schemas.openxmlformats.org/markup-compatibility/2006" xmlns:p14="http://schemas.microsoft.com/office/powerpoint/2010/main">
-    <mc:Choice Requires="p14">
-      <p:transition spd="med" p14:dur="700" advTm="33839">
+  <mc:AlternateContent xmlns:mc="http://schemas.openxmlformats.org/markup-compatibility/2006">
+    <mc:Choice xmlns:p14="http://schemas.microsoft.com/office/powerpoint/2010/main" Requires="p14">
+      <p:transition spd="med" p14:dur="700">
         <p:fade/>
       </p:transition>
     </mc:Choice>
-    <mc:Fallback xmlns="">
-      <p:transition xmlns:p14="http://schemas.microsoft.com/office/powerpoint/2010/main" spd="med" advTm="33839">
+    <mc:Fallback>
+      <p:transition xmlns:p14="http://schemas.microsoft.com/office/powerpoint/2010/main" spd="med">
         <p:fade/>
       </p:transition>
     </mc:Fallback>
@@ -11385,386 +14016,6 @@
 </p:sld>
 </file>
 
-<file path=ppt/slides/slide2.xml><?xml version="1.0" encoding="utf-8"?>
-<p:sld xmlns:a="http://schemas.openxmlformats.org/drawingml/2006/main" xmlns:r="http://schemas.openxmlformats.org/officeDocument/2006/relationships" xmlns:p="http://schemas.openxmlformats.org/presentationml/2006/main">
-  <p:cSld>
-    <p:spTree>
-      <p:nvGrpSpPr>
-        <p:cNvPr id="1" name=""/>
-        <p:cNvGrpSpPr/>
-        <p:nvPr/>
-      </p:nvGrpSpPr>
-      <p:grpSpPr>
-        <a:xfrm>
-          <a:off x="0" y="0"/>
-          <a:ext cx="0" cy="0"/>
-          <a:chOff x="0" y="0"/>
-          <a:chExt cx="0" cy="0"/>
-        </a:xfrm>
-      </p:grpSpPr>
-      <p:sp>
-        <p:nvSpPr>
-          <p:cNvPr id="55298" name="Rectangle 2"/>
-          <p:cNvSpPr>
-            <a:spLocks noGrp="1" noChangeArrowheads="1"/>
-          </p:cNvSpPr>
-          <p:nvPr>
-            <p:ph type="title"/>
-          </p:nvPr>
-        </p:nvSpPr>
-        <p:spPr/>
-        <p:txBody>
-          <a:bodyPr/>
-          <a:lstStyle/>
-          <a:p>
-            <a:pPr eaLnBrk="1" hangingPunct="1"/>
-            <a:r>
-              <a:rPr lang="en-US" sz="3200" smtClean="0"/>
-              <a:t>Book Stacking</a:t>
-            </a:r>
-          </a:p>
-        </p:txBody>
-      </p:sp>
-      <p:sp>
-        <p:nvSpPr>
-          <p:cNvPr id="55299" name="Rectangle 7"/>
-          <p:cNvSpPr>
-            <a:spLocks noChangeArrowheads="1"/>
-          </p:cNvSpPr>
-          <p:nvPr/>
-        </p:nvSpPr>
-        <p:spPr bwMode="auto">
-          <a:xfrm>
-            <a:off x="2286000" y="4572000"/>
-            <a:ext cx="2903538" cy="450850"/>
-          </a:xfrm>
-          <a:prstGeom prst="rect">
-            <a:avLst/>
-          </a:prstGeom>
-          <a:solidFill>
-            <a:schemeClr val="folHlink"/>
-          </a:solidFill>
-          <a:ln w="9525">
-            <a:solidFill>
-              <a:schemeClr val="tx1"/>
-            </a:solidFill>
-            <a:miter lim="800000"/>
-            <a:headEnd/>
-            <a:tailEnd type="none" w="lg" len="lg"/>
-          </a:ln>
-        </p:spPr>
-        <p:txBody>
-          <a:bodyPr wrap="none" anchor="ctr"/>
-          <a:lstStyle/>
-          <a:p>
-            <a:pPr eaLnBrk="0" hangingPunct="0"/>
-            <a:endParaRPr lang="en-US" sz="2400"/>
-          </a:p>
-        </p:txBody>
-      </p:sp>
-      <p:sp>
-        <p:nvSpPr>
-          <p:cNvPr id="55300" name="Rectangle 20"/>
-          <p:cNvSpPr>
-            <a:spLocks noChangeArrowheads="1"/>
-          </p:cNvSpPr>
-          <p:nvPr/>
-        </p:nvSpPr>
-        <p:spPr bwMode="auto">
-          <a:xfrm>
-            <a:off x="0" y="5029200"/>
-            <a:ext cx="4572000" cy="1828800"/>
-          </a:xfrm>
-          <a:prstGeom prst="rect">
-            <a:avLst/>
-          </a:prstGeom>
-          <a:solidFill>
-            <a:srgbClr val="FFCC99"/>
-          </a:solidFill>
-          <a:ln w="9525">
-            <a:solidFill>
-              <a:schemeClr val="tx1"/>
-            </a:solidFill>
-            <a:miter lim="800000"/>
-            <a:headEnd/>
-            <a:tailEnd/>
-          </a:ln>
-        </p:spPr>
-        <p:txBody>
-          <a:bodyPr wrap="none" anchor="ctr"/>
-          <a:lstStyle/>
-          <a:p>
-            <a:pPr eaLnBrk="0" hangingPunct="0"/>
-            <a:endParaRPr lang="en-US"/>
-          </a:p>
-        </p:txBody>
-      </p:sp>
-      <p:sp>
-        <p:nvSpPr>
-          <p:cNvPr id="55301" name="Rectangle 21"/>
-          <p:cNvSpPr>
-            <a:spLocks noChangeArrowheads="1"/>
-          </p:cNvSpPr>
-          <p:nvPr/>
-        </p:nvSpPr>
-        <p:spPr bwMode="auto">
-          <a:xfrm>
-            <a:off x="2819400" y="4114800"/>
-            <a:ext cx="2903538" cy="450850"/>
-          </a:xfrm>
-          <a:prstGeom prst="rect">
-            <a:avLst/>
-          </a:prstGeom>
-          <a:solidFill>
-            <a:schemeClr val="folHlink"/>
-          </a:solidFill>
-          <a:ln w="9525">
-            <a:solidFill>
-              <a:schemeClr val="tx1"/>
-            </a:solidFill>
-            <a:miter lim="800000"/>
-            <a:headEnd/>
-            <a:tailEnd type="none" w="lg" len="lg"/>
-          </a:ln>
-        </p:spPr>
-        <p:txBody>
-          <a:bodyPr wrap="none" anchor="ctr"/>
-          <a:lstStyle/>
-          <a:p>
-            <a:pPr eaLnBrk="0" hangingPunct="0"/>
-            <a:endParaRPr lang="en-US" sz="2400"/>
-          </a:p>
-        </p:txBody>
-      </p:sp>
-      <p:sp>
-        <p:nvSpPr>
-          <p:cNvPr id="55302" name="Rectangle 22"/>
-          <p:cNvSpPr>
-            <a:spLocks noChangeArrowheads="1"/>
-          </p:cNvSpPr>
-          <p:nvPr/>
-        </p:nvSpPr>
-        <p:spPr bwMode="auto">
-          <a:xfrm>
-            <a:off x="4343400" y="3657600"/>
-            <a:ext cx="2903538" cy="450850"/>
-          </a:xfrm>
-          <a:prstGeom prst="rect">
-            <a:avLst/>
-          </a:prstGeom>
-          <a:solidFill>
-            <a:schemeClr val="folHlink"/>
-          </a:solidFill>
-          <a:ln w="9525">
-            <a:solidFill>
-              <a:schemeClr val="tx1"/>
-            </a:solidFill>
-            <a:miter lim="800000"/>
-            <a:headEnd/>
-            <a:tailEnd type="none" w="lg" len="lg"/>
-          </a:ln>
-        </p:spPr>
-        <p:txBody>
-          <a:bodyPr wrap="none" anchor="ctr"/>
-          <a:lstStyle/>
-          <a:p>
-            <a:pPr eaLnBrk="0" hangingPunct="0"/>
-            <a:endParaRPr lang="en-US" sz="2400"/>
-          </a:p>
-        </p:txBody>
-      </p:sp>
-      <p:sp>
-        <p:nvSpPr>
-          <p:cNvPr id="55303" name="Rectangle 23"/>
-          <p:cNvSpPr>
-            <a:spLocks noChangeArrowheads="1"/>
-          </p:cNvSpPr>
-          <p:nvPr/>
-        </p:nvSpPr>
-        <p:spPr bwMode="auto">
-          <a:xfrm>
-            <a:off x="3733800" y="3203575"/>
-            <a:ext cx="2903538" cy="450850"/>
-          </a:xfrm>
-          <a:prstGeom prst="rect">
-            <a:avLst/>
-          </a:prstGeom>
-          <a:solidFill>
-            <a:schemeClr val="folHlink"/>
-          </a:solidFill>
-          <a:ln w="9525">
-            <a:solidFill>
-              <a:schemeClr val="tx1"/>
-            </a:solidFill>
-            <a:miter lim="800000"/>
-            <a:headEnd/>
-            <a:tailEnd type="none" w="lg" len="lg"/>
-          </a:ln>
-        </p:spPr>
-        <p:txBody>
-          <a:bodyPr wrap="none" anchor="ctr"/>
-          <a:lstStyle/>
-          <a:p>
-            <a:pPr eaLnBrk="0" hangingPunct="0"/>
-            <a:endParaRPr lang="en-US" sz="2400"/>
-          </a:p>
-        </p:txBody>
-      </p:sp>
-      <p:sp>
-        <p:nvSpPr>
-          <p:cNvPr id="55304" name="Rectangle 24"/>
-          <p:cNvSpPr>
-            <a:spLocks noChangeArrowheads="1"/>
-          </p:cNvSpPr>
-          <p:nvPr/>
-        </p:nvSpPr>
-        <p:spPr bwMode="auto">
-          <a:xfrm>
-            <a:off x="3119438" y="2743200"/>
-            <a:ext cx="2903537" cy="450850"/>
-          </a:xfrm>
-          <a:prstGeom prst="rect">
-            <a:avLst/>
-          </a:prstGeom>
-          <a:solidFill>
-            <a:schemeClr val="folHlink"/>
-          </a:solidFill>
-          <a:ln w="9525">
-            <a:solidFill>
-              <a:schemeClr val="tx1"/>
-            </a:solidFill>
-            <a:miter lim="800000"/>
-            <a:headEnd/>
-            <a:tailEnd type="none" w="lg" len="lg"/>
-          </a:ln>
-        </p:spPr>
-        <p:txBody>
-          <a:bodyPr wrap="none" anchor="ctr"/>
-          <a:lstStyle/>
-          <a:p>
-            <a:pPr eaLnBrk="0" hangingPunct="0"/>
-            <a:endParaRPr lang="en-US" sz="2400"/>
-          </a:p>
-        </p:txBody>
-      </p:sp>
-      <p:sp>
-        <p:nvSpPr>
-          <p:cNvPr id="55305" name="Rectangle 25"/>
-          <p:cNvSpPr>
-            <a:spLocks noChangeArrowheads="1"/>
-          </p:cNvSpPr>
-          <p:nvPr/>
-        </p:nvSpPr>
-        <p:spPr bwMode="auto">
-          <a:xfrm>
-            <a:off x="4953000" y="2286000"/>
-            <a:ext cx="2903538" cy="450850"/>
-          </a:xfrm>
-          <a:prstGeom prst="rect">
-            <a:avLst/>
-          </a:prstGeom>
-          <a:solidFill>
-            <a:schemeClr val="folHlink"/>
-          </a:solidFill>
-          <a:ln w="9525">
-            <a:solidFill>
-              <a:schemeClr val="tx1"/>
-            </a:solidFill>
-            <a:miter lim="800000"/>
-            <a:headEnd/>
-            <a:tailEnd type="none" w="lg" len="lg"/>
-          </a:ln>
-        </p:spPr>
-        <p:txBody>
-          <a:bodyPr wrap="none" anchor="ctr"/>
-          <a:lstStyle/>
-          <a:p>
-            <a:pPr eaLnBrk="0" hangingPunct="0"/>
-            <a:endParaRPr lang="en-US" sz="2400"/>
-          </a:p>
-        </p:txBody>
-      </p:sp>
-      <p:sp>
-        <p:nvSpPr>
-          <p:cNvPr id="55306" name="Text Box 34"/>
-          <p:cNvSpPr txBox="1">
-            <a:spLocks noChangeArrowheads="1"/>
-          </p:cNvSpPr>
-          <p:nvPr/>
-        </p:nvSpPr>
-        <p:spPr bwMode="auto">
-          <a:xfrm>
-            <a:off x="1447800" y="5565775"/>
-            <a:ext cx="1403350" cy="701675"/>
-          </a:xfrm>
-          <a:prstGeom prst="rect">
-            <a:avLst/>
-          </a:prstGeom>
-          <a:noFill/>
-          <a:ln w="9525">
-            <a:noFill/>
-            <a:miter lim="800000"/>
-            <a:headEnd/>
-            <a:tailEnd type="none" w="lg" len="lg"/>
-          </a:ln>
-        </p:spPr>
-        <p:txBody>
-          <a:bodyPr wrap="none">
-            <a:spAutoFit/>
-          </a:bodyPr>
-          <a:lstStyle/>
-          <a:p>
-            <a:r>
-              <a:rPr lang="en-US" sz="4000">
-                <a:latin typeface="Comic Sans MS" pitchFamily="66" charset="0"/>
-              </a:rPr>
-              <a:t>table</a:t>
-            </a:r>
-          </a:p>
-        </p:txBody>
-      </p:sp>
-      <p:pic>
-        <p:nvPicPr>
-          <p:cNvPr id="14" name="Picture 13" descr="license.img"/>
-          <p:cNvPicPr>
-            <a:picLocks/>
-          </p:cNvPicPr>
-          <p:nvPr/>
-        </p:nvPicPr>
-        <p:blipFill>
-          <a:blip r:embed="rId3"/>
-          <a:stretch>
-            <a:fillRect/>
-          </a:stretch>
-        </p:blipFill>
-        <p:spPr>
-          <a:xfrm>
-            <a:off x="38415" y="6553200"/>
-            <a:ext cx="875985" cy="290315"/>
-          </a:xfrm>
-          <a:prstGeom prst="rect">
-            <a:avLst/>
-          </a:prstGeom>
-        </p:spPr>
-      </p:pic>
-    </p:spTree>
-  </p:cSld>
-  <p:clrMapOvr>
-    <a:masterClrMapping/>
-  </p:clrMapOvr>
-  <p:transition xmlns:p14="http://schemas.microsoft.com/office/powerpoint/2010/main" advTm="32983">
-    <p:fade thruBlk="1"/>
-  </p:transition>
-  <p:timing>
-    <p:tnLst>
-      <p:par>
-        <p:cTn xmlns:p14="http://schemas.microsoft.com/office/powerpoint/2010/main" id="1" dur="indefinite" restart="never" nodeType="tmRoot"/>
-      </p:par>
-    </p:tnLst>
-  </p:timing>
-</p:sld>
-</file>
-
 <file path=ppt/slides/slide3.xml><?xml version="1.0" encoding="utf-8"?>
 <p:sld xmlns:a="http://schemas.openxmlformats.org/drawingml/2006/main" xmlns:r="http://schemas.openxmlformats.org/officeDocument/2006/relationships" xmlns:p="http://schemas.openxmlformats.org/presentationml/2006/main">
   <p:cSld>
@@ -12260,8 +14511,8 @@
         </p:nvSpPr>
         <p:spPr bwMode="auto">
           <a:xfrm>
-            <a:off x="5410200" y="5492750"/>
-            <a:ext cx="1989138" cy="609600"/>
+            <a:off x="4724400" y="5492750"/>
+            <a:ext cx="2760191" cy="830997"/>
           </a:xfrm>
           <a:prstGeom prst="rect">
             <a:avLst/>
@@ -12282,7 +14533,10 @@
           <a:p>
             <a:pPr eaLnBrk="0" hangingPunct="0"/>
             <a:r>
-              <a:rPr lang="en-US" sz="3400">
+              <a:rPr lang="en-US" sz="4800" dirty="0">
+                <a:solidFill>
+                  <a:srgbClr val="96007D"/>
+                </a:solidFill>
                 <a:latin typeface="Comic Sans MS" pitchFamily="66" charset="0"/>
               </a:rPr>
               <a:t>overhang</a:t>
@@ -12319,14 +14573,14 @@
   <p:clrMapOvr>
     <a:masterClrMapping/>
   </p:clrMapOvr>
-  <mc:AlternateContent xmlns:mc="http://schemas.openxmlformats.org/markup-compatibility/2006" xmlns:p14="http://schemas.microsoft.com/office/powerpoint/2010/main">
-    <mc:Choice Requires="p14">
-      <p:transition spd="med" p14:dur="700" advTm="19802">
+  <mc:AlternateContent xmlns:mc="http://schemas.openxmlformats.org/markup-compatibility/2006">
+    <mc:Choice xmlns:p14="http://schemas.microsoft.com/office/powerpoint/2010/main" Requires="p14">
+      <p:transition spd="med" p14:dur="700">
         <p:fade/>
       </p:transition>
     </mc:Choice>
-    <mc:Fallback xmlns="">
-      <p:transition xmlns:p14="http://schemas.microsoft.com/office/powerpoint/2010/main" spd="med" advTm="19802">
+    <mc:Fallback>
+      <p:transition xmlns:p14="http://schemas.microsoft.com/office/powerpoint/2010/main" spd="med">
         <p:fade/>
       </p:transition>
     </mc:Fallback>
@@ -12862,14 +15116,14 @@
   <p:clrMapOvr>
     <a:masterClrMapping/>
   </p:clrMapOvr>
-  <mc:AlternateContent xmlns:mc="http://schemas.openxmlformats.org/markup-compatibility/2006" xmlns:p14="http://schemas.microsoft.com/office/powerpoint/2010/main">
-    <mc:Choice Requires="p14">
-      <p:transition spd="med" p14:dur="700" advTm="11870">
+  <mc:AlternateContent xmlns:mc="http://schemas.openxmlformats.org/markup-compatibility/2006">
+    <mc:Choice xmlns:p14="http://schemas.microsoft.com/office/powerpoint/2010/main" Requires="p14">
+      <p:transition spd="med" p14:dur="700">
         <p:fade/>
       </p:transition>
     </mc:Choice>
-    <mc:Fallback xmlns="">
-      <p:transition xmlns:p14="http://schemas.microsoft.com/office/powerpoint/2010/main" spd="med" advTm="11870">
+    <mc:Fallback>
+      <p:transition xmlns:p14="http://schemas.microsoft.com/office/powerpoint/2010/main" spd="med">
         <p:fade/>
       </p:transition>
     </mc:Fallback>
@@ -13405,9 +15659,18 @@
   <p:clrMapOvr>
     <a:masterClrMapping/>
   </p:clrMapOvr>
-  <p:transition xmlns:p14="http://schemas.microsoft.com/office/powerpoint/2010/main" advTm="1982">
-    <p:fade/>
-  </p:transition>
+  <mc:AlternateContent xmlns:mc="http://schemas.openxmlformats.org/markup-compatibility/2006">
+    <mc:Choice xmlns:p14="http://schemas.microsoft.com/office/powerpoint/2010/main" Requires="p14">
+      <p:transition spd="med" p14:dur="700">
+        <p:fade/>
+      </p:transition>
+    </mc:Choice>
+    <mc:Fallback>
+      <p:transition xmlns:p14="http://schemas.microsoft.com/office/powerpoint/2010/main" spd="med">
+        <p:fade/>
+      </p:transition>
+    </mc:Fallback>
+  </mc:AlternateContent>
   <p:timing>
     <p:tnLst>
       <p:par>
@@ -14300,7 +16563,7 @@
           <p:nvPr/>
         </p:nvPicPr>
         <p:blipFill>
-          <a:blip r:embed="rId3"/>
+          <a:blip r:embed="rId4"/>
           <a:stretch>
             <a:fillRect/>
           </a:stretch>
@@ -14315,19 +16578,122 @@
           </a:prstGeom>
         </p:spPr>
       </p:pic>
+      <p:sp>
+        <p:nvSpPr>
+          <p:cNvPr id="2" name="TextBox 1"/>
+          <p:cNvSpPr txBox="1"/>
+          <p:nvPr/>
+        </p:nvSpPr>
+        <p:spPr>
+          <a:xfrm>
+            <a:off x="4673978" y="4800600"/>
+            <a:ext cx="4436155" cy="769441"/>
+          </a:xfrm>
+          <a:prstGeom prst="rect">
+            <a:avLst/>
+          </a:prstGeom>
+          <a:noFill/>
+        </p:spPr>
+        <p:txBody>
+          <a:bodyPr wrap="none" rtlCol="0">
+            <a:spAutoFit/>
+          </a:bodyPr>
+          <a:lstStyle/>
+          <a:p>
+            <a:r>
+              <a:rPr lang="en-US" sz="4400" dirty="0" smtClean="0">
+                <a:solidFill>
+                  <a:srgbClr val="0000FF"/>
+                </a:solidFill>
+                <a:latin typeface="Comic Sans MS"/>
+                <a:cs typeface="Comic Sans MS"/>
+              </a:rPr>
+              <a:t>1-book overhang</a:t>
+            </a:r>
+            <a:r>
+              <a:rPr lang="en-US" sz="4400" dirty="0" smtClean="0">
+                <a:latin typeface="Comic Sans MS"/>
+                <a:cs typeface="Comic Sans MS"/>
+              </a:rPr>
+              <a:t> </a:t>
+            </a:r>
+            <a:endParaRPr lang="en-US" sz="4400" dirty="0">
+              <a:latin typeface="Comic Sans MS"/>
+              <a:cs typeface="Comic Sans MS"/>
+            </a:endParaRPr>
+          </a:p>
+        </p:txBody>
+      </p:sp>
+      <p:graphicFrame>
+        <p:nvGraphicFramePr>
+          <p:cNvPr id="3" name="Object 2"/>
+          <p:cNvGraphicFramePr>
+            <a:graphicFrameLocks noChangeAspect="1"/>
+          </p:cNvGraphicFramePr>
+          <p:nvPr>
+            <p:extLst>
+              <p:ext uri="{D42A27DB-BD31-4B8C-83A1-F6EECF244321}">
+                <p14:modId xmlns:p14="http://schemas.microsoft.com/office/powerpoint/2010/main" val="1772384831"/>
+              </p:ext>
+            </p:extLst>
+          </p:nvPr>
+        </p:nvGraphicFramePr>
+        <p:xfrm>
+          <a:off x="6172200" y="5257800"/>
+          <a:ext cx="889000" cy="1430130"/>
+        </p:xfrm>
+        <a:graphic>
+          <a:graphicData uri="http://schemas.openxmlformats.org/presentationml/2006/ole">
+            <mc:AlternateContent xmlns:mc="http://schemas.openxmlformats.org/markup-compatibility/2006">
+              <mc:Choice xmlns:v="urn:schemas-microsoft-com:vml" Requires="v">
+                <p:oleObj spid="_x0000_s17417" name="Equation" r:id="rId5" imgW="292100" imgH="469900" progId="Equation.DSMT4">
+                  <p:embed/>
+                </p:oleObj>
+              </mc:Choice>
+              <mc:Fallback>
+                <p:oleObj name="Equation" r:id="rId5" imgW="292100" imgH="469900" progId="Equation.DSMT4">
+                  <p:embed/>
+                  <p:pic>
+                    <p:nvPicPr>
+                      <p:cNvPr id="0" name=""/>
+                      <p:cNvPicPr/>
+                      <p:nvPr/>
+                    </p:nvPicPr>
+                    <p:blipFill>
+                      <a:blip r:embed="rId6"/>
+                      <a:stretch>
+                        <a:fillRect/>
+                      </a:stretch>
+                    </p:blipFill>
+                    <p:spPr>
+                      <a:xfrm>
+                        <a:off x="6172200" y="5257800"/>
+                        <a:ext cx="889000" cy="1430130"/>
+                      </a:xfrm>
+                      <a:prstGeom prst="rect">
+                        <a:avLst/>
+                      </a:prstGeom>
+                    </p:spPr>
+                  </p:pic>
+                </p:oleObj>
+              </mc:Fallback>
+            </mc:AlternateContent>
+          </a:graphicData>
+        </a:graphic>
+      </p:graphicFrame>
     </p:spTree>
   </p:cSld>
   <p:clrMapOvr>
     <a:masterClrMapping/>
   </p:clrMapOvr>
-  <mc:AlternateContent xmlns:mc="http://schemas.openxmlformats.org/markup-compatibility/2006" xmlns:p14="http://schemas.microsoft.com/office/powerpoint/2010/main">
-    <mc:Choice Requires="p14">
-      <p:transition spd="med" p14:dur="700" advTm="21175">
+  <mc:AlternateContent xmlns:mc="http://schemas.openxmlformats.org/markup-compatibility/2006">
+    <mc:Choice xmlns:p14="http://schemas.microsoft.com/office/powerpoint/2010/main" Requires="p14">
+      <p:transition spd="med" p14:dur="700">
         <p:fade/>
       </p:transition>
     </mc:Choice>
-    <mc:Fallback xmlns="">
-      <p:transition xmlns:p14="http://schemas.microsoft.com/office/powerpoint/2010/main" spd="med" advTm="21175">
+    <mc:Fallback>
+      <p:transition xmlns:p14="http://schemas.microsoft.com/office/powerpoint/2010/main" spd="med">
         <p:fade/>
       </p:transition>
     </mc:Fallback>
@@ -14393,6 +16759,103 @@
                       </p:childTnLst>
                     </p:cTn>
                   </p:par>
+                  <p:par>
+                    <p:cTn id="8" fill="hold">
+                      <p:stCondLst>
+                        <p:cond delay="indefinite"/>
+                      </p:stCondLst>
+                      <p:childTnLst>
+                        <p:par>
+                          <p:cTn id="9" fill="hold">
+                            <p:stCondLst>
+                              <p:cond delay="0"/>
+                            </p:stCondLst>
+                            <p:childTnLst>
+                              <p:par>
+                                <p:cTn id="10" presetID="9" presetClass="entr" presetSubtype="0" fill="hold" grpId="0" nodeType="clickEffect">
+                                  <p:stCondLst>
+                                    <p:cond delay="0"/>
+                                  </p:stCondLst>
+                                  <p:childTnLst>
+                                    <p:set>
+                                      <p:cBhvr>
+                                        <p:cTn id="11" dur="1" fill="hold">
+                                          <p:stCondLst>
+                                            <p:cond delay="0"/>
+                                          </p:stCondLst>
+                                        </p:cTn>
+                                        <p:tgtEl>
+                                          <p:spTgt spid="2"/>
+                                        </p:tgtEl>
+                                        <p:attrNameLst>
+                                          <p:attrName>style.visibility</p:attrName>
+                                        </p:attrNameLst>
+                                      </p:cBhvr>
+                                      <p:to>
+                                        <p:strVal val="visible"/>
+                                      </p:to>
+                                    </p:set>
+                                    <p:animEffect transition="in" filter="dissolve">
+                                      <p:cBhvr>
+                                        <p:cTn id="12" dur="500"/>
+                                        <p:tgtEl>
+                                          <p:spTgt spid="2"/>
+                                        </p:tgtEl>
+                                      </p:cBhvr>
+                                    </p:animEffect>
+                                  </p:childTnLst>
+                                </p:cTn>
+                              </p:par>
+                            </p:childTnLst>
+                          </p:cTn>
+                        </p:par>
+                        <p:par>
+                          <p:cTn id="13" fill="hold">
+                            <p:stCondLst>
+                              <p:cond delay="500"/>
+                            </p:stCondLst>
+                            <p:childTnLst>
+                              <p:par>
+                                <p:cTn id="14" presetID="9" presetClass="entr" presetSubtype="0" fill="hold" nodeType="afterEffect">
+                                  <p:stCondLst>
+                                    <p:cond delay="0"/>
+                                  </p:stCondLst>
+                                  <p:childTnLst>
+                                    <p:set>
+                                      <p:cBhvr>
+                                        <p:cTn id="15" dur="1" fill="hold">
+                                          <p:stCondLst>
+                                            <p:cond delay="0"/>
+                                          </p:stCondLst>
+                                        </p:cTn>
+                                        <p:tgtEl>
+                                          <p:spTgt spid="3"/>
+                                        </p:tgtEl>
+                                        <p:attrNameLst>
+                                          <p:attrName>style.visibility</p:attrName>
+                                        </p:attrNameLst>
+                                      </p:cBhvr>
+                                      <p:to>
+                                        <p:strVal val="visible"/>
+                                      </p:to>
+                                    </p:set>
+                                    <p:animEffect transition="in" filter="dissolve">
+                                      <p:cBhvr>
+                                        <p:cTn id="16" dur="500"/>
+                                        <p:tgtEl>
+                                          <p:spTgt spid="3"/>
+                                        </p:tgtEl>
+                                      </p:cBhvr>
+                                    </p:animEffect>
+                                  </p:childTnLst>
+                                </p:cTn>
+                              </p:par>
+                            </p:childTnLst>
+                          </p:cTn>
+                        </p:par>
+                      </p:childTnLst>
+                    </p:cTn>
+                  </p:par>
                 </p:childTnLst>
               </p:cTn>
               <p:prevCondLst>
@@ -14416,6 +16879,7 @@
     </p:tnLst>
     <p:bldLst>
       <p:bldP spid="19" grpId="1" animBg="1"/>
+      <p:bldP spid="2" grpId="0"/>
     </p:bldLst>
   </p:timing>
 </p:sld>
@@ -14916,15 +17380,15 @@
   <p:clrMapOvr>
     <a:masterClrMapping/>
   </p:clrMapOvr>
-  <mc:AlternateContent xmlns:mc="http://schemas.openxmlformats.org/markup-compatibility/2006" xmlns:p14="http://schemas.microsoft.com/office/powerpoint/2010/main">
-    <mc:Choice Requires="p14">
-      <p:transition spd="med" p14:dur="600" advTm="32888">
-        <p:fade thruBlk="1"/>
+  <mc:AlternateContent xmlns:mc="http://schemas.openxmlformats.org/markup-compatibility/2006">
+    <mc:Choice xmlns:p14="http://schemas.microsoft.com/office/powerpoint/2010/main" Requires="p14">
+      <p:transition spd="med" p14:dur="700">
+        <p:fade/>
       </p:transition>
     </mc:Choice>
-    <mc:Fallback xmlns="">
-      <p:transition xmlns:p14="http://schemas.microsoft.com/office/powerpoint/2010/main" spd="med" advTm="32888">
-        <p:fade thruBlk="1"/>
+    <mc:Fallback>
+      <p:transition xmlns:p14="http://schemas.microsoft.com/office/powerpoint/2010/main" spd="med">
+        <p:fade/>
       </p:transition>
     </mc:Fallback>
   </mc:AlternateContent>
@@ -15633,14 +18097,14 @@
   <p:clrMapOvr>
     <a:masterClrMapping/>
   </p:clrMapOvr>
-  <mc:AlternateContent xmlns:mc="http://schemas.openxmlformats.org/markup-compatibility/2006" xmlns:p14="http://schemas.microsoft.com/office/powerpoint/2010/main">
-    <mc:Choice Requires="p14">
-      <p:transition spd="med" p14:dur="700" advTm="8686">
+  <mc:AlternateContent xmlns:mc="http://schemas.openxmlformats.org/markup-compatibility/2006">
+    <mc:Choice xmlns:p14="http://schemas.microsoft.com/office/powerpoint/2010/main" Requires="p14">
+      <p:transition spd="med" p14:dur="700">
         <p:fade/>
       </p:transition>
     </mc:Choice>
-    <mc:Fallback xmlns="">
-      <p:transition xmlns:p14="http://schemas.microsoft.com/office/powerpoint/2010/main" spd="med" advTm="8686">
+    <mc:Fallback>
+      <p:transition xmlns:p14="http://schemas.microsoft.com/office/powerpoint/2010/main" spd="med">
         <p:fade/>
       </p:transition>
     </mc:Fallback>
@@ -16221,9 +18685,18 @@
   <p:clrMapOvr>
     <a:masterClrMapping/>
   </p:clrMapOvr>
-  <p:transition xmlns:p14="http://schemas.microsoft.com/office/powerpoint/2010/main" advTm="15651">
-    <p:fade/>
-  </p:transition>
+  <mc:AlternateContent xmlns:mc="http://schemas.openxmlformats.org/markup-compatibility/2006">
+    <mc:Choice xmlns:p14="http://schemas.microsoft.com/office/powerpoint/2010/main" Requires="p14">
+      <p:transition spd="med" p14:dur="700">
+        <p:fade/>
+      </p:transition>
+    </mc:Choice>
+    <mc:Fallback>
+      <p:transition xmlns:p14="http://schemas.microsoft.com/office/powerpoint/2010/main" spd="med">
+        <p:fade/>
+      </p:transition>
+    </mc:Fallback>
+  </mc:AlternateContent>
   <p:timing>
     <p:tnLst>
       <p:par>
@@ -16282,11 +18755,17 @@
 
 <file path=ppt/tags/tag6.xml><?xml version="1.0" encoding="utf-8"?>
 <p:tagLst xmlns:a="http://schemas.openxmlformats.org/drawingml/2006/main" xmlns:r="http://schemas.openxmlformats.org/officeDocument/2006/relationships" xmlns:p="http://schemas.openxmlformats.org/presentationml/2006/main">
+  <p:tag name="TIMING" val="|4|32.1|29.4"/>
+</p:tagLst>
+</file>
+
+<file path=ppt/tags/tag7.xml><?xml version="1.0" encoding="utf-8"?>
+<p:tagLst xmlns:a="http://schemas.openxmlformats.org/drawingml/2006/main" xmlns:r="http://schemas.openxmlformats.org/officeDocument/2006/relationships" xmlns:p="http://schemas.openxmlformats.org/presentationml/2006/main">
   <p:tag name="TIMING" val="|11.5|2.9|9.2"/>
 </p:tagLst>
 </file>
 
-<file path=ppt/tags/tag7.xml><?xml version="1.0" encoding="utf-8"?>
+<file path=ppt/tags/tag8.xml><?xml version="1.0" encoding="utf-8"?>
 <p:tagLst xmlns:a="http://schemas.openxmlformats.org/drawingml/2006/main" xmlns:r="http://schemas.openxmlformats.org/officeDocument/2006/relationships" xmlns:p="http://schemas.openxmlformats.org/presentationml/2006/main">
   <p:tag name="TIMING" val="|9.8|5.1"/>
 </p:tagLst>

--- a/spring12/slidesS12/book-stacking.pptx
+++ b/spring12/slidesS12/book-stacking.pptx
@@ -2716,13 +2716,13 @@
   <p:clrMapOvr>
     <a:masterClrMapping/>
   </p:clrMapOvr>
-  <mc:AlternateContent xmlns:mc="http://schemas.openxmlformats.org/markup-compatibility/2006">
-    <mc:Choice xmlns:p14="http://schemas.microsoft.com/office/powerpoint/2010/main" Requires="p14">
+  <mc:AlternateContent xmlns:mc="http://schemas.openxmlformats.org/markup-compatibility/2006" xmlns:p14="http://schemas.microsoft.com/office/powerpoint/2010/main">
+    <mc:Choice Requires="p14">
       <p:transition spd="med" p14:dur="700">
         <p:fade/>
       </p:transition>
     </mc:Choice>
-    <mc:Fallback>
+    <mc:Fallback xmlns="">
       <p:transition xmlns:p14="http://schemas.microsoft.com/office/powerpoint/2010/main" spd="med">
         <p:fade/>
       </p:transition>
@@ -2828,13 +2828,13 @@
   <p:clrMapOvr>
     <a:masterClrMapping/>
   </p:clrMapOvr>
-  <mc:AlternateContent xmlns:mc="http://schemas.openxmlformats.org/markup-compatibility/2006">
-    <mc:Choice xmlns:p14="http://schemas.microsoft.com/office/powerpoint/2010/main" Requires="p14">
+  <mc:AlternateContent xmlns:mc="http://schemas.openxmlformats.org/markup-compatibility/2006" xmlns:p14="http://schemas.microsoft.com/office/powerpoint/2010/main">
+    <mc:Choice Requires="p14">
       <p:transition spd="med" p14:dur="700">
         <p:fade/>
       </p:transition>
     </mc:Choice>
-    <mc:Fallback>
+    <mc:Fallback xmlns="">
       <p:transition xmlns:p14="http://schemas.microsoft.com/office/powerpoint/2010/main" spd="med">
         <p:fade/>
       </p:transition>
@@ -2962,13 +2962,13 @@
   <p:clrMapOvr>
     <a:masterClrMapping/>
   </p:clrMapOvr>
-  <mc:AlternateContent xmlns:mc="http://schemas.openxmlformats.org/markup-compatibility/2006">
-    <mc:Choice xmlns:p14="http://schemas.microsoft.com/office/powerpoint/2010/main" Requires="p14">
+  <mc:AlternateContent xmlns:mc="http://schemas.openxmlformats.org/markup-compatibility/2006" xmlns:p14="http://schemas.microsoft.com/office/powerpoint/2010/main">
+    <mc:Choice Requires="p14">
       <p:transition spd="med" p14:dur="700">
         <p:fade/>
       </p:transition>
     </mc:Choice>
-    <mc:Fallback>
+    <mc:Fallback xmlns="">
       <p:transition xmlns:p14="http://schemas.microsoft.com/office/powerpoint/2010/main" spd="med">
         <p:fade/>
       </p:transition>
@@ -3022,13 +3022,13 @@
   <p:clrMapOvr>
     <a:masterClrMapping/>
   </p:clrMapOvr>
-  <mc:AlternateContent xmlns:mc="http://schemas.openxmlformats.org/markup-compatibility/2006">
-    <mc:Choice xmlns:p14="http://schemas.microsoft.com/office/powerpoint/2010/main" Requires="p14">
+  <mc:AlternateContent xmlns:mc="http://schemas.openxmlformats.org/markup-compatibility/2006" xmlns:p14="http://schemas.microsoft.com/office/powerpoint/2010/main">
+    <mc:Choice Requires="p14">
       <p:transition spd="med" p14:dur="700">
         <p:fade/>
       </p:transition>
     </mc:Choice>
-    <mc:Fallback>
+    <mc:Fallback xmlns="">
       <p:transition xmlns:p14="http://schemas.microsoft.com/office/powerpoint/2010/main" spd="med">
         <p:fade/>
       </p:transition>
@@ -3059,13 +3059,13 @@
   <p:clrMapOvr>
     <a:masterClrMapping/>
   </p:clrMapOvr>
-  <mc:AlternateContent xmlns:mc="http://schemas.openxmlformats.org/markup-compatibility/2006">
-    <mc:Choice xmlns:p14="http://schemas.microsoft.com/office/powerpoint/2010/main" Requires="p14">
+  <mc:AlternateContent xmlns:mc="http://schemas.openxmlformats.org/markup-compatibility/2006" xmlns:p14="http://schemas.microsoft.com/office/powerpoint/2010/main">
+    <mc:Choice Requires="p14">
       <p:transition spd="med" p14:dur="700">
         <p:fade/>
       </p:transition>
     </mc:Choice>
-    <mc:Fallback>
+    <mc:Fallback xmlns="">
       <p:transition xmlns:p14="http://schemas.microsoft.com/office/powerpoint/2010/main" spd="med">
         <p:fade/>
       </p:transition>
@@ -3255,13 +3255,13 @@
   <p:clrMapOvr>
     <a:masterClrMapping/>
   </p:clrMapOvr>
-  <mc:AlternateContent xmlns:mc="http://schemas.openxmlformats.org/markup-compatibility/2006">
-    <mc:Choice xmlns:p14="http://schemas.microsoft.com/office/powerpoint/2010/main" Requires="p14">
+  <mc:AlternateContent xmlns:mc="http://schemas.openxmlformats.org/markup-compatibility/2006" xmlns:p14="http://schemas.microsoft.com/office/powerpoint/2010/main">
+    <mc:Choice Requires="p14">
       <p:transition spd="med" p14:dur="700">
         <p:fade/>
       </p:transition>
     </mc:Choice>
-    <mc:Fallback>
+    <mc:Fallback xmlns="">
       <p:transition xmlns:p14="http://schemas.microsoft.com/office/powerpoint/2010/main" spd="med">
         <p:fade/>
       </p:transition>
@@ -3320,13 +3320,13 @@
   <p:clrMapOvr>
     <a:masterClrMapping/>
   </p:clrMapOvr>
-  <mc:AlternateContent xmlns:mc="http://schemas.openxmlformats.org/markup-compatibility/2006">
-    <mc:Choice xmlns:p14="http://schemas.microsoft.com/office/powerpoint/2010/main" Requires="p14">
+  <mc:AlternateContent xmlns:mc="http://schemas.openxmlformats.org/markup-compatibility/2006" xmlns:p14="http://schemas.microsoft.com/office/powerpoint/2010/main">
+    <mc:Choice Requires="p14">
       <p:transition spd="med" p14:dur="700">
         <p:fade/>
       </p:transition>
     </mc:Choice>
-    <mc:Fallback>
+    <mc:Fallback xmlns="">
       <p:transition xmlns:p14="http://schemas.microsoft.com/office/powerpoint/2010/main" spd="med">
         <p:fade/>
       </p:transition>
@@ -3499,13 +3499,13 @@
   <p:clrMapOvr>
     <a:masterClrMapping/>
   </p:clrMapOvr>
-  <mc:AlternateContent xmlns:mc="http://schemas.openxmlformats.org/markup-compatibility/2006">
-    <mc:Choice xmlns:p14="http://schemas.microsoft.com/office/powerpoint/2010/main" Requires="p14">
+  <mc:AlternateContent xmlns:mc="http://schemas.openxmlformats.org/markup-compatibility/2006" xmlns:p14="http://schemas.microsoft.com/office/powerpoint/2010/main">
+    <mc:Choice Requires="p14">
       <p:transition spd="med" p14:dur="700">
         <p:fade/>
       </p:transition>
     </mc:Choice>
-    <mc:Fallback>
+    <mc:Fallback xmlns="">
       <p:transition xmlns:p14="http://schemas.microsoft.com/office/powerpoint/2010/main" spd="med">
         <p:fade/>
       </p:transition>
@@ -3593,13 +3593,13 @@
   <p:clrMapOvr>
     <a:masterClrMapping/>
   </p:clrMapOvr>
-  <mc:AlternateContent xmlns:mc="http://schemas.openxmlformats.org/markup-compatibility/2006">
-    <mc:Choice xmlns:p14="http://schemas.microsoft.com/office/powerpoint/2010/main" Requires="p14">
+  <mc:AlternateContent xmlns:mc="http://schemas.openxmlformats.org/markup-compatibility/2006" xmlns:p14="http://schemas.microsoft.com/office/powerpoint/2010/main">
+    <mc:Choice Requires="p14">
       <p:transition spd="med" p14:dur="700">
         <p:fade/>
       </p:transition>
     </mc:Choice>
-    <mc:Fallback>
+    <mc:Fallback xmlns="">
       <p:transition xmlns:p14="http://schemas.microsoft.com/office/powerpoint/2010/main" spd="med">
         <p:fade/>
       </p:transition>
@@ -3953,13 +3953,13 @@
     <p:sldLayoutId id="2147483903" r:id="rId8"/>
     <p:sldLayoutId id="2147483902" r:id="rId9"/>
   </p:sldLayoutIdLst>
-  <mc:AlternateContent xmlns:mc="http://schemas.openxmlformats.org/markup-compatibility/2006">
-    <mc:Choice xmlns:p14="http://schemas.microsoft.com/office/powerpoint/2010/main" Requires="p14">
+  <mc:AlternateContent xmlns:mc="http://schemas.openxmlformats.org/markup-compatibility/2006" xmlns:p14="http://schemas.microsoft.com/office/powerpoint/2010/main">
+    <mc:Choice Requires="p14">
       <p:transition spd="med" p14:dur="700">
         <p:fade/>
       </p:transition>
     </mc:Choice>
-    <mc:Fallback>
+    <mc:Fallback xmlns="">
       <p:transition xmlns:p14="http://schemas.microsoft.com/office/powerpoint/2010/main" spd="med">
         <p:fade/>
       </p:transition>
@@ -4485,13 +4485,13 @@
   <p:clrMapOvr>
     <a:masterClrMapping/>
   </p:clrMapOvr>
-  <mc:AlternateContent xmlns:mc="http://schemas.openxmlformats.org/markup-compatibility/2006">
-    <mc:Choice xmlns:p14="http://schemas.microsoft.com/office/powerpoint/2010/main" Requires="p14">
+  <mc:AlternateContent xmlns:mc="http://schemas.openxmlformats.org/markup-compatibility/2006" xmlns:p14="http://schemas.microsoft.com/office/powerpoint/2010/main">
+    <mc:Choice Requires="p14">
       <p:transition spd="med" p14:dur="700">
         <p:fade/>
       </p:transition>
     </mc:Choice>
-    <mc:Fallback>
+    <mc:Fallback xmlns="">
       <p:transition xmlns:p14="http://schemas.microsoft.com/office/powerpoint/2010/main" spd="med">
         <p:fade/>
       </p:transition>
@@ -5290,13 +5290,13 @@
   <p:clrMapOvr>
     <a:masterClrMapping/>
   </p:clrMapOvr>
-  <mc:AlternateContent xmlns:mc="http://schemas.openxmlformats.org/markup-compatibility/2006">
-    <mc:Choice xmlns:p14="http://schemas.microsoft.com/office/powerpoint/2010/main" Requires="p14">
+  <mc:AlternateContent xmlns:mc="http://schemas.openxmlformats.org/markup-compatibility/2006" xmlns:p14="http://schemas.microsoft.com/office/powerpoint/2010/main">
+    <mc:Choice Requires="p14">
       <p:transition spd="med" p14:dur="700">
         <p:fade/>
       </p:transition>
     </mc:Choice>
-    <mc:Fallback>
+    <mc:Fallback xmlns="">
       <p:transition xmlns:p14="http://schemas.microsoft.com/office/powerpoint/2010/main" spd="med">
         <p:fade/>
       </p:transition>
@@ -6279,7 +6279,7 @@
           <a:graphicData uri="http://schemas.openxmlformats.org/presentationml/2006/ole">
             <mc:AlternateContent xmlns:mc="http://schemas.openxmlformats.org/markup-compatibility/2006">
               <mc:Choice xmlns:v="urn:schemas-microsoft-com:vml" Requires="v">
-                <p:oleObj spid="_x0000_s10371" name="Equation" r:id="rId5" imgW="914400" imgH="179640" progId="Equation.DSMT4">
+                <p:oleObj spid="_x0000_s10378" name="Equation" r:id="rId5" imgW="914400" imgH="179640" progId="Equation.DSMT4">
                   <p:embed/>
                 </p:oleObj>
               </mc:Choice>
@@ -6509,7 +6509,7 @@
           <a:graphicData uri="http://schemas.openxmlformats.org/presentationml/2006/ole">
             <mc:AlternateContent xmlns:mc="http://schemas.openxmlformats.org/markup-compatibility/2006">
               <mc:Choice xmlns:v="urn:schemas-microsoft-com:vml" Requires="v">
-                <p:oleObj spid="_x0000_s10372" name="Equation" r:id="rId7" imgW="139700" imgH="406400" progId="Equation.DSMT4">
+                <p:oleObj spid="_x0000_s10379" name="Equation" r:id="rId7" imgW="139700" imgH="406400" progId="Equation.DSMT4">
                   <p:embed/>
                 </p:oleObj>
               </mc:Choice>
@@ -6595,13 +6595,13 @@
   <p:clrMapOvr>
     <a:masterClrMapping/>
   </p:clrMapOvr>
-  <mc:AlternateContent xmlns:mc="http://schemas.openxmlformats.org/markup-compatibility/2006">
-    <mc:Choice xmlns:p14="http://schemas.microsoft.com/office/powerpoint/2010/main" Requires="p14">
+  <mc:AlternateContent xmlns:mc="http://schemas.openxmlformats.org/markup-compatibility/2006" xmlns:p14="http://schemas.microsoft.com/office/powerpoint/2010/main">
+    <mc:Choice Requires="p14">
       <p:transition spd="med" p14:dur="700">
         <p:fade/>
       </p:transition>
     </mc:Choice>
-    <mc:Fallback>
+    <mc:Fallback xmlns="">
       <p:transition xmlns:p14="http://schemas.microsoft.com/office/powerpoint/2010/main" spd="med">
         <p:fade/>
       </p:transition>
@@ -7230,11 +7230,7 @@
             <a:pPr eaLnBrk="1" hangingPunct="1"/>
             <a:r>
               <a:rPr lang="en-US" sz="5400" dirty="0" smtClean="0"/>
-              <a:t>horizontal </a:t>
-            </a:r>
-            <a:r>
-              <a:rPr lang="en-US" sz="5400" dirty="0" smtClean="0"/>
-              <a:t>distance from</a:t>
+              <a:t>horizontal distance from</a:t>
             </a:r>
           </a:p>
           <a:p>
@@ -7357,13 +7353,13 @@
   <p:clrMapOvr>
     <a:masterClrMapping/>
   </p:clrMapOvr>
-  <mc:AlternateContent xmlns:mc="http://schemas.openxmlformats.org/markup-compatibility/2006">
-    <mc:Choice xmlns:p14="http://schemas.microsoft.com/office/powerpoint/2010/main" Requires="p14">
+  <mc:AlternateContent xmlns:mc="http://schemas.openxmlformats.org/markup-compatibility/2006" xmlns:p14="http://schemas.microsoft.com/office/powerpoint/2010/main">
+    <mc:Choice Requires="p14">
       <p:transition spd="med" p14:dur="700">
         <p:fade/>
       </p:transition>
     </mc:Choice>
-    <mc:Fallback>
+    <mc:Fallback xmlns="">
       <p:transition xmlns:p14="http://schemas.microsoft.com/office/powerpoint/2010/main" spd="med">
         <p:fade/>
       </p:transition>
@@ -7422,11 +7418,7 @@
             </a:pPr>
             <a:r>
               <a:rPr lang="en-US" sz="4000" dirty="0" smtClean="0"/>
-              <a:t>let</a:t>
-            </a:r>
-            <a:r>
-              <a:rPr lang="en-US" sz="4000" dirty="0" smtClean="0"/>
-              <a:t> bottom book center be </a:t>
+              <a:t>let bottom book center be </a:t>
             </a:r>
             <a:r>
               <a:rPr lang="en-US" sz="4000" dirty="0" smtClean="0">
@@ -7458,7 +7450,6 @@
               <a:rPr lang="en-US" sz="4000" dirty="0" smtClean="0"/>
               <a:t>,</a:t>
             </a:r>
-            <a:endParaRPr lang="en-US" sz="4000" dirty="0" smtClean="0"/>
           </a:p>
           <a:p>
             <a:pPr eaLnBrk="1" hangingPunct="1"/>
@@ -7480,11 +7471,7 @@
             </a:r>
             <a:r>
               <a:rPr lang="en-US" sz="4000" dirty="0" smtClean="0"/>
-              <a:t>stack </a:t>
-            </a:r>
-            <a:r>
-              <a:rPr lang="en-US" sz="4000" dirty="0" smtClean="0"/>
-              <a:t>is at </a:t>
+              <a:t>stack is at </a:t>
             </a:r>
             <a:r>
               <a:rPr lang="en-US" sz="4000" dirty="0" smtClean="0">
@@ -7525,11 +7512,7 @@
             </a:pPr>
             <a:r>
               <a:rPr lang="en-US" sz="4000" dirty="0" smtClean="0"/>
-              <a:t>Now </a:t>
-            </a:r>
-            <a:r>
-              <a:rPr lang="en-US" sz="4000" dirty="0" smtClean="0"/>
-              <a:t>center of </a:t>
+              <a:t>Now center of </a:t>
             </a:r>
             <a:r>
               <a:rPr lang="en-US" sz="4000" dirty="0" smtClean="0">
@@ -7568,7 +7551,7 @@
           <a:graphicData uri="http://schemas.openxmlformats.org/presentationml/2006/ole">
             <mc:AlternateContent xmlns:mc="http://schemas.openxmlformats.org/markup-compatibility/2006">
               <mc:Choice xmlns:v="urn:schemas-microsoft-com:vml" Requires="v">
-                <p:oleObj spid="_x0000_s12341" name="Equation" r:id="rId4" imgW="1968500" imgH="444500" progId="Equation.DSMT4">
+                <p:oleObj spid="_x0000_s12348" name="Equation" r:id="rId4" imgW="1968500" imgH="444500" progId="Equation.DSMT4">
                   <p:embed/>
                 </p:oleObj>
               </mc:Choice>
@@ -7698,7 +7681,7 @@
           <a:graphicData uri="http://schemas.openxmlformats.org/presentationml/2006/ole">
             <mc:AlternateContent xmlns:mc="http://schemas.openxmlformats.org/markup-compatibility/2006">
               <mc:Choice xmlns:v="urn:schemas-microsoft-com:vml" Requires="v">
-                <p:oleObj spid="_x0000_s12342" name="Equation" r:id="rId6" imgW="1765300" imgH="495300" progId="Equation.DSMT4">
+                <p:oleObj spid="_x0000_s12349" name="Equation" r:id="rId6" imgW="1765300" imgH="495300" progId="Equation.DSMT4">
                   <p:embed/>
                 </p:oleObj>
               </mc:Choice>
@@ -7738,13 +7721,13 @@
   <p:clrMapOvr>
     <a:masterClrMapping/>
   </p:clrMapOvr>
-  <mc:AlternateContent xmlns:mc="http://schemas.openxmlformats.org/markup-compatibility/2006">
-    <mc:Choice xmlns:p14="http://schemas.microsoft.com/office/powerpoint/2010/main" Requires="p14">
+  <mc:AlternateContent xmlns:mc="http://schemas.openxmlformats.org/markup-compatibility/2006" xmlns:p14="http://schemas.microsoft.com/office/powerpoint/2010/main">
+    <mc:Choice Requires="p14">
       <p:transition spd="med" p14:dur="700">
         <p:fade/>
       </p:transition>
     </mc:Choice>
-    <mc:Fallback>
+    <mc:Fallback xmlns="">
       <p:transition xmlns:p14="http://schemas.microsoft.com/office/powerpoint/2010/main" spd="med">
         <p:fade/>
       </p:transition>
@@ -8060,11 +8043,7 @@
             </a:pPr>
             <a:r>
               <a:rPr lang="en-US" sz="4400" dirty="0" smtClean="0"/>
-              <a:t>say center </a:t>
-            </a:r>
-            <a:r>
-              <a:rPr lang="en-US" sz="4400" dirty="0" smtClean="0"/>
-              <a:t>of n-stack at </a:t>
+              <a:t>say center of n-stack at </a:t>
             </a:r>
             <a:r>
               <a:rPr lang="en-US" sz="4400" dirty="0" smtClean="0">
@@ -8090,15 +8069,7 @@
                   <a:srgbClr val="0000FF"/>
                 </a:solidFill>
               </a:rPr>
-              <a:t> </a:t>
-            </a:r>
-            <a:r>
-              <a:rPr lang="en-US" sz="4400" dirty="0" smtClean="0">
-                <a:solidFill>
-                  <a:srgbClr val="0000FF"/>
-                </a:solidFill>
-              </a:rPr>
-              <a:t>0</a:t>
+              <a:t> 0</a:t>
             </a:r>
             <a:r>
               <a:rPr lang="en-US" sz="4400" dirty="0" smtClean="0"/>
@@ -8120,19 +8091,7 @@
             </a:pPr>
             <a:r>
               <a:rPr lang="en-US" sz="4400" dirty="0" smtClean="0"/>
-              <a:t>center </a:t>
-            </a:r>
-            <a:r>
-              <a:rPr lang="en-US" sz="4400" dirty="0" smtClean="0"/>
-              <a:t>of </a:t>
-            </a:r>
-            <a:r>
-              <a:rPr lang="en-US" sz="4400" dirty="0" smtClean="0"/>
-              <a:t>bottom book </a:t>
-            </a:r>
-            <a:r>
-              <a:rPr lang="en-US" sz="4400" dirty="0" smtClean="0"/>
-              <a:t>at </a:t>
+              <a:t>center of bottom book at </a:t>
             </a:r>
             <a:r>
               <a:rPr lang="en-US" sz="4400" dirty="0" smtClean="0">
@@ -8196,7 +8155,7 @@
           <a:graphicData uri="http://schemas.openxmlformats.org/presentationml/2006/ole">
             <mc:AlternateContent xmlns:mc="http://schemas.openxmlformats.org/markup-compatibility/2006">
               <mc:Choice xmlns:v="urn:schemas-microsoft-com:vml" Requires="v">
-                <p:oleObj spid="_x0000_s18442" name="Equation" r:id="rId4" imgW="2222500" imgH="444500" progId="Equation.DSMT4">
+                <p:oleObj spid="_x0000_s18446" name="Equation" r:id="rId4" imgW="2222500" imgH="444500" progId="Equation.DSMT4">
                   <p:embed/>
                 </p:oleObj>
               </mc:Choice>
@@ -8314,13 +8273,13 @@
   <p:clrMapOvr>
     <a:masterClrMapping/>
   </p:clrMapOvr>
-  <mc:AlternateContent xmlns:mc="http://schemas.openxmlformats.org/markup-compatibility/2006">
-    <mc:Choice xmlns:p14="http://schemas.microsoft.com/office/powerpoint/2010/main" Requires="p14">
+  <mc:AlternateContent xmlns:mc="http://schemas.openxmlformats.org/markup-compatibility/2006" xmlns:p14="http://schemas.microsoft.com/office/powerpoint/2010/main">
+    <mc:Choice Requires="p14">
       <p:transition spd="med" p14:dur="700">
         <p:fade/>
       </p:transition>
     </mc:Choice>
-    <mc:Fallback>
+    <mc:Fallback xmlns="">
       <p:transition xmlns:p14="http://schemas.microsoft.com/office/powerpoint/2010/main" spd="med">
         <p:fade/>
       </p:transition>
@@ -8930,13 +8889,13 @@
   <p:clrMapOvr>
     <a:masterClrMapping/>
   </p:clrMapOvr>
-  <mc:AlternateContent xmlns:mc="http://schemas.openxmlformats.org/markup-compatibility/2006">
-    <mc:Choice xmlns:p14="http://schemas.microsoft.com/office/powerpoint/2010/main" Requires="p14">
+  <mc:AlternateContent xmlns:mc="http://schemas.openxmlformats.org/markup-compatibility/2006" xmlns:p14="http://schemas.microsoft.com/office/powerpoint/2010/main">
+    <mc:Choice Requires="p14">
       <p:transition spd="med" p14:dur="700">
         <p:fade/>
       </p:transition>
     </mc:Choice>
-    <mc:Fallback>
+    <mc:Fallback xmlns="">
       <p:transition xmlns:p14="http://schemas.microsoft.com/office/powerpoint/2010/main" spd="med">
         <p:fade/>
       </p:transition>
@@ -8991,7 +8950,7 @@
           <a:graphicData uri="http://schemas.openxmlformats.org/presentationml/2006/ole">
             <mc:AlternateContent xmlns:mc="http://schemas.openxmlformats.org/markup-compatibility/2006">
               <mc:Choice xmlns:v="urn:schemas-microsoft-com:vml" Requires="v">
-                <p:oleObj spid="_x0000_s1052" name="Equation" r:id="rId5" imgW="1206500" imgH="533400" progId="Equation.DSMT4">
+                <p:oleObj spid="_x0000_s1057" name="Equation" r:id="rId5" imgW="1206500" imgH="533400" progId="Equation.DSMT4">
                   <p:embed/>
                 </p:oleObj>
               </mc:Choice>
@@ -9667,18 +9626,20 @@
             <p:cNvPr id="11276" name="Shape 24"/>
             <p:cNvCxnSpPr>
               <a:cxnSpLocks noChangeShapeType="1"/>
+              <a:stCxn id="11275" idx="3"/>
               <a:endCxn id="11274" idx="1"/>
             </p:cNvCxnSpPr>
             <p:nvPr/>
           </p:nvCxnSpPr>
           <p:spPr bwMode="auto">
-            <a:xfrm rot="16200000" flipH="1">
-              <a:off x="5600701" y="1866898"/>
-              <a:ext cx="990600" cy="914403"/>
+            <a:xfrm>
+              <a:off x="5782188" y="1863298"/>
+              <a:ext cx="771014" cy="956101"/>
             </a:xfrm>
-            <a:prstGeom prst="curvedConnector3">
+            <a:prstGeom prst="curvedConnector4">
               <a:avLst>
-                <a:gd name="adj1" fmla="val 24778"/>
+                <a:gd name="adj1" fmla="val 42588"/>
+                <a:gd name="adj2" fmla="val 42883"/>
               </a:avLst>
             </a:prstGeom>
             <a:noFill/>
@@ -9689,11 +9650,78 @@
               <a:prstDash val="sysDash"/>
               <a:round/>
               <a:headEnd/>
-              <a:tailEnd type="arrow" w="med" len="med"/>
+              <a:tailEnd type="triangle" w="med" len="med"/>
             </a:ln>
           </p:spPr>
         </p:cxnSp>
       </p:grpSp>
+      <p:sp>
+        <p:nvSpPr>
+          <p:cNvPr id="4" name="TextBox 3"/>
+          <p:cNvSpPr txBox="1"/>
+          <p:nvPr/>
+        </p:nvSpPr>
+        <p:spPr>
+          <a:xfrm>
+            <a:off x="762000" y="1143000"/>
+            <a:ext cx="3081480" cy="800219"/>
+          </a:xfrm>
+          <a:prstGeom prst="rect">
+            <a:avLst/>
+          </a:prstGeom>
+          <a:noFill/>
+        </p:spPr>
+        <p:txBody>
+          <a:bodyPr wrap="none" rtlCol="0">
+            <a:spAutoFit/>
+          </a:bodyPr>
+          <a:lstStyle/>
+          <a:p>
+            <a:r>
+              <a:rPr lang="en-US" dirty="0" smtClean="0">
+                <a:latin typeface="Comic Sans MS"/>
+                <a:cs typeface="Comic Sans MS"/>
+              </a:rPr>
+              <a:t>table edge</a:t>
+            </a:r>
+            <a:endParaRPr lang="en-US" dirty="0">
+              <a:latin typeface="Comic Sans MS"/>
+              <a:cs typeface="Comic Sans MS"/>
+            </a:endParaRPr>
+          </a:p>
+        </p:txBody>
+      </p:sp>
+      <p:cxnSp>
+        <p:nvCxnSpPr>
+          <p:cNvPr id="17" name="Curved Connector 16"/>
+          <p:cNvCxnSpPr>
+            <a:stCxn id="4" idx="3"/>
+          </p:cNvCxnSpPr>
+          <p:nvPr/>
+        </p:nvCxnSpPr>
+        <p:spPr bwMode="auto">
+          <a:xfrm>
+            <a:off x="3843480" y="1543110"/>
+            <a:ext cx="2176320" cy="1657290"/>
+          </a:xfrm>
+          <a:prstGeom prst="curvedConnector3">
+            <a:avLst/>
+          </a:prstGeom>
+          <a:solidFill>
+            <a:schemeClr val="accent1"/>
+          </a:solidFill>
+          <a:ln w="47625" cap="flat" cmpd="sng" algn="ctr">
+            <a:solidFill>
+              <a:schemeClr val="tx1"/>
+            </a:solidFill>
+            <a:prstDash val="sysDot"/>
+            <a:round/>
+            <a:headEnd type="none" w="med" len="med"/>
+            <a:tailEnd type="triangle" w="med" len="med"/>
+          </a:ln>
+          <a:effectLst/>
+        </p:spPr>
+      </p:cxnSp>
     </p:spTree>
     <p:custDataLst>
       <p:tags r:id="rId2"/>
@@ -9707,18 +9735,9 @@
   <p:clrMapOvr>
     <a:masterClrMapping/>
   </p:clrMapOvr>
-  <mc:AlternateContent xmlns:mc="http://schemas.openxmlformats.org/markup-compatibility/2006">
-    <mc:Choice xmlns:p14="http://schemas.microsoft.com/office/powerpoint/2010/main" Requires="p14">
-      <p:transition spd="med" p14:dur="700">
-        <p:fade/>
-      </p:transition>
-    </mc:Choice>
-    <mc:Fallback>
-      <p:transition xmlns:p14="http://schemas.microsoft.com/office/powerpoint/2010/main" spd="med">
-        <p:fade/>
-      </p:transition>
-    </mc:Fallback>
-  </mc:AlternateContent>
+  <p:transition xmlns:p14="http://schemas.microsoft.com/office/powerpoint/2010/main">
+    <p:fade/>
+  </p:transition>
   <p:timing>
     <p:tnLst>
       <p:par>
@@ -9731,6 +9750,9 @@
                     <p:cTn id="3" fill="hold">
                       <p:stCondLst>
                         <p:cond delay="indefinite"/>
+                        <p:cond evt="onBegin" delay="0">
+                          <p:tn val="2"/>
+                        </p:cond>
                       </p:stCondLst>
                       <p:childTnLst>
                         <p:par>
@@ -9740,7 +9762,7 @@
                             </p:stCondLst>
                             <p:childTnLst>
                               <p:par>
-                                <p:cTn id="5" presetID="9" presetClass="entr" presetSubtype="0" fill="hold" nodeType="clickEffect">
+                                <p:cTn id="5" presetID="9" presetClass="entr" presetSubtype="0" fill="hold" grpId="0" nodeType="withEffect">
                                   <p:stCondLst>
                                     <p:cond delay="0"/>
                                   </p:stCondLst>
@@ -9748,6 +9770,103 @@
                                     <p:set>
                                       <p:cBhvr>
                                         <p:cTn id="6" dur="1" fill="hold">
+                                          <p:stCondLst>
+                                            <p:cond delay="0"/>
+                                          </p:stCondLst>
+                                        </p:cTn>
+                                        <p:tgtEl>
+                                          <p:spTgt spid="4"/>
+                                        </p:tgtEl>
+                                        <p:attrNameLst>
+                                          <p:attrName>style.visibility</p:attrName>
+                                        </p:attrNameLst>
+                                      </p:cBhvr>
+                                      <p:to>
+                                        <p:strVal val="visible"/>
+                                      </p:to>
+                                    </p:set>
+                                    <p:animEffect transition="in" filter="dissolve">
+                                      <p:cBhvr>
+                                        <p:cTn id="7" dur="500"/>
+                                        <p:tgtEl>
+                                          <p:spTgt spid="4"/>
+                                        </p:tgtEl>
+                                      </p:cBhvr>
+                                    </p:animEffect>
+                                  </p:childTnLst>
+                                </p:cTn>
+                              </p:par>
+                            </p:childTnLst>
+                          </p:cTn>
+                        </p:par>
+                        <p:par>
+                          <p:cTn id="8" fill="hold">
+                            <p:stCondLst>
+                              <p:cond delay="500"/>
+                            </p:stCondLst>
+                            <p:childTnLst>
+                              <p:par>
+                                <p:cTn id="9" presetID="22" presetClass="entr" presetSubtype="8" fill="hold" nodeType="afterEffect">
+                                  <p:stCondLst>
+                                    <p:cond delay="0"/>
+                                  </p:stCondLst>
+                                  <p:childTnLst>
+                                    <p:set>
+                                      <p:cBhvr>
+                                        <p:cTn id="10" dur="1" fill="hold">
+                                          <p:stCondLst>
+                                            <p:cond delay="0"/>
+                                          </p:stCondLst>
+                                        </p:cTn>
+                                        <p:tgtEl>
+                                          <p:spTgt spid="17"/>
+                                        </p:tgtEl>
+                                        <p:attrNameLst>
+                                          <p:attrName>style.visibility</p:attrName>
+                                        </p:attrNameLst>
+                                      </p:cBhvr>
+                                      <p:to>
+                                        <p:strVal val="visible"/>
+                                      </p:to>
+                                    </p:set>
+                                    <p:animEffect transition="in" filter="wipe(left)">
+                                      <p:cBhvr>
+                                        <p:cTn id="11" dur="1000"/>
+                                        <p:tgtEl>
+                                          <p:spTgt spid="17"/>
+                                        </p:tgtEl>
+                                      </p:cBhvr>
+                                    </p:animEffect>
+                                  </p:childTnLst>
+                                </p:cTn>
+                              </p:par>
+                            </p:childTnLst>
+                          </p:cTn>
+                        </p:par>
+                      </p:childTnLst>
+                    </p:cTn>
+                  </p:par>
+                  <p:par>
+                    <p:cTn id="12" fill="hold">
+                      <p:stCondLst>
+                        <p:cond delay="indefinite"/>
+                      </p:stCondLst>
+                      <p:childTnLst>
+                        <p:par>
+                          <p:cTn id="13" fill="hold">
+                            <p:stCondLst>
+                              <p:cond delay="0"/>
+                            </p:stCondLst>
+                            <p:childTnLst>
+                              <p:par>
+                                <p:cTn id="14" presetID="9" presetClass="entr" presetSubtype="0" fill="hold" nodeType="clickEffect">
+                                  <p:stCondLst>
+                                    <p:cond delay="0"/>
+                                  </p:stCondLst>
+                                  <p:childTnLst>
+                                    <p:set>
+                                      <p:cBhvr>
+                                        <p:cTn id="15" dur="1" fill="hold">
                                           <p:stCondLst>
                                             <p:cond delay="0"/>
                                           </p:stCondLst>
@@ -9765,7 +9884,7 @@
                                     </p:set>
                                     <p:animEffect transition="in" filter="dissolve">
                                       <p:cBhvr>
-                                        <p:cTn id="7" dur="500"/>
+                                        <p:cTn id="16" dur="500"/>
                                         <p:tgtEl>
                                           <p:spTgt spid="6"/>
                                         </p:tgtEl>
@@ -9781,26 +9900,26 @@
                     </p:cTn>
                   </p:par>
                   <p:par>
-                    <p:cTn id="8" fill="hold">
+                    <p:cTn id="17" fill="hold">
                       <p:stCondLst>
                         <p:cond delay="indefinite"/>
                       </p:stCondLst>
                       <p:childTnLst>
                         <p:par>
-                          <p:cTn id="9" fill="hold">
+                          <p:cTn id="18" fill="hold">
                             <p:stCondLst>
                               <p:cond delay="0"/>
                             </p:stCondLst>
                             <p:childTnLst>
                               <p:par>
-                                <p:cTn id="10" presetID="22" presetClass="entr" presetSubtype="8" fill="hold" nodeType="clickEffect">
+                                <p:cTn id="19" presetID="22" presetClass="entr" presetSubtype="8" fill="hold" nodeType="clickEffect">
                                   <p:stCondLst>
                                     <p:cond delay="0"/>
                                   </p:stCondLst>
                                   <p:childTnLst>
                                     <p:set>
                                       <p:cBhvr>
-                                        <p:cTn id="11" dur="1" fill="hold">
+                                        <p:cTn id="20" dur="1" fill="hold">
                                           <p:stCondLst>
                                             <p:cond delay="0"/>
                                           </p:stCondLst>
@@ -9818,7 +9937,7 @@
                                     </p:set>
                                     <p:animEffect transition="in" filter="wipe(left)">
                                       <p:cBhvr>
-                                        <p:cTn id="12" dur="1000"/>
+                                        <p:cTn id="21" dur="1000"/>
                                         <p:tgtEl>
                                           <p:spTgt spid="79876"/>
                                         </p:tgtEl>
@@ -9854,6 +9973,9 @@
         </p:cTn>
       </p:par>
     </p:tnLst>
+    <p:bldLst>
+      <p:bldP spid="4" grpId="0"/>
+    </p:bldLst>
   </p:timing>
 </p:sld>
 </file>
@@ -10746,7 +10868,7 @@
           <a:graphicData uri="http://schemas.openxmlformats.org/presentationml/2006/ole">
             <mc:AlternateContent xmlns:mc="http://schemas.openxmlformats.org/markup-compatibility/2006">
               <mc:Choice xmlns:v="urn:schemas-microsoft-com:vml" Requires="v">
-                <p:oleObj spid="_x0000_s20481" name="Equation" r:id="rId5" imgW="914400" imgH="179640" progId="Equation.DSMT4">
+                <p:oleObj spid="_x0000_s20490" name="Equation" r:id="rId5" imgW="914400" imgH="179640" progId="Equation.DSMT4">
                   <p:embed/>
                 </p:oleObj>
               </mc:Choice>
@@ -10976,7 +11098,7 @@
           <a:graphicData uri="http://schemas.openxmlformats.org/presentationml/2006/ole">
             <mc:AlternateContent xmlns:mc="http://schemas.openxmlformats.org/markup-compatibility/2006">
               <mc:Choice xmlns:v="urn:schemas-microsoft-com:vml" Requires="v">
-                <p:oleObj spid="_x0000_s20482" name="Equation" r:id="rId7" imgW="139700" imgH="406400" progId="Equation.DSMT4">
+                <p:oleObj spid="_x0000_s20491" name="Equation" r:id="rId7" imgW="139700" imgH="406400" progId="Equation.DSMT4">
                   <p:embed/>
                 </p:oleObj>
               </mc:Choice>
@@ -11067,9 +11189,18 @@
   <p:clrMapOvr>
     <a:masterClrMapping/>
   </p:clrMapOvr>
-  <p:transition xmlns:p14="http://schemas.microsoft.com/office/powerpoint/2010/main" spd="slow">
-    <p:fade thruBlk="1"/>
-  </p:transition>
+  <mc:AlternateContent xmlns:mc="http://schemas.openxmlformats.org/markup-compatibility/2006">
+    <mc:Choice xmlns:p14="http://schemas.microsoft.com/office/powerpoint/2010/main" Requires="p14">
+      <p:transition spd="slow" p14:dur="900" advClick="0" advTm="1000">
+        <p:fade/>
+      </p:transition>
+    </mc:Choice>
+    <mc:Fallback>
+      <p:transition xmlns:p14="http://schemas.microsoft.com/office/powerpoint/2010/main" spd="slow" advClick="0" advTm="1000">
+        <p:fade/>
+      </p:transition>
+    </mc:Fallback>
+  </mc:AlternateContent>
   <p:timing>
     <p:tnLst>
       <p:par>
@@ -11903,7 +12034,7 @@
           <a:graphicData uri="http://schemas.openxmlformats.org/presentationml/2006/ole">
             <mc:AlternateContent xmlns:mc="http://schemas.openxmlformats.org/markup-compatibility/2006">
               <mc:Choice xmlns:v="urn:schemas-microsoft-com:vml" Requires="v">
-                <p:oleObj spid="_x0000_s13478" name="Equation" r:id="rId4" imgW="914400" imgH="179640" progId="Equation.DSMT4">
+                <p:oleObj spid="_x0000_s13499" name="Equation" r:id="rId4" imgW="914400" imgH="179640" progId="Equation.DSMT4">
                   <p:embed/>
                 </p:oleObj>
               </mc:Choice>
@@ -11973,7 +12104,7 @@
           <a:graphicData uri="http://schemas.openxmlformats.org/presentationml/2006/ole">
             <mc:AlternateContent xmlns:mc="http://schemas.openxmlformats.org/markup-compatibility/2006">
               <mc:Choice xmlns:v="urn:schemas-microsoft-com:vml" Requires="v">
-                <p:oleObj spid="_x0000_s13479" name="Equation" r:id="rId6" imgW="215640" imgH="355320" progId="Equation.DSMT4">
+                <p:oleObj spid="_x0000_s13500" name="Equation" r:id="rId6" imgW="215640" imgH="355320" progId="Equation.DSMT4">
                   <p:embed/>
                 </p:oleObj>
               </mc:Choice>
@@ -12043,7 +12174,7 @@
           <a:graphicData uri="http://schemas.openxmlformats.org/presentationml/2006/ole">
             <mc:AlternateContent xmlns:mc="http://schemas.openxmlformats.org/markup-compatibility/2006">
               <mc:Choice xmlns:v="urn:schemas-microsoft-com:vml" Requires="v">
-                <p:oleObj spid="_x0000_s13480" name="Equation" r:id="rId8" imgW="215640" imgH="355320" progId="Equation.DSMT4">
+                <p:oleObj spid="_x0000_s13501" name="Equation" r:id="rId8" imgW="215640" imgH="355320" progId="Equation.DSMT4">
                   <p:embed/>
                 </p:oleObj>
               </mc:Choice>
@@ -12273,7 +12404,7 @@
           <a:graphicData uri="http://schemas.openxmlformats.org/presentationml/2006/ole">
             <mc:AlternateContent xmlns:mc="http://schemas.openxmlformats.org/markup-compatibility/2006">
               <mc:Choice xmlns:v="urn:schemas-microsoft-com:vml" Requires="v">
-                <p:oleObj spid="_x0000_s13481" name="Equation" r:id="rId10" imgW="520560" imgH="419040" progId="Equation.DSMT4">
+                <p:oleObj spid="_x0000_s13502" name="Equation" r:id="rId10" imgW="520560" imgH="419040" progId="Equation.DSMT4">
                   <p:embed/>
                 </p:oleObj>
               </mc:Choice>
@@ -12343,7 +12474,7 @@
           <a:graphicData uri="http://schemas.openxmlformats.org/presentationml/2006/ole">
             <mc:AlternateContent xmlns:mc="http://schemas.openxmlformats.org/markup-compatibility/2006">
               <mc:Choice xmlns:v="urn:schemas-microsoft-com:vml" Requires="v">
-                <p:oleObj spid="_x0000_s13482" name="Equation" r:id="rId12" imgW="139700" imgH="406400" progId="Equation.DSMT4">
+                <p:oleObj spid="_x0000_s13503" name="Equation" r:id="rId12" imgW="139700" imgH="406400" progId="Equation.DSMT4">
                   <p:embed/>
                 </p:oleObj>
               </mc:Choice>
@@ -12428,12 +12559,12 @@
   </p:clrMapOvr>
   <mc:AlternateContent xmlns:mc="http://schemas.openxmlformats.org/markup-compatibility/2006">
     <mc:Choice xmlns:p14="http://schemas.microsoft.com/office/powerpoint/2010/main" Requires="p14">
-      <p:transition p14:dur="300">
+      <p:transition spd="med" p14:dur="700">
         <p:fade/>
       </p:transition>
     </mc:Choice>
     <mc:Fallback>
-      <p:transition xmlns:p14="http://schemas.microsoft.com/office/powerpoint/2010/main">
+      <p:transition xmlns:p14="http://schemas.microsoft.com/office/powerpoint/2010/main" spd="med">
         <p:fade/>
       </p:transition>
     </mc:Fallback>
@@ -12663,7 +12794,7 @@
           <a:graphicData uri="http://schemas.openxmlformats.org/presentationml/2006/ole">
             <mc:AlternateContent xmlns:mc="http://schemas.openxmlformats.org/markup-compatibility/2006">
               <mc:Choice xmlns:v="urn:schemas-microsoft-com:vml" Requires="v">
-                <p:oleObj spid="_x0000_s14412" name="Equation" r:id="rId5" imgW="520560" imgH="419040" progId="Equation.DSMT4">
+                <p:oleObj spid="_x0000_s14419" name="Equation" r:id="rId5" imgW="520560" imgH="419040" progId="Equation.DSMT4">
                   <p:embed/>
                 </p:oleObj>
               </mc:Choice>
@@ -12815,7 +12946,7 @@
           <a:graphicData uri="http://schemas.openxmlformats.org/presentationml/2006/ole">
             <mc:AlternateContent xmlns:mc="http://schemas.openxmlformats.org/markup-compatibility/2006">
               <mc:Choice xmlns:v="urn:schemas-microsoft-com:vml" Requires="v">
-                <p:oleObj spid="_x0000_s14413" name="Equation" r:id="rId7" imgW="1295400" imgH="469900" progId="Equation.3">
+                <p:oleObj spid="_x0000_s14420" name="Equation" r:id="rId7" imgW="1295400" imgH="469900" progId="Equation.3">
                   <p:embed/>
                 </p:oleObj>
               </mc:Choice>
@@ -12896,13 +13027,13 @@
   <p:clrMapOvr>
     <a:masterClrMapping/>
   </p:clrMapOvr>
-  <mc:AlternateContent xmlns:mc="http://schemas.openxmlformats.org/markup-compatibility/2006">
-    <mc:Choice xmlns:p14="http://schemas.microsoft.com/office/powerpoint/2010/main" Requires="p14">
+  <mc:AlternateContent xmlns:mc="http://schemas.openxmlformats.org/markup-compatibility/2006" xmlns:p14="http://schemas.microsoft.com/office/powerpoint/2010/main">
+    <mc:Choice Requires="p14">
       <p:transition spd="slow" p14:dur="1200">
         <p:fade thruBlk="1"/>
       </p:transition>
     </mc:Choice>
-    <mc:Fallback>
+    <mc:Fallback xmlns="">
       <p:transition xmlns:p14="http://schemas.microsoft.com/office/powerpoint/2010/main" spd="slow">
         <p:fade thruBlk="1"/>
       </p:transition>
@@ -12929,7 +13060,7 @@
                             </p:stCondLst>
                             <p:childTnLst>
                               <p:par>
-                                <p:cTn id="5" presetID="1" presetClass="entr" presetSubtype="0" fill="hold" nodeType="clickEffect">
+                                <p:cTn id="5" presetID="9" presetClass="entr" presetSubtype="0" fill="hold" nodeType="clickEffect">
                                   <p:stCondLst>
                                     <p:cond delay="0"/>
                                   </p:stCondLst>
@@ -12956,6 +13087,18 @@
                                         <p:strVal val="visible"/>
                                       </p:to>
                                     </p:set>
+                                    <p:animEffect transition="in" filter="dissolve">
+                                      <p:cBhvr>
+                                        <p:cTn id="7" dur="500"/>
+                                        <p:tgtEl>
+                                          <p:spTgt spid="81923">
+                                            <p:txEl>
+                                              <p:pRg st="1" end="1"/>
+                                            </p:txEl>
+                                          </p:spTgt>
+                                        </p:tgtEl>
+                                      </p:cBhvr>
+                                    </p:animEffect>
                                   </p:childTnLst>
                                 </p:cTn>
                               </p:par>
@@ -12966,26 +13109,26 @@
                     </p:cTn>
                   </p:par>
                   <p:par>
-                    <p:cTn id="7" fill="hold">
+                    <p:cTn id="8" fill="hold">
                       <p:stCondLst>
                         <p:cond delay="indefinite"/>
                       </p:stCondLst>
                       <p:childTnLst>
                         <p:par>
-                          <p:cTn id="8" fill="hold">
+                          <p:cTn id="9" fill="hold">
                             <p:stCondLst>
                               <p:cond delay="0"/>
                             </p:stCondLst>
                             <p:childTnLst>
                               <p:par>
-                                <p:cTn id="9" presetID="9" presetClass="entr" presetSubtype="0" fill="hold" nodeType="clickEffect">
+                                <p:cTn id="10" presetID="22" presetClass="entr" presetSubtype="8" fill="hold" nodeType="clickEffect">
                                   <p:stCondLst>
                                     <p:cond delay="0"/>
                                   </p:stCondLst>
                                   <p:childTnLst>
                                     <p:set>
                                       <p:cBhvr>
-                                        <p:cTn id="10" dur="1" fill="hold">
+                                        <p:cTn id="11" dur="1" fill="hold">
                                           <p:stCondLst>
                                             <p:cond delay="0"/>
                                           </p:stCondLst>
@@ -13005,9 +13148,9 @@
                                         <p:strVal val="visible"/>
                                       </p:to>
                                     </p:set>
-                                    <p:animEffect transition="in" filter="dissolve">
+                                    <p:animEffect transition="in" filter="wipe(left)">
                                       <p:cBhvr>
-                                        <p:cTn id="11" dur="500"/>
+                                        <p:cTn id="12" dur="500"/>
                                         <p:tgtEl>
                                           <p:spTgt spid="81923">
                                             <p:txEl>
@@ -13024,20 +13167,20 @@
                           </p:cTn>
                         </p:par>
                         <p:par>
-                          <p:cTn id="12" fill="hold">
+                          <p:cTn id="13" fill="hold">
                             <p:stCondLst>
                               <p:cond delay="500"/>
                             </p:stCondLst>
                             <p:childTnLst>
                               <p:par>
-                                <p:cTn id="13" presetID="9" presetClass="entr" presetSubtype="0" fill="hold" nodeType="afterEffect">
+                                <p:cTn id="14" presetID="9" presetClass="entr" presetSubtype="0" fill="hold" nodeType="afterEffect">
                                   <p:stCondLst>
                                     <p:cond delay="0"/>
                                   </p:stCondLst>
                                   <p:childTnLst>
                                     <p:set>
                                       <p:cBhvr>
-                                        <p:cTn id="14" dur="1" fill="hold">
+                                        <p:cTn id="15" dur="1" fill="hold">
                                           <p:stCondLst>
                                             <p:cond delay="0"/>
                                           </p:stCondLst>
@@ -13055,7 +13198,7 @@
                                     </p:set>
                                     <p:animEffect transition="in" filter="dissolve">
                                       <p:cBhvr>
-                                        <p:cTn id="15" dur="500"/>
+                                        <p:cTn id="16" dur="500"/>
                                         <p:tgtEl>
                                           <p:spTgt spid="14338"/>
                                         </p:tgtEl>
@@ -13071,26 +13214,26 @@
                     </p:cTn>
                   </p:par>
                   <p:par>
-                    <p:cTn id="16" fill="hold">
+                    <p:cTn id="17" fill="hold">
                       <p:stCondLst>
                         <p:cond delay="indefinite"/>
                       </p:stCondLst>
                       <p:childTnLst>
                         <p:par>
-                          <p:cTn id="17" fill="hold">
+                          <p:cTn id="18" fill="hold">
                             <p:stCondLst>
                               <p:cond delay="0"/>
                             </p:stCondLst>
                             <p:childTnLst>
                               <p:par>
-                                <p:cTn id="18" presetID="1" presetClass="entr" presetSubtype="0" fill="hold" nodeType="clickEffect">
+                                <p:cTn id="19" presetID="22" presetClass="entr" presetSubtype="8" fill="hold" nodeType="clickEffect">
                                   <p:stCondLst>
                                     <p:cond delay="0"/>
                                   </p:stCondLst>
                                   <p:childTnLst>
                                     <p:set>
                                       <p:cBhvr>
-                                        <p:cTn id="19" dur="1" fill="hold">
+                                        <p:cTn id="20" dur="1" fill="hold">
                                           <p:stCondLst>
                                             <p:cond delay="0"/>
                                           </p:stCondLst>
@@ -13110,6 +13253,18 @@
                                         <p:strVal val="visible"/>
                                       </p:to>
                                     </p:set>
+                                    <p:animEffect transition="in" filter="wipe(left)">
+                                      <p:cBhvr>
+                                        <p:cTn id="21" dur="500"/>
+                                        <p:tgtEl>
+                                          <p:spTgt spid="81923">
+                                            <p:txEl>
+                                              <p:pRg st="4" end="4"/>
+                                            </p:txEl>
+                                          </p:spTgt>
+                                        </p:tgtEl>
+                                      </p:cBhvr>
+                                    </p:animEffect>
                                   </p:childTnLst>
                                 </p:cTn>
                               </p:par>
@@ -13117,20 +13272,20 @@
                           </p:cTn>
                         </p:par>
                         <p:par>
-                          <p:cTn id="20" fill="hold">
+                          <p:cTn id="22" fill="hold">
                             <p:stCondLst>
-                              <p:cond delay="0"/>
+                              <p:cond delay="500"/>
                             </p:stCondLst>
                             <p:childTnLst>
                               <p:par>
-                                <p:cTn id="21" presetID="22" presetClass="entr" presetSubtype="8" fill="hold" nodeType="afterEffect">
+                                <p:cTn id="23" presetID="22" presetClass="entr" presetSubtype="8" fill="hold" nodeType="afterEffect">
                                   <p:stCondLst>
                                     <p:cond delay="0"/>
                                   </p:stCondLst>
                                   <p:childTnLst>
                                     <p:set>
                                       <p:cBhvr>
-                                        <p:cTn id="22" dur="1" fill="hold">
+                                        <p:cTn id="24" dur="1" fill="hold">
                                           <p:stCondLst>
                                             <p:cond delay="0"/>
                                           </p:stCondLst>
@@ -13148,7 +13303,7 @@
                                     </p:set>
                                     <p:animEffect transition="in" filter="wipe(left)">
                                       <p:cBhvr>
-                                        <p:cTn id="23" dur="1000"/>
+                                        <p:cTn id="25" dur="1000"/>
                                         <p:tgtEl>
                                           <p:spTgt spid="81933"/>
                                         </p:tgtEl>
@@ -13555,13 +13710,13 @@
   <p:clrMapOvr>
     <a:masterClrMapping/>
   </p:clrMapOvr>
-  <mc:AlternateContent xmlns:mc="http://schemas.openxmlformats.org/markup-compatibility/2006">
-    <mc:Choice xmlns:p14="http://schemas.microsoft.com/office/powerpoint/2010/main" Requires="p14">
+  <mc:AlternateContent xmlns:mc="http://schemas.openxmlformats.org/markup-compatibility/2006" xmlns:p14="http://schemas.microsoft.com/office/powerpoint/2010/main">
+    <mc:Choice Requires="p14">
       <p:transition spd="med" p14:dur="700">
         <p:fade/>
       </p:transition>
     </mc:Choice>
-    <mc:Fallback>
+    <mc:Fallback xmlns="">
       <p:transition xmlns:p14="http://schemas.microsoft.com/office/powerpoint/2010/main" spd="med">
         <p:fade/>
       </p:transition>
@@ -13616,7 +13771,7 @@
           <a:graphicData uri="http://schemas.openxmlformats.org/presentationml/2006/ole">
             <mc:AlternateContent xmlns:mc="http://schemas.openxmlformats.org/markup-compatibility/2006">
               <mc:Choice xmlns:v="urn:schemas-microsoft-com:vml" Requires="v">
-                <p:oleObj spid="_x0000_s15403" name="Equation" r:id="rId5" imgW="1422400" imgH="419100" progId="Equation.3">
+                <p:oleObj spid="_x0000_s15407" name="Equation" r:id="rId5" imgW="1422400" imgH="419100" progId="Equation.3">
                   <p:embed/>
                 </p:oleObj>
               </mc:Choice>
@@ -13849,13 +14004,13 @@
   <p:clrMapOvr>
     <a:masterClrMapping/>
   </p:clrMapOvr>
-  <mc:AlternateContent xmlns:mc="http://schemas.openxmlformats.org/markup-compatibility/2006">
-    <mc:Choice xmlns:p14="http://schemas.microsoft.com/office/powerpoint/2010/main" Requires="p14">
+  <mc:AlternateContent xmlns:mc="http://schemas.openxmlformats.org/markup-compatibility/2006" xmlns:p14="http://schemas.microsoft.com/office/powerpoint/2010/main">
+    <mc:Choice Requires="p14">
       <p:transition spd="med" p14:dur="700">
         <p:fade/>
       </p:transition>
     </mc:Choice>
-    <mc:Fallback>
+    <mc:Fallback xmlns="">
       <p:transition xmlns:p14="http://schemas.microsoft.com/office/powerpoint/2010/main" spd="med">
         <p:fade/>
       </p:transition>
@@ -14573,13 +14728,13 @@
   <p:clrMapOvr>
     <a:masterClrMapping/>
   </p:clrMapOvr>
-  <mc:AlternateContent xmlns:mc="http://schemas.openxmlformats.org/markup-compatibility/2006">
-    <mc:Choice xmlns:p14="http://schemas.microsoft.com/office/powerpoint/2010/main" Requires="p14">
+  <mc:AlternateContent xmlns:mc="http://schemas.openxmlformats.org/markup-compatibility/2006" xmlns:p14="http://schemas.microsoft.com/office/powerpoint/2010/main">
+    <mc:Choice Requires="p14">
       <p:transition spd="med" p14:dur="700">
         <p:fade/>
       </p:transition>
     </mc:Choice>
-    <mc:Fallback>
+    <mc:Fallback xmlns="">
       <p:transition xmlns:p14="http://schemas.microsoft.com/office/powerpoint/2010/main" spd="med">
         <p:fade/>
       </p:transition>
@@ -15116,13 +15271,13 @@
   <p:clrMapOvr>
     <a:masterClrMapping/>
   </p:clrMapOvr>
-  <mc:AlternateContent xmlns:mc="http://schemas.openxmlformats.org/markup-compatibility/2006">
-    <mc:Choice xmlns:p14="http://schemas.microsoft.com/office/powerpoint/2010/main" Requires="p14">
+  <mc:AlternateContent xmlns:mc="http://schemas.openxmlformats.org/markup-compatibility/2006" xmlns:p14="http://schemas.microsoft.com/office/powerpoint/2010/main">
+    <mc:Choice Requires="p14">
       <p:transition spd="med" p14:dur="700">
         <p:fade/>
       </p:transition>
     </mc:Choice>
-    <mc:Fallback>
+    <mc:Fallback xmlns="">
       <p:transition xmlns:p14="http://schemas.microsoft.com/office/powerpoint/2010/main" spd="med">
         <p:fade/>
       </p:transition>
@@ -15659,13 +15814,13 @@
   <p:clrMapOvr>
     <a:masterClrMapping/>
   </p:clrMapOvr>
-  <mc:AlternateContent xmlns:mc="http://schemas.openxmlformats.org/markup-compatibility/2006">
-    <mc:Choice xmlns:p14="http://schemas.microsoft.com/office/powerpoint/2010/main" Requires="p14">
+  <mc:AlternateContent xmlns:mc="http://schemas.openxmlformats.org/markup-compatibility/2006" xmlns:p14="http://schemas.microsoft.com/office/powerpoint/2010/main">
+    <mc:Choice Requires="p14">
       <p:transition spd="med" p14:dur="700">
         <p:fade/>
       </p:transition>
     </mc:Choice>
-    <mc:Fallback>
+    <mc:Fallback xmlns="">
       <p:transition xmlns:p14="http://schemas.microsoft.com/office/powerpoint/2010/main" spd="med">
         <p:fade/>
       </p:transition>
@@ -16646,7 +16801,7 @@
           <a:graphicData uri="http://schemas.openxmlformats.org/presentationml/2006/ole">
             <mc:AlternateContent xmlns:mc="http://schemas.openxmlformats.org/markup-compatibility/2006">
               <mc:Choice xmlns:v="urn:schemas-microsoft-com:vml" Requires="v">
-                <p:oleObj spid="_x0000_s17417" name="Equation" r:id="rId5" imgW="292100" imgH="469900" progId="Equation.DSMT4">
+                <p:oleObj spid="_x0000_s17421" name="Equation" r:id="rId5" imgW="292100" imgH="469900" progId="Equation.DSMT4">
                   <p:embed/>
                 </p:oleObj>
               </mc:Choice>
@@ -16686,13 +16841,13 @@
   <p:clrMapOvr>
     <a:masterClrMapping/>
   </p:clrMapOvr>
-  <mc:AlternateContent xmlns:mc="http://schemas.openxmlformats.org/markup-compatibility/2006">
-    <mc:Choice xmlns:p14="http://schemas.microsoft.com/office/powerpoint/2010/main" Requires="p14">
+  <mc:AlternateContent xmlns:mc="http://schemas.openxmlformats.org/markup-compatibility/2006" xmlns:p14="http://schemas.microsoft.com/office/powerpoint/2010/main">
+    <mc:Choice Requires="p14">
       <p:transition spd="med" p14:dur="700">
         <p:fade/>
       </p:transition>
     </mc:Choice>
-    <mc:Fallback>
+    <mc:Fallback xmlns="">
       <p:transition xmlns:p14="http://schemas.microsoft.com/office/powerpoint/2010/main" spd="med">
         <p:fade/>
       </p:transition>
@@ -17380,13 +17535,13 @@
   <p:clrMapOvr>
     <a:masterClrMapping/>
   </p:clrMapOvr>
-  <mc:AlternateContent xmlns:mc="http://schemas.openxmlformats.org/markup-compatibility/2006">
-    <mc:Choice xmlns:p14="http://schemas.microsoft.com/office/powerpoint/2010/main" Requires="p14">
+  <mc:AlternateContent xmlns:mc="http://schemas.openxmlformats.org/markup-compatibility/2006" xmlns:p14="http://schemas.microsoft.com/office/powerpoint/2010/main">
+    <mc:Choice Requires="p14">
       <p:transition spd="med" p14:dur="700">
         <p:fade/>
       </p:transition>
     </mc:Choice>
-    <mc:Fallback>
+    <mc:Fallback xmlns="">
       <p:transition xmlns:p14="http://schemas.microsoft.com/office/powerpoint/2010/main" spd="med">
         <p:fade/>
       </p:transition>
@@ -18097,13 +18252,13 @@
   <p:clrMapOvr>
     <a:masterClrMapping/>
   </p:clrMapOvr>
-  <mc:AlternateContent xmlns:mc="http://schemas.openxmlformats.org/markup-compatibility/2006">
-    <mc:Choice xmlns:p14="http://schemas.microsoft.com/office/powerpoint/2010/main" Requires="p14">
+  <mc:AlternateContent xmlns:mc="http://schemas.openxmlformats.org/markup-compatibility/2006" xmlns:p14="http://schemas.microsoft.com/office/powerpoint/2010/main">
+    <mc:Choice Requires="p14">
       <p:transition spd="med" p14:dur="700">
         <p:fade/>
       </p:transition>
     </mc:Choice>
-    <mc:Fallback>
+    <mc:Fallback xmlns="">
       <p:transition xmlns:p14="http://schemas.microsoft.com/office/powerpoint/2010/main" spd="med">
         <p:fade/>
       </p:transition>
@@ -18685,13 +18840,13 @@
   <p:clrMapOvr>
     <a:masterClrMapping/>
   </p:clrMapOvr>
-  <mc:AlternateContent xmlns:mc="http://schemas.openxmlformats.org/markup-compatibility/2006">
-    <mc:Choice xmlns:p14="http://schemas.microsoft.com/office/powerpoint/2010/main" Requires="p14">
+  <mc:AlternateContent xmlns:mc="http://schemas.openxmlformats.org/markup-compatibility/2006" xmlns:p14="http://schemas.microsoft.com/office/powerpoint/2010/main">
+    <mc:Choice Requires="p14">
       <p:transition spd="med" p14:dur="700">
         <p:fade/>
       </p:transition>
     </mc:Choice>
-    <mc:Fallback>
+    <mc:Fallback xmlns="">
       <p:transition xmlns:p14="http://schemas.microsoft.com/office/powerpoint/2010/main" spd="med">
         <p:fade/>
       </p:transition>
